--- a/Presentation/The Secrets of Salient Object Segmentation.pptx
+++ b/Presentation/The Secrets of Salient Object Segmentation.pptx
@@ -5,7 +5,7 @@
     <p:sldMasterId id="2147483648" r:id="rId1"/>
   </p:sldMasterIdLst>
   <p:notesMasterIdLst>
-    <p:notesMasterId r:id="rId10"/>
+    <p:notesMasterId r:id="rId23"/>
   </p:notesMasterIdLst>
   <p:sldIdLst>
     <p:sldId id="256" r:id="rId2"/>
@@ -16,6 +16,19 @@
     <p:sldId id="260" r:id="rId7"/>
     <p:sldId id="261" r:id="rId8"/>
     <p:sldId id="263" r:id="rId9"/>
+    <p:sldId id="264" r:id="rId10"/>
+    <p:sldId id="265" r:id="rId11"/>
+    <p:sldId id="266" r:id="rId12"/>
+    <p:sldId id="267" r:id="rId13"/>
+    <p:sldId id="268" r:id="rId14"/>
+    <p:sldId id="269" r:id="rId15"/>
+    <p:sldId id="270" r:id="rId16"/>
+    <p:sldId id="271" r:id="rId17"/>
+    <p:sldId id="272" r:id="rId18"/>
+    <p:sldId id="273" r:id="rId19"/>
+    <p:sldId id="274" r:id="rId20"/>
+    <p:sldId id="275" r:id="rId21"/>
+    <p:sldId id="276" r:id="rId22"/>
   </p:sldIdLst>
   <p:sldSz cx="12192000" cy="6858000"/>
   <p:notesSz cx="6858000" cy="9144000"/>
@@ -1375,8 +1388,8 @@
             <a:t> , </a:t>
           </a:r>
           <a:r>
-            <a:rPr lang="en-IN" dirty="0" err="1" smtClean="0"/>
-            <a:t>etc</a:t>
+            <a:rPr lang="en-IN" dirty="0" smtClean="0"/>
+            <a:t>etc.</a:t>
           </a:r>
           <a:endParaRPr lang="en-IN" dirty="0"/>
         </a:p>
@@ -1887,6 +1900,13 @@
         </dgm:presLayoutVars>
       </dgm:prSet>
       <dgm:spPr/>
+      <dgm:t>
+        <a:bodyPr/>
+        <a:lstStyle/>
+        <a:p>
+          <a:endParaRPr lang="en-IN"/>
+        </a:p>
+      </dgm:t>
     </dgm:pt>
     <dgm:pt modelId="{F642266A-7B87-4727-9C26-2B65AF779E40}" type="pres">
       <dgm:prSet presAssocID="{32134AD4-4A6A-4E72-8FF5-81752190FAB6}" presName="diamond" presStyleLbl="bgShp" presStyleIdx="0" presStyleCnt="1"/>
@@ -1962,46 +1982,46 @@
     </dgm:pt>
   </dgm:ptLst>
   <dgm:cxnLst>
+    <dgm:cxn modelId="{959E8BF5-A76D-4FBE-B923-D40515DF72C9}" srcId="{6794AC66-7A6B-4A15-A80B-5FA9AAAD7A8D}" destId="{16195E57-C684-4CD8-B6EB-A70F94727FC6}" srcOrd="0" destOrd="0" parTransId="{E697047B-8107-4C43-8FDF-A63FB197AC7E}" sibTransId="{75A25B41-9107-4537-A5B8-79EFA9073B67}"/>
+    <dgm:cxn modelId="{10B321F4-1E05-48D8-9147-521FFD9EAA16}" srcId="{223AA69A-A598-4437-855D-10586A66BE7E}" destId="{FCDEA177-2924-4025-8C69-F2EA58DD8A07}" srcOrd="2" destOrd="0" parTransId="{7BA847A3-0416-4103-A94B-5D13EE30928E}" sibTransId="{96A06567-FFCB-4060-8787-2CF7EE3032AA}"/>
+    <dgm:cxn modelId="{941DF0FE-81A9-4C20-AFB8-0FBDD59E3516}" type="presOf" srcId="{65D1FAE7-E96F-41D2-8FE8-A377B94B3E54}" destId="{BF853E29-5A36-4963-9248-5FB422107160}" srcOrd="0" destOrd="4" presId="urn:microsoft.com/office/officeart/2005/8/layout/matrix3"/>
+    <dgm:cxn modelId="{7943F3E7-FD18-4A34-800C-84A23A2BBC27}" srcId="{AFFF3375-A717-4234-A9BA-282E811124FE}" destId="{77BFED9A-605C-4741-9115-247028EC2DA7}" srcOrd="3" destOrd="0" parTransId="{26FE9F41-CAA5-47B3-BF57-B3A50BB2C8E9}" sibTransId="{787006BF-B4A4-4E91-9C46-AC4E67FB2705}"/>
+    <dgm:cxn modelId="{2A676AA2-9772-4FC7-8E88-65D220931F8B}" srcId="{223AA69A-A598-4437-855D-10586A66BE7E}" destId="{65D1FAE7-E96F-41D2-8FE8-A377B94B3E54}" srcOrd="3" destOrd="0" parTransId="{B9A8B8A8-D0A7-496B-B561-9E62CDB7A486}" sibTransId="{FF067A88-BB7F-496E-99E8-0F25D351C311}"/>
+    <dgm:cxn modelId="{653BBCA2-DF0E-4011-A3B4-4A571EC11413}" srcId="{32134AD4-4A6A-4E72-8FF5-81752190FAB6}" destId="{51B73331-6214-42F4-AB84-84D4BB40897C}" srcOrd="1" destOrd="0" parTransId="{C9384D3D-061E-457A-9158-5579962A609A}" sibTransId="{94E343BE-47A6-44C4-91FC-C5525ADFD94B}"/>
+    <dgm:cxn modelId="{32D2348E-0856-4585-AE9D-02DB07A3632B}" type="presOf" srcId="{77BFED9A-605C-4741-9115-247028EC2DA7}" destId="{1E7F13A2-F346-44F8-820A-A7BCD20C277E}" srcOrd="0" destOrd="4" presId="urn:microsoft.com/office/officeart/2005/8/layout/matrix3"/>
+    <dgm:cxn modelId="{6CFEC6ED-F97F-429F-8078-C530616FD92D}" type="presOf" srcId="{36F0B2EF-D5A8-402C-B526-DCA3F305A90E}" destId="{1E7F13A2-F346-44F8-820A-A7BCD20C277E}" srcOrd="0" destOrd="3" presId="urn:microsoft.com/office/officeart/2005/8/layout/matrix3"/>
+    <dgm:cxn modelId="{803D3002-3ECD-4DBB-8DA6-E2BB5DFC0374}" type="presOf" srcId="{830153CB-5FAE-4A33-9CD5-C62E344B8E11}" destId="{1E7F13A2-F346-44F8-820A-A7BCD20C277E}" srcOrd="0" destOrd="2" presId="urn:microsoft.com/office/officeart/2005/8/layout/matrix3"/>
+    <dgm:cxn modelId="{5CB12B73-3FB3-4469-B8FA-2E7109ECF7FC}" type="presOf" srcId="{FCDEA177-2924-4025-8C69-F2EA58DD8A07}" destId="{BF853E29-5A36-4963-9248-5FB422107160}" srcOrd="0" destOrd="3" presId="urn:microsoft.com/office/officeart/2005/8/layout/matrix3"/>
+    <dgm:cxn modelId="{4427F917-B262-4F00-94BB-2A2DBD2E2456}" srcId="{AFFF3375-A717-4234-A9BA-282E811124FE}" destId="{36F0B2EF-D5A8-402C-B526-DCA3F305A90E}" srcOrd="2" destOrd="0" parTransId="{BC9F4EC9-DCBC-40EB-B05E-E9C291947978}" sibTransId="{548217E6-E818-4B34-96BC-6A477E464344}"/>
+    <dgm:cxn modelId="{ACB92F2A-B8CA-41F0-8061-E1742CB8803D}" type="presOf" srcId="{16195E57-C684-4CD8-B6EB-A70F94727FC6}" destId="{9DA9DF1F-9C42-4DB1-9CA8-D61819A5BF6C}" srcOrd="0" destOrd="1" presId="urn:microsoft.com/office/officeart/2005/8/layout/matrix3"/>
     <dgm:cxn modelId="{D00791A7-FB7E-4947-A706-AA92CF0D5B18}" type="presOf" srcId="{32134AD4-4A6A-4E72-8FF5-81752190FAB6}" destId="{1CF41212-1114-4D9D-995D-0F3B0348B8E4}" srcOrd="0" destOrd="0" presId="urn:microsoft.com/office/officeart/2005/8/layout/matrix3"/>
-    <dgm:cxn modelId="{941DF0FE-81A9-4C20-AFB8-0FBDD59E3516}" type="presOf" srcId="{65D1FAE7-E96F-41D2-8FE8-A377B94B3E54}" destId="{BF853E29-5A36-4963-9248-5FB422107160}" srcOrd="0" destOrd="4" presId="urn:microsoft.com/office/officeart/2005/8/layout/matrix3"/>
+    <dgm:cxn modelId="{F4BC9777-0811-40AC-A2F9-C3E5794F7B15}" srcId="{32134AD4-4A6A-4E72-8FF5-81752190FAB6}" destId="{AFFF3375-A717-4234-A9BA-282E811124FE}" srcOrd="2" destOrd="0" parTransId="{BBC56CB2-D20F-42E3-A5D2-EE3D57A5BED0}" sibTransId="{D591D4BC-F466-4E56-A788-64145EC3CFB6}"/>
+    <dgm:cxn modelId="{53E43E65-10D7-437E-837E-8D1DB20BC5AE}" srcId="{51B73331-6214-42F4-AB84-84D4BB40897C}" destId="{9567615D-FDFD-4434-9190-FAE63FC96CF9}" srcOrd="3" destOrd="0" parTransId="{C00D789E-CCB5-4A7A-A0A0-FE61FE92F8A0}" sibTransId="{042CEDDE-8F69-41B3-9B2D-0AD846EE70AF}"/>
+    <dgm:cxn modelId="{37F05891-493A-4486-BA70-B53A9AA09276}" srcId="{223AA69A-A598-4437-855D-10586A66BE7E}" destId="{679B0ED3-D0B8-4307-8885-7CEABC4C3FD8}" srcOrd="0" destOrd="0" parTransId="{231A32F3-72BF-4F6E-9BA1-5EB1ADE5FE8C}" sibTransId="{AC8F3F6E-5B75-4572-B706-ED4E03127D71}"/>
+    <dgm:cxn modelId="{848FE304-B060-4EF3-89EC-D5DD49AD9137}" type="presOf" srcId="{4D0734BE-CB97-4110-AEC8-45E1D407E851}" destId="{9DA9DF1F-9C42-4DB1-9CA8-D61819A5BF6C}" srcOrd="0" destOrd="2" presId="urn:microsoft.com/office/officeart/2005/8/layout/matrix3"/>
+    <dgm:cxn modelId="{250EEC31-D360-4474-9AB0-54250D321B9C}" srcId="{AFFF3375-A717-4234-A9BA-282E811124FE}" destId="{0A545F1A-1A68-4303-8123-AFC48C3F80B4}" srcOrd="0" destOrd="0" parTransId="{D27C7DB8-6FCF-43F7-9D23-3CA8424A32D7}" sibTransId="{C6D61611-6324-43A4-81BF-29173127BE3C}"/>
+    <dgm:cxn modelId="{1E03D6A0-52F7-487D-8B0C-1013E70314FD}" srcId="{51B73331-6214-42F4-AB84-84D4BB40897C}" destId="{AD4E7865-07BD-4567-87C3-5DA5A9F24553}" srcOrd="2" destOrd="0" parTransId="{8F946C09-8523-487D-87F3-57F3AFF1129E}" sibTransId="{E4120C01-348D-4441-A733-2220AD1BD21F}"/>
+    <dgm:cxn modelId="{20068D33-913D-4056-9E31-2A89D2DEE1C6}" srcId="{6794AC66-7A6B-4A15-A80B-5FA9AAAD7A8D}" destId="{4D0734BE-CB97-4110-AEC8-45E1D407E851}" srcOrd="1" destOrd="0" parTransId="{7E54CFC5-ED59-4B38-B4CE-712ABD1EEFB5}" sibTransId="{E900DB63-8E52-42B2-854D-10503F66C23D}"/>
+    <dgm:cxn modelId="{2CD30107-0013-4AF6-A8DF-ACD6825C0D44}" type="presOf" srcId="{223AA69A-A598-4437-855D-10586A66BE7E}" destId="{BF853E29-5A36-4963-9248-5FB422107160}" srcOrd="0" destOrd="0" presId="urn:microsoft.com/office/officeart/2005/8/layout/matrix3"/>
+    <dgm:cxn modelId="{D35772B0-1998-4DD2-8B6A-7F8D1A2539B6}" srcId="{32134AD4-4A6A-4E72-8FF5-81752190FAB6}" destId="{6794AC66-7A6B-4A15-A80B-5FA9AAAD7A8D}" srcOrd="0" destOrd="0" parTransId="{02E8447E-8FAC-47F7-AC01-FC3A777EA298}" sibTransId="{91C6D16F-E0FB-4BC0-95FE-6750EFF70548}"/>
+    <dgm:cxn modelId="{1FBC3704-AE7E-45D6-8C93-02A5AE2533A5}" srcId="{223AA69A-A598-4437-855D-10586A66BE7E}" destId="{76EBE92D-E558-44AD-9899-5C2D8D205836}" srcOrd="1" destOrd="0" parTransId="{8DBF33A6-4072-4789-B740-B0EF1B36B522}" sibTransId="{A000D2C0-651F-4ECD-8B4F-DE37666CF113}"/>
+    <dgm:cxn modelId="{7E66133F-2681-4387-B3B2-2CF9B90E5C13}" type="presOf" srcId="{679B0ED3-D0B8-4307-8885-7CEABC4C3FD8}" destId="{BF853E29-5A36-4963-9248-5FB422107160}" srcOrd="0" destOrd="1" presId="urn:microsoft.com/office/officeart/2005/8/layout/matrix3"/>
+    <dgm:cxn modelId="{93975341-8225-4228-A2EF-FE0022FA6D72}" type="presOf" srcId="{1BCF8E3C-2A5D-4730-A075-9BDA52D349DF}" destId="{D0020165-EFC2-4054-9EC6-23102E2E5DD6}" srcOrd="0" destOrd="1" presId="urn:microsoft.com/office/officeart/2005/8/layout/matrix3"/>
+    <dgm:cxn modelId="{EBFCAC84-2A02-4389-A855-9D69F521F503}" srcId="{6794AC66-7A6B-4A15-A80B-5FA9AAAD7A8D}" destId="{E07255FA-6705-4D9F-B694-4351B4A8BE4F}" srcOrd="3" destOrd="0" parTransId="{343FA842-29A2-4B15-A47B-E5B6A943B409}" sibTransId="{4198BA33-DB19-40C4-988F-C0AA79E984E0}"/>
+    <dgm:cxn modelId="{C301D3FB-EF13-4E7F-9D66-02469EF1CDF7}" type="presOf" srcId="{8BF1FBB8-FA00-4F01-8ACB-F2CF61EBAE56}" destId="{9DA9DF1F-9C42-4DB1-9CA8-D61819A5BF6C}" srcOrd="0" destOrd="3" presId="urn:microsoft.com/office/officeart/2005/8/layout/matrix3"/>
+    <dgm:cxn modelId="{195832A0-3FE1-4D03-A51B-7F7FB7DAF927}" type="presOf" srcId="{AD4E7865-07BD-4567-87C3-5DA5A9F24553}" destId="{D0020165-EFC2-4054-9EC6-23102E2E5DD6}" srcOrd="0" destOrd="3" presId="urn:microsoft.com/office/officeart/2005/8/layout/matrix3"/>
+    <dgm:cxn modelId="{B7CFC6FA-4947-4AB2-8341-70314029F4A7}" srcId="{51B73331-6214-42F4-AB84-84D4BB40897C}" destId="{1BCF8E3C-2A5D-4730-A075-9BDA52D349DF}" srcOrd="0" destOrd="0" parTransId="{420785F5-EBD6-49CC-9701-943B4F330544}" sibTransId="{8E26634C-326A-4D74-B4AF-0D709334C7B5}"/>
+    <dgm:cxn modelId="{6C94DF52-FFEB-41E1-92C8-AE80CC535EC8}" type="presOf" srcId="{76EBE92D-E558-44AD-9899-5C2D8D205836}" destId="{BF853E29-5A36-4963-9248-5FB422107160}" srcOrd="0" destOrd="2" presId="urn:microsoft.com/office/officeart/2005/8/layout/matrix3"/>
     <dgm:cxn modelId="{92238CE5-4075-416F-AE40-AF8DCB639002}" type="presOf" srcId="{9567615D-FDFD-4434-9190-FAE63FC96CF9}" destId="{D0020165-EFC2-4054-9EC6-23102E2E5DD6}" srcOrd="0" destOrd="4" presId="urn:microsoft.com/office/officeart/2005/8/layout/matrix3"/>
+    <dgm:cxn modelId="{446AF400-8D16-41F4-A1E5-B91CB83149A2}" type="presOf" srcId="{E07255FA-6705-4D9F-B694-4351B4A8BE4F}" destId="{9DA9DF1F-9C42-4DB1-9CA8-D61819A5BF6C}" srcOrd="0" destOrd="4" presId="urn:microsoft.com/office/officeart/2005/8/layout/matrix3"/>
+    <dgm:cxn modelId="{B144B26E-A1FE-44A9-94A8-01F83AB31883}" type="presOf" srcId="{6794AC66-7A6B-4A15-A80B-5FA9AAAD7A8D}" destId="{9DA9DF1F-9C42-4DB1-9CA8-D61819A5BF6C}" srcOrd="0" destOrd="0" presId="urn:microsoft.com/office/officeart/2005/8/layout/matrix3"/>
+    <dgm:cxn modelId="{6567AA49-321A-46AE-B08E-367784B65F94}" type="presOf" srcId="{51B73331-6214-42F4-AB84-84D4BB40897C}" destId="{D0020165-EFC2-4054-9EC6-23102E2E5DD6}" srcOrd="0" destOrd="0" presId="urn:microsoft.com/office/officeart/2005/8/layout/matrix3"/>
     <dgm:cxn modelId="{C14678FE-B57D-4DB8-831A-B0D1CE0694E2}" type="presOf" srcId="{AFFF3375-A717-4234-A9BA-282E811124FE}" destId="{1E7F13A2-F346-44F8-820A-A7BCD20C277E}" srcOrd="0" destOrd="0" presId="urn:microsoft.com/office/officeart/2005/8/layout/matrix3"/>
-    <dgm:cxn modelId="{20068D33-913D-4056-9E31-2A89D2DEE1C6}" srcId="{6794AC66-7A6B-4A15-A80B-5FA9AAAD7A8D}" destId="{4D0734BE-CB97-4110-AEC8-45E1D407E851}" srcOrd="1" destOrd="0" parTransId="{7E54CFC5-ED59-4B38-B4CE-712ABD1EEFB5}" sibTransId="{E900DB63-8E52-42B2-854D-10503F66C23D}"/>
-    <dgm:cxn modelId="{7E66133F-2681-4387-B3B2-2CF9B90E5C13}" type="presOf" srcId="{679B0ED3-D0B8-4307-8885-7CEABC4C3FD8}" destId="{BF853E29-5A36-4963-9248-5FB422107160}" srcOrd="0" destOrd="1" presId="urn:microsoft.com/office/officeart/2005/8/layout/matrix3"/>
+    <dgm:cxn modelId="{00A1DFD8-92EB-4DD0-9820-F31053711EE7}" srcId="{6794AC66-7A6B-4A15-A80B-5FA9AAAD7A8D}" destId="{8BF1FBB8-FA00-4F01-8ACB-F2CF61EBAE56}" srcOrd="2" destOrd="0" parTransId="{D28E422F-CF8B-4058-B4D2-16A63ED5EE39}" sibTransId="{18E5268E-243E-4B92-ADF3-20700DD9E2C3}"/>
     <dgm:cxn modelId="{87A75A06-F09C-4F17-BCAB-234D0CDDC8E2}" srcId="{AFFF3375-A717-4234-A9BA-282E811124FE}" destId="{830153CB-5FAE-4A33-9CD5-C62E344B8E11}" srcOrd="1" destOrd="0" parTransId="{9B2C79F8-E987-4DBE-AD0F-379F1F7613D9}" sibTransId="{D747E949-17E5-401B-9722-949BCD39E3FA}"/>
-    <dgm:cxn modelId="{6567AA49-321A-46AE-B08E-367784B65F94}" type="presOf" srcId="{51B73331-6214-42F4-AB84-84D4BB40897C}" destId="{D0020165-EFC2-4054-9EC6-23102E2E5DD6}" srcOrd="0" destOrd="0" presId="urn:microsoft.com/office/officeart/2005/8/layout/matrix3"/>
-    <dgm:cxn modelId="{7943F3E7-FD18-4A34-800C-84A23A2BBC27}" srcId="{AFFF3375-A717-4234-A9BA-282E811124FE}" destId="{77BFED9A-605C-4741-9115-247028EC2DA7}" srcOrd="3" destOrd="0" parTransId="{26FE9F41-CAA5-47B3-BF57-B3A50BB2C8E9}" sibTransId="{787006BF-B4A4-4E91-9C46-AC4E67FB2705}"/>
-    <dgm:cxn modelId="{250EEC31-D360-4474-9AB0-54250D321B9C}" srcId="{AFFF3375-A717-4234-A9BA-282E811124FE}" destId="{0A545F1A-1A68-4303-8123-AFC48C3F80B4}" srcOrd="0" destOrd="0" parTransId="{D27C7DB8-6FCF-43F7-9D23-3CA8424A32D7}" sibTransId="{C6D61611-6324-43A4-81BF-29173127BE3C}"/>
-    <dgm:cxn modelId="{D35772B0-1998-4DD2-8B6A-7F8D1A2539B6}" srcId="{32134AD4-4A6A-4E72-8FF5-81752190FAB6}" destId="{6794AC66-7A6B-4A15-A80B-5FA9AAAD7A8D}" srcOrd="0" destOrd="0" parTransId="{02E8447E-8FAC-47F7-AC01-FC3A777EA298}" sibTransId="{91C6D16F-E0FB-4BC0-95FE-6750EFF70548}"/>
-    <dgm:cxn modelId="{803D3002-3ECD-4DBB-8DA6-E2BB5DFC0374}" type="presOf" srcId="{830153CB-5FAE-4A33-9CD5-C62E344B8E11}" destId="{1E7F13A2-F346-44F8-820A-A7BCD20C277E}" srcOrd="0" destOrd="2" presId="urn:microsoft.com/office/officeart/2005/8/layout/matrix3"/>
-    <dgm:cxn modelId="{00A1DFD8-92EB-4DD0-9820-F31053711EE7}" srcId="{6794AC66-7A6B-4A15-A80B-5FA9AAAD7A8D}" destId="{8BF1FBB8-FA00-4F01-8ACB-F2CF61EBAE56}" srcOrd="2" destOrd="0" parTransId="{D28E422F-CF8B-4058-B4D2-16A63ED5EE39}" sibTransId="{18E5268E-243E-4B92-ADF3-20700DD9E2C3}"/>
-    <dgm:cxn modelId="{446AF400-8D16-41F4-A1E5-B91CB83149A2}" type="presOf" srcId="{E07255FA-6705-4D9F-B694-4351B4A8BE4F}" destId="{9DA9DF1F-9C42-4DB1-9CA8-D61819A5BF6C}" srcOrd="0" destOrd="4" presId="urn:microsoft.com/office/officeart/2005/8/layout/matrix3"/>
-    <dgm:cxn modelId="{848FE304-B060-4EF3-89EC-D5DD49AD9137}" type="presOf" srcId="{4D0734BE-CB97-4110-AEC8-45E1D407E851}" destId="{9DA9DF1F-9C42-4DB1-9CA8-D61819A5BF6C}" srcOrd="0" destOrd="2" presId="urn:microsoft.com/office/officeart/2005/8/layout/matrix3"/>
-    <dgm:cxn modelId="{93975341-8225-4228-A2EF-FE0022FA6D72}" type="presOf" srcId="{1BCF8E3C-2A5D-4730-A075-9BDA52D349DF}" destId="{D0020165-EFC2-4054-9EC6-23102E2E5DD6}" srcOrd="0" destOrd="1" presId="urn:microsoft.com/office/officeart/2005/8/layout/matrix3"/>
-    <dgm:cxn modelId="{B7CFC6FA-4947-4AB2-8341-70314029F4A7}" srcId="{51B73331-6214-42F4-AB84-84D4BB40897C}" destId="{1BCF8E3C-2A5D-4730-A075-9BDA52D349DF}" srcOrd="0" destOrd="0" parTransId="{420785F5-EBD6-49CC-9701-943B4F330544}" sibTransId="{8E26634C-326A-4D74-B4AF-0D709334C7B5}"/>
-    <dgm:cxn modelId="{959E8BF5-A76D-4FBE-B923-D40515DF72C9}" srcId="{6794AC66-7A6B-4A15-A80B-5FA9AAAD7A8D}" destId="{16195E57-C684-4CD8-B6EB-A70F94727FC6}" srcOrd="0" destOrd="0" parTransId="{E697047B-8107-4C43-8FDF-A63FB197AC7E}" sibTransId="{75A25B41-9107-4537-A5B8-79EFA9073B67}"/>
-    <dgm:cxn modelId="{6CFEC6ED-F97F-429F-8078-C530616FD92D}" type="presOf" srcId="{36F0B2EF-D5A8-402C-B526-DCA3F305A90E}" destId="{1E7F13A2-F346-44F8-820A-A7BCD20C277E}" srcOrd="0" destOrd="3" presId="urn:microsoft.com/office/officeart/2005/8/layout/matrix3"/>
+    <dgm:cxn modelId="{A9BC8E42-5024-4C2C-BFE5-58133735B168}" type="presOf" srcId="{32A937FE-3AAA-4503-B543-969EA981BBD1}" destId="{D0020165-EFC2-4054-9EC6-23102E2E5DD6}" srcOrd="0" destOrd="2" presId="urn:microsoft.com/office/officeart/2005/8/layout/matrix3"/>
+    <dgm:cxn modelId="{E1E93200-251F-446F-833F-F2DE86CD162A}" srcId="{51B73331-6214-42F4-AB84-84D4BB40897C}" destId="{32A937FE-3AAA-4503-B543-969EA981BBD1}" srcOrd="1" destOrd="0" parTransId="{865091C6-8BCA-43D7-A0DB-56ECB4A87A08}" sibTransId="{507D3D81-68CC-4A43-81D4-4AD02B6B5409}"/>
     <dgm:cxn modelId="{363E36B5-CD04-4DB2-9591-9574BA3630EB}" type="presOf" srcId="{0A545F1A-1A68-4303-8123-AFC48C3F80B4}" destId="{1E7F13A2-F346-44F8-820A-A7BCD20C277E}" srcOrd="0" destOrd="1" presId="urn:microsoft.com/office/officeart/2005/8/layout/matrix3"/>
-    <dgm:cxn modelId="{2A676AA2-9772-4FC7-8E88-65D220931F8B}" srcId="{223AA69A-A598-4437-855D-10586A66BE7E}" destId="{65D1FAE7-E96F-41D2-8FE8-A377B94B3E54}" srcOrd="3" destOrd="0" parTransId="{B9A8B8A8-D0A7-496B-B561-9E62CDB7A486}" sibTransId="{FF067A88-BB7F-496E-99E8-0F25D351C311}"/>
-    <dgm:cxn modelId="{32D2348E-0856-4585-AE9D-02DB07A3632B}" type="presOf" srcId="{77BFED9A-605C-4741-9115-247028EC2DA7}" destId="{1E7F13A2-F346-44F8-820A-A7BCD20C277E}" srcOrd="0" destOrd="4" presId="urn:microsoft.com/office/officeart/2005/8/layout/matrix3"/>
-    <dgm:cxn modelId="{2CD30107-0013-4AF6-A8DF-ACD6825C0D44}" type="presOf" srcId="{223AA69A-A598-4437-855D-10586A66BE7E}" destId="{BF853E29-5A36-4963-9248-5FB422107160}" srcOrd="0" destOrd="0" presId="urn:microsoft.com/office/officeart/2005/8/layout/matrix3"/>
-    <dgm:cxn modelId="{653BBCA2-DF0E-4011-A3B4-4A571EC11413}" srcId="{32134AD4-4A6A-4E72-8FF5-81752190FAB6}" destId="{51B73331-6214-42F4-AB84-84D4BB40897C}" srcOrd="1" destOrd="0" parTransId="{C9384D3D-061E-457A-9158-5579962A609A}" sibTransId="{94E343BE-47A6-44C4-91FC-C5525ADFD94B}"/>
-    <dgm:cxn modelId="{5CB12B73-3FB3-4469-B8FA-2E7109ECF7FC}" type="presOf" srcId="{FCDEA177-2924-4025-8C69-F2EA58DD8A07}" destId="{BF853E29-5A36-4963-9248-5FB422107160}" srcOrd="0" destOrd="3" presId="urn:microsoft.com/office/officeart/2005/8/layout/matrix3"/>
-    <dgm:cxn modelId="{37F05891-493A-4486-BA70-B53A9AA09276}" srcId="{223AA69A-A598-4437-855D-10586A66BE7E}" destId="{679B0ED3-D0B8-4307-8885-7CEABC4C3FD8}" srcOrd="0" destOrd="0" parTransId="{231A32F3-72BF-4F6E-9BA1-5EB1ADE5FE8C}" sibTransId="{AC8F3F6E-5B75-4572-B706-ED4E03127D71}"/>
-    <dgm:cxn modelId="{1FBC3704-AE7E-45D6-8C93-02A5AE2533A5}" srcId="{223AA69A-A598-4437-855D-10586A66BE7E}" destId="{76EBE92D-E558-44AD-9899-5C2D8D205836}" srcOrd="1" destOrd="0" parTransId="{8DBF33A6-4072-4789-B740-B0EF1B36B522}" sibTransId="{A000D2C0-651F-4ECD-8B4F-DE37666CF113}"/>
-    <dgm:cxn modelId="{ACB92F2A-B8CA-41F0-8061-E1742CB8803D}" type="presOf" srcId="{16195E57-C684-4CD8-B6EB-A70F94727FC6}" destId="{9DA9DF1F-9C42-4DB1-9CA8-D61819A5BF6C}" srcOrd="0" destOrd="1" presId="urn:microsoft.com/office/officeart/2005/8/layout/matrix3"/>
-    <dgm:cxn modelId="{53E43E65-10D7-437E-837E-8D1DB20BC5AE}" srcId="{51B73331-6214-42F4-AB84-84D4BB40897C}" destId="{9567615D-FDFD-4434-9190-FAE63FC96CF9}" srcOrd="3" destOrd="0" parTransId="{C00D789E-CCB5-4A7A-A0A0-FE61FE92F8A0}" sibTransId="{042CEDDE-8F69-41B3-9B2D-0AD846EE70AF}"/>
-    <dgm:cxn modelId="{4427F917-B262-4F00-94BB-2A2DBD2E2456}" srcId="{AFFF3375-A717-4234-A9BA-282E811124FE}" destId="{36F0B2EF-D5A8-402C-B526-DCA3F305A90E}" srcOrd="2" destOrd="0" parTransId="{BC9F4EC9-DCBC-40EB-B05E-E9C291947978}" sibTransId="{548217E6-E818-4B34-96BC-6A477E464344}"/>
-    <dgm:cxn modelId="{F4BC9777-0811-40AC-A2F9-C3E5794F7B15}" srcId="{32134AD4-4A6A-4E72-8FF5-81752190FAB6}" destId="{AFFF3375-A717-4234-A9BA-282E811124FE}" srcOrd="2" destOrd="0" parTransId="{BBC56CB2-D20F-42E3-A5D2-EE3D57A5BED0}" sibTransId="{D591D4BC-F466-4E56-A788-64145EC3CFB6}"/>
-    <dgm:cxn modelId="{1E03D6A0-52F7-487D-8B0C-1013E70314FD}" srcId="{51B73331-6214-42F4-AB84-84D4BB40897C}" destId="{AD4E7865-07BD-4567-87C3-5DA5A9F24553}" srcOrd="2" destOrd="0" parTransId="{8F946C09-8523-487D-87F3-57F3AFF1129E}" sibTransId="{E4120C01-348D-4441-A733-2220AD1BD21F}"/>
-    <dgm:cxn modelId="{195832A0-3FE1-4D03-A51B-7F7FB7DAF927}" type="presOf" srcId="{AD4E7865-07BD-4567-87C3-5DA5A9F24553}" destId="{D0020165-EFC2-4054-9EC6-23102E2E5DD6}" srcOrd="0" destOrd="3" presId="urn:microsoft.com/office/officeart/2005/8/layout/matrix3"/>
-    <dgm:cxn modelId="{10B321F4-1E05-48D8-9147-521FFD9EAA16}" srcId="{223AA69A-A598-4437-855D-10586A66BE7E}" destId="{FCDEA177-2924-4025-8C69-F2EA58DD8A07}" srcOrd="2" destOrd="0" parTransId="{7BA847A3-0416-4103-A94B-5D13EE30928E}" sibTransId="{96A06567-FFCB-4060-8787-2CF7EE3032AA}"/>
-    <dgm:cxn modelId="{E1E93200-251F-446F-833F-F2DE86CD162A}" srcId="{51B73331-6214-42F4-AB84-84D4BB40897C}" destId="{32A937FE-3AAA-4503-B543-969EA981BBD1}" srcOrd="1" destOrd="0" parTransId="{865091C6-8BCA-43D7-A0DB-56ECB4A87A08}" sibTransId="{507D3D81-68CC-4A43-81D4-4AD02B6B5409}"/>
-    <dgm:cxn modelId="{C301D3FB-EF13-4E7F-9D66-02469EF1CDF7}" type="presOf" srcId="{8BF1FBB8-FA00-4F01-8ACB-F2CF61EBAE56}" destId="{9DA9DF1F-9C42-4DB1-9CA8-D61819A5BF6C}" srcOrd="0" destOrd="3" presId="urn:microsoft.com/office/officeart/2005/8/layout/matrix3"/>
-    <dgm:cxn modelId="{EBFCAC84-2A02-4389-A855-9D69F521F503}" srcId="{6794AC66-7A6B-4A15-A80B-5FA9AAAD7A8D}" destId="{E07255FA-6705-4D9F-B694-4351B4A8BE4F}" srcOrd="3" destOrd="0" parTransId="{343FA842-29A2-4B15-A47B-E5B6A943B409}" sibTransId="{4198BA33-DB19-40C4-988F-C0AA79E984E0}"/>
-    <dgm:cxn modelId="{B144B26E-A1FE-44A9-94A8-01F83AB31883}" type="presOf" srcId="{6794AC66-7A6B-4A15-A80B-5FA9AAAD7A8D}" destId="{9DA9DF1F-9C42-4DB1-9CA8-D61819A5BF6C}" srcOrd="0" destOrd="0" presId="urn:microsoft.com/office/officeart/2005/8/layout/matrix3"/>
-    <dgm:cxn modelId="{A9BC8E42-5024-4C2C-BFE5-58133735B168}" type="presOf" srcId="{32A937FE-3AAA-4503-B543-969EA981BBD1}" destId="{D0020165-EFC2-4054-9EC6-23102E2E5DD6}" srcOrd="0" destOrd="2" presId="urn:microsoft.com/office/officeart/2005/8/layout/matrix3"/>
-    <dgm:cxn modelId="{6C94DF52-FFEB-41E1-92C8-AE80CC535EC8}" type="presOf" srcId="{76EBE92D-E558-44AD-9899-5C2D8D205836}" destId="{BF853E29-5A36-4963-9248-5FB422107160}" srcOrd="0" destOrd="2" presId="urn:microsoft.com/office/officeart/2005/8/layout/matrix3"/>
     <dgm:cxn modelId="{616E1371-D1EF-42F0-9D96-CCB685696DCC}" srcId="{32134AD4-4A6A-4E72-8FF5-81752190FAB6}" destId="{223AA69A-A598-4437-855D-10586A66BE7E}" srcOrd="3" destOrd="0" parTransId="{4668B74F-93AD-4BA6-8224-F9A27D56FD03}" sibTransId="{A0EF508F-99A8-4F77-874E-E3B18270678F}"/>
     <dgm:cxn modelId="{79FF51D2-AC08-432C-9FA1-76A8BC294852}" type="presParOf" srcId="{1CF41212-1114-4D9D-995D-0F3B0348B8E4}" destId="{F642266A-7B87-4727-9C26-2B65AF779E40}" srcOrd="0" destOrd="0" presId="urn:microsoft.com/office/officeart/2005/8/layout/matrix3"/>
     <dgm:cxn modelId="{51986D4C-9567-4719-A4D0-FC5E398F191C}" type="presParOf" srcId="{1CF41212-1114-4D9D-995D-0F3B0348B8E4}" destId="{9DA9DF1F-9C42-4DB1-9CA8-D61819A5BF6C}" srcOrd="1" destOrd="0" presId="urn:microsoft.com/office/officeart/2005/8/layout/matrix3"/>
@@ -2227,8 +2247,8 @@
             <a:t> , </a:t>
           </a:r>
           <a:r>
-            <a:rPr lang="en-IN" sz="1600" kern="1200" dirty="0" err="1" smtClean="0"/>
-            <a:t>etc</a:t>
+            <a:rPr lang="en-IN" sz="1600" kern="1200" dirty="0" smtClean="0"/>
+            <a:t>etc.</a:t>
           </a:r>
           <a:endParaRPr lang="en-IN" sz="1600" kern="1200" dirty="0"/>
         </a:p>
@@ -4024,7 +4044,7 @@
             </a:lvl1pPr>
           </a:lstStyle>
           <a:p>
-            <a:endParaRPr lang="en-IN"/>
+            <a:endParaRPr lang="en-IN" dirty="0"/>
           </a:p>
         </p:txBody>
       </p:sp>
@@ -4057,9 +4077,9 @@
           <a:p>
             <a:fld id="{78398ED8-6462-498F-A8DA-07780B829A40}" type="datetimeFigureOut">
               <a:rPr lang="en-IN" smtClean="0"/>
-              <a:t>17-03-2015</a:t>
+              <a:t>18-03-2015</a:t>
             </a:fld>
-            <a:endParaRPr lang="en-IN"/>
+            <a:endParaRPr lang="en-IN" dirty="0"/>
           </a:p>
         </p:txBody>
       </p:sp>
@@ -4092,7 +4112,7 @@
           <a:bodyPr vert="horz" lIns="91440" tIns="45720" rIns="91440" bIns="45720" rtlCol="0" anchor="ctr"/>
           <a:lstStyle/>
           <a:p>
-            <a:endParaRPr lang="en-IN"/>
+            <a:endParaRPr lang="en-IN" dirty="0"/>
           </a:p>
         </p:txBody>
       </p:sp>
@@ -4183,7 +4203,7 @@
             </a:lvl1pPr>
           </a:lstStyle>
           <a:p>
-            <a:endParaRPr lang="en-IN"/>
+            <a:endParaRPr lang="en-IN" dirty="0"/>
           </a:p>
         </p:txBody>
       </p:sp>
@@ -4218,7 +4238,7 @@
               <a:rPr lang="en-IN" smtClean="0"/>
               <a:t>‹#›</a:t>
             </a:fld>
-            <a:endParaRPr lang="en-IN"/>
+            <a:endParaRPr lang="en-IN" dirty="0"/>
           </a:p>
         </p:txBody>
       </p:sp>
@@ -4472,7 +4492,7 @@
               <a:rPr lang="en-IN" smtClean="0"/>
               <a:t>3</a:t>
             </a:fld>
-            <a:endParaRPr lang="en-IN"/>
+            <a:endParaRPr lang="en-IN" dirty="0"/>
           </a:p>
         </p:txBody>
       </p:sp>
@@ -4556,7 +4576,7 @@
               <a:rPr lang="en-IN" smtClean="0"/>
               <a:t>4</a:t>
             </a:fld>
-            <a:endParaRPr lang="en-IN"/>
+            <a:endParaRPr lang="en-IN" dirty="0"/>
           </a:p>
         </p:txBody>
       </p:sp>
@@ -4640,7 +4660,7 @@
               <a:rPr lang="en-IN" smtClean="0"/>
               <a:t>7</a:t>
             </a:fld>
-            <a:endParaRPr lang="en-IN"/>
+            <a:endParaRPr lang="en-IN" dirty="0"/>
           </a:p>
         </p:txBody>
       </p:sp>
@@ -4747,7 +4767,7 @@
               <a:rPr lang="en-IN" smtClean="0"/>
               <a:t>8</a:t>
             </a:fld>
-            <a:endParaRPr lang="en-IN"/>
+            <a:endParaRPr lang="en-IN" dirty="0"/>
           </a:p>
         </p:txBody>
       </p:sp>
@@ -4990,7 +5010,7 @@
           <a:p>
             <a:fld id="{4D24B120-6611-43E6-A595-6D5D8129C30F}" type="datetime1">
               <a:rPr lang="en-US" smtClean="0"/>
-              <a:t>3/17/2015</a:t>
+              <a:t>3/18/2015</a:t>
             </a:fld>
             <a:endParaRPr lang="en-US" dirty="0"/>
           </a:p>
@@ -5193,7 +5213,7 @@
           <a:p>
             <a:fld id="{50B4FF82-048C-470A-9450-7C064132F7F0}" type="datetime1">
               <a:rPr lang="en-US" smtClean="0"/>
-              <a:t>3/17/2015</a:t>
+              <a:t>3/18/2015</a:t>
             </a:fld>
             <a:endParaRPr lang="en-US" dirty="0"/>
           </a:p>
@@ -5444,7 +5464,7 @@
           <a:p>
             <a:fld id="{06D9C4CD-D251-4010-BE5E-82EA9B23BB3D}" type="datetime1">
               <a:rPr lang="en-US" smtClean="0"/>
-              <a:t>3/17/2015</a:t>
+              <a:t>3/18/2015</a:t>
             </a:fld>
             <a:endParaRPr lang="en-US" dirty="0"/>
           </a:p>
@@ -5609,7 +5629,7 @@
           <a:p>
             <a:fld id="{2841E56E-AA48-453C-84FC-9CDE07CBEE48}" type="datetime1">
               <a:rPr lang="en-US" smtClean="0"/>
-              <a:t>3/17/2015</a:t>
+              <a:t>3/18/2015</a:t>
             </a:fld>
             <a:endParaRPr lang="en-US" dirty="0"/>
           </a:p>
@@ -5947,7 +5967,7 @@
           <a:p>
             <a:fld id="{0FD17D23-ECF8-410B-A7B6-7ECC5D1265DE}" type="datetime1">
               <a:rPr lang="en-US" smtClean="0"/>
-              <a:t>3/17/2015</a:t>
+              <a:t>3/18/2015</a:t>
             </a:fld>
             <a:endParaRPr lang="en-US" dirty="0"/>
           </a:p>
@@ -6217,7 +6237,7 @@
           <a:p>
             <a:fld id="{6714BA72-E535-42B2-9649-0A0F0A403B2C}" type="datetime1">
               <a:rPr lang="en-US" smtClean="0"/>
-              <a:t>3/17/2015</a:t>
+              <a:t>3/18/2015</a:t>
             </a:fld>
             <a:endParaRPr lang="en-US" dirty="0"/>
           </a:p>
@@ -6591,7 +6611,7 @@
           <a:p>
             <a:fld id="{A52ABAFA-0499-44B4-B7C1-F53A914C1252}" type="datetime1">
               <a:rPr lang="en-US" smtClean="0"/>
-              <a:t>3/17/2015</a:t>
+              <a:t>3/18/2015</a:t>
             </a:fld>
             <a:endParaRPr lang="en-US" dirty="0"/>
           </a:p>
@@ -6704,7 +6724,7 @@
           <a:p>
             <a:fld id="{BBF51AC6-7A3D-4AB2-80E1-C6D5B2F97934}" type="datetime1">
               <a:rPr lang="en-US" smtClean="0"/>
-              <a:t>3/17/2015</a:t>
+              <a:t>3/18/2015</a:t>
             </a:fld>
             <a:endParaRPr lang="en-US" dirty="0"/>
           </a:p>
@@ -6870,7 +6890,7 @@
           <a:p>
             <a:fld id="{276CE7E5-BBFD-496B-A1BD-9ACBD2AFD9F8}" type="datetime1">
               <a:rPr lang="en-US" smtClean="0"/>
-              <a:t>3/17/2015</a:t>
+              <a:t>3/18/2015</a:t>
             </a:fld>
             <a:endParaRPr lang="en-US" dirty="0"/>
           </a:p>
@@ -7220,7 +7240,7 @@
           <a:p>
             <a:fld id="{D84C24D8-54FF-4C5B-A9AE-3A60A83CE84F}" type="datetime1">
               <a:rPr lang="en-US" smtClean="0"/>
-              <a:t>3/17/2015</a:t>
+              <a:t>3/18/2015</a:t>
             </a:fld>
             <a:endParaRPr lang="en-US" dirty="0"/>
           </a:p>
@@ -7492,7 +7512,7 @@
           </a:lstStyle>
           <a:p>
             <a:r>
-              <a:rPr lang="en-US" smtClean="0"/>
+              <a:rPr lang="en-US" dirty="0" smtClean="0"/>
               <a:t>Click icon to add picture</a:t>
             </a:r>
             <a:endParaRPr lang="en-US" dirty="0"/>
@@ -7593,7 +7613,7 @@
           <a:p>
             <a:fld id="{5083CE10-B73E-4CB0-9B27-8BB09ECDCD83}" type="datetime1">
               <a:rPr lang="en-US" smtClean="0"/>
-              <a:t>3/17/2015</a:t>
+              <a:t>3/18/2015</a:t>
             </a:fld>
             <a:endParaRPr lang="en-US" dirty="0"/>
           </a:p>
@@ -7875,7 +7895,7 @@
           <a:p>
             <a:fld id="{DA669158-5BF4-41C9-89FB-AFA956CB5BE2}" type="datetime1">
               <a:rPr lang="en-US" smtClean="0"/>
-              <a:t>3/17/2015</a:t>
+              <a:t>3/18/2015</a:t>
             </a:fld>
             <a:endParaRPr lang="en-US" dirty="0"/>
           </a:p>
@@ -8715,7 +8735,7 @@
           <a:p>
             <a:fld id="{43AD8EFB-8924-4B68-AE40-0FB5582CB2E6}" type="datetime1">
               <a:rPr lang="en-US" smtClean="0"/>
-              <a:t>3/17/2015</a:t>
+              <a:t>3/18/2015</a:t>
             </a:fld>
             <a:endParaRPr lang="en-US" dirty="0"/>
           </a:p>
@@ -8764,7 +8784,7 @@
 </p:sld>
 </file>
 
-<file path=ppt/slides/slide2.xml><?xml version="1.0" encoding="utf-8"?>
+<file path=ppt/slides/slide10.xml><?xml version="1.0" encoding="utf-8"?>
 <p:sld xmlns:a="http://schemas.openxmlformats.org/drawingml/2006/main" xmlns:r="http://schemas.openxmlformats.org/officeDocument/2006/relationships" xmlns:p="http://schemas.openxmlformats.org/presentationml/2006/main">
   <p:cSld>
     <p:spTree>
@@ -8783,253 +8803,7 @@
       </p:grpSpPr>
       <p:sp>
         <p:nvSpPr>
-          <p:cNvPr id="2" name="Title 1"/>
-          <p:cNvSpPr>
-            <a:spLocks noGrp="1"/>
-          </p:cNvSpPr>
-          <p:nvPr>
-            <p:ph type="title"/>
-          </p:nvPr>
-        </p:nvSpPr>
-        <p:spPr/>
-        <p:txBody>
-          <a:bodyPr/>
-          <a:lstStyle/>
-          <a:p>
-            <a:r>
-              <a:rPr lang="en-IN" dirty="0" smtClean="0"/>
-              <a:t>Outline</a:t>
-            </a:r>
-            <a:endParaRPr lang="en-IN" dirty="0"/>
-          </a:p>
-        </p:txBody>
-      </p:sp>
-      <p:sp>
-        <p:nvSpPr>
-          <p:cNvPr id="3" name="Content Placeholder 2"/>
-          <p:cNvSpPr>
-            <a:spLocks noGrp="1"/>
-          </p:cNvSpPr>
-          <p:nvPr>
-            <p:ph idx="1"/>
-          </p:nvPr>
-        </p:nvSpPr>
-        <p:spPr>
-          <a:xfrm>
-            <a:off x="1097280" y="1845733"/>
-            <a:ext cx="10058400" cy="4350959"/>
-          </a:xfrm>
-        </p:spPr>
-        <p:txBody>
-          <a:bodyPr numCol="2">
-            <a:normAutofit/>
-          </a:bodyPr>
-          <a:lstStyle/>
-          <a:p>
-            <a:pPr>
-              <a:buFont typeface="Arial" panose="020B0604020202020204" pitchFamily="34" charset="0"/>
-              <a:buChar char="•"/>
-            </a:pPr>
-            <a:r>
-              <a:rPr lang="en-IN" dirty="0" smtClean="0"/>
-              <a:t> Introduction</a:t>
-            </a:r>
-          </a:p>
-          <a:p>
-            <a:pPr lvl="1">
-              <a:buFont typeface="Courier New" panose="02070309020205020404" pitchFamily="49" charset="0"/>
-              <a:buChar char="o"/>
-            </a:pPr>
-            <a:r>
-              <a:rPr lang="en-IN" sz="2000" dirty="0" smtClean="0"/>
-              <a:t>Terms and Concepts</a:t>
-            </a:r>
-          </a:p>
-          <a:p>
-            <a:pPr lvl="1">
-              <a:buFont typeface="Courier New" panose="02070309020205020404" pitchFamily="49" charset="0"/>
-              <a:buChar char="o"/>
-            </a:pPr>
-            <a:r>
-              <a:rPr lang="en-IN" sz="2000" dirty="0"/>
-              <a:t>Problem in present scenario</a:t>
-            </a:r>
-          </a:p>
-          <a:p>
-            <a:pPr lvl="1">
-              <a:buFont typeface="Courier New" panose="02070309020205020404" pitchFamily="49" charset="0"/>
-              <a:buChar char="o"/>
-            </a:pPr>
-            <a:r>
-              <a:rPr lang="en-IN" sz="2000" dirty="0" smtClean="0"/>
-              <a:t>Overview</a:t>
-            </a:r>
-          </a:p>
-          <a:p>
-            <a:pPr>
-              <a:buFont typeface="Arial" panose="020B0604020202020204" pitchFamily="34" charset="0"/>
-              <a:buChar char="•"/>
-            </a:pPr>
-            <a:r>
-              <a:rPr lang="en-IN" dirty="0" smtClean="0"/>
-              <a:t>Dataset Analysis</a:t>
-            </a:r>
-          </a:p>
-          <a:p>
-            <a:pPr lvl="1">
-              <a:buFont typeface="Courier New" panose="02070309020205020404" pitchFamily="49" charset="0"/>
-              <a:buChar char="o"/>
-            </a:pPr>
-            <a:r>
-              <a:rPr lang="en-IN" sz="2000" dirty="0" smtClean="0"/>
-              <a:t>Proposing a new dataset(PASCAL-S)</a:t>
-            </a:r>
-          </a:p>
-          <a:p>
-            <a:pPr lvl="1">
-              <a:buFont typeface="Courier New" panose="02070309020205020404" pitchFamily="49" charset="0"/>
-              <a:buChar char="o"/>
-            </a:pPr>
-            <a:r>
-              <a:rPr lang="en-IN" sz="2000" dirty="0" smtClean="0"/>
-              <a:t>Evaluating </a:t>
-            </a:r>
-            <a:r>
-              <a:rPr lang="en-IN" sz="2000" dirty="0"/>
-              <a:t>dataset </a:t>
-            </a:r>
-            <a:r>
-              <a:rPr lang="en-IN" sz="2000" dirty="0" smtClean="0"/>
-              <a:t>consistency</a:t>
-            </a:r>
-          </a:p>
-          <a:p>
-            <a:pPr lvl="1">
-              <a:buFont typeface="Courier New" panose="02070309020205020404" pitchFamily="49" charset="0"/>
-              <a:buChar char="o"/>
-            </a:pPr>
-            <a:r>
-              <a:rPr lang="en-IN" sz="2000" dirty="0" smtClean="0"/>
-              <a:t>Benchmarking</a:t>
-            </a:r>
-          </a:p>
-          <a:p>
-            <a:pPr lvl="1">
-              <a:buFont typeface="Courier New" panose="02070309020205020404" pitchFamily="49" charset="0"/>
-              <a:buChar char="o"/>
-            </a:pPr>
-            <a:r>
-              <a:rPr lang="en-IN" sz="2000" dirty="0" smtClean="0"/>
-              <a:t>Dataset </a:t>
-            </a:r>
-            <a:r>
-              <a:rPr lang="en-IN" sz="2000" dirty="0"/>
-              <a:t>design </a:t>
-            </a:r>
-            <a:r>
-              <a:rPr lang="en-IN" sz="2000" dirty="0" smtClean="0"/>
-              <a:t>bias</a:t>
-            </a:r>
-          </a:p>
-          <a:p>
-            <a:pPr lvl="1">
-              <a:buFont typeface="Courier New" panose="02070309020205020404" pitchFamily="49" charset="0"/>
-              <a:buChar char="o"/>
-            </a:pPr>
-            <a:r>
-              <a:rPr lang="en-IN" sz="2000" dirty="0" smtClean="0"/>
-              <a:t>Fixations </a:t>
-            </a:r>
-            <a:r>
-              <a:rPr lang="en-IN" sz="2000" dirty="0"/>
-              <a:t>and </a:t>
-            </a:r>
-            <a:r>
-              <a:rPr lang="en-IN" sz="2000" dirty="0" smtClean="0"/>
-              <a:t>F-measure</a:t>
-            </a:r>
-          </a:p>
-          <a:p>
-            <a:pPr marL="201168" lvl="1" indent="0">
-              <a:buNone/>
-            </a:pPr>
-            <a:endParaRPr lang="en-IN" sz="2000" dirty="0" smtClean="0"/>
-          </a:p>
-          <a:p>
-            <a:pPr>
-              <a:buFont typeface="Arial" panose="020B0604020202020204" pitchFamily="34" charset="0"/>
-              <a:buChar char="•"/>
-            </a:pPr>
-            <a:r>
-              <a:rPr lang="en-IN" dirty="0" smtClean="0"/>
-              <a:t>Proposed Algorithm</a:t>
-            </a:r>
-          </a:p>
-          <a:p>
-            <a:pPr lvl="1">
-              <a:buFont typeface="Courier New" panose="02070309020205020404" pitchFamily="49" charset="0"/>
-              <a:buChar char="o"/>
-            </a:pPr>
-            <a:r>
-              <a:rPr lang="en-IN" sz="2000" dirty="0"/>
-              <a:t>Salient object, object proposal and </a:t>
-            </a:r>
-            <a:r>
-              <a:rPr lang="en-IN" sz="2000" dirty="0" smtClean="0"/>
-              <a:t>fixations</a:t>
-            </a:r>
-          </a:p>
-          <a:p>
-            <a:pPr lvl="1">
-              <a:buFont typeface="Courier New" panose="02070309020205020404" pitchFamily="49" charset="0"/>
-              <a:buChar char="o"/>
-            </a:pPr>
-            <a:r>
-              <a:rPr lang="en-IN" sz="2000" dirty="0"/>
-              <a:t>The </a:t>
-            </a:r>
-            <a:r>
-              <a:rPr lang="en-IN" sz="2000" dirty="0" smtClean="0"/>
-              <a:t>model</a:t>
-            </a:r>
-          </a:p>
-          <a:p>
-            <a:pPr lvl="1">
-              <a:buFont typeface="Courier New" panose="02070309020205020404" pitchFamily="49" charset="0"/>
-              <a:buChar char="o"/>
-            </a:pPr>
-            <a:r>
-              <a:rPr lang="en-IN" sz="2000" dirty="0"/>
-              <a:t>Limits of the model</a:t>
-            </a:r>
-            <a:endParaRPr lang="en-IN" sz="2000" dirty="0" smtClean="0"/>
-          </a:p>
-          <a:p>
-            <a:pPr>
-              <a:buFont typeface="Arial" panose="020B0604020202020204" pitchFamily="34" charset="0"/>
-              <a:buChar char="•"/>
-            </a:pPr>
-            <a:r>
-              <a:rPr lang="en-IN" dirty="0" smtClean="0"/>
-              <a:t>Results</a:t>
-            </a:r>
-          </a:p>
-          <a:p>
-            <a:pPr>
-              <a:buFont typeface="Arial" panose="020B0604020202020204" pitchFamily="34" charset="0"/>
-              <a:buChar char="•"/>
-            </a:pPr>
-            <a:r>
-              <a:rPr lang="en-IN" dirty="0" smtClean="0"/>
-              <a:t>Conclusion</a:t>
-            </a:r>
-            <a:endParaRPr lang="en-IN" dirty="0"/>
-          </a:p>
-        </p:txBody>
-      </p:sp>
-      <p:sp>
-        <p:nvSpPr>
-          <p:cNvPr id="4" name="Date Placeholder 3"/>
+          <p:cNvPr id="2" name="Date Placeholder 1"/>
           <p:cNvSpPr>
             <a:spLocks noGrp="1"/>
           </p:cNvSpPr>
@@ -9042,9 +8816,9 @@
           <a:bodyPr/>
           <a:lstStyle/>
           <a:p>
-            <a:fld id="{11CF1910-4565-4140-98F7-C5E8CD3D4FF7}" type="datetime1">
+            <a:fld id="{276CE7E5-BBFD-496B-A1BD-9ACBD2AFD9F8}" type="datetime1">
               <a:rPr lang="en-US" smtClean="0"/>
-              <a:t>3/17/2015</a:t>
+              <a:t>3/18/2015</a:t>
             </a:fld>
             <a:endParaRPr lang="en-US" dirty="0"/>
           </a:p>
@@ -9052,7 +8826,7 @@
       </p:sp>
       <p:sp>
         <p:nvSpPr>
-          <p:cNvPr id="5" name="Slide Number Placeholder 4"/>
+          <p:cNvPr id="3" name="Slide Number Placeholder 2"/>
           <p:cNvSpPr>
             <a:spLocks noGrp="1"/>
           </p:cNvSpPr>
@@ -9065,689 +8839,18 @@
           <a:bodyPr/>
           <a:lstStyle/>
           <a:p>
-            <a:fld id="{629637A9-119A-49DA-BD12-AAC58B377D80}" type="slidenum">
+            <a:fld id="{4FAB73BC-B049-4115-A692-8D63A059BFB8}" type="slidenum">
               <a:rPr lang="en-US" smtClean="0"/>
-              <a:t>2</a:t>
+              <a:pPr/>
+              <a:t>10</a:t>
             </a:fld>
             <a:endParaRPr lang="en-US" dirty="0"/>
           </a:p>
         </p:txBody>
       </p:sp>
-    </p:spTree>
-    <p:extLst>
-      <p:ext uri="{BB962C8B-B14F-4D97-AF65-F5344CB8AC3E}">
-        <p14:creationId xmlns:p14="http://schemas.microsoft.com/office/powerpoint/2010/main" val="3944589286"/>
-      </p:ext>
-    </p:extLst>
-  </p:cSld>
-  <p:clrMapOvr>
-    <a:masterClrMapping/>
-  </p:clrMapOvr>
-  <p:timing>
-    <p:tnLst>
-      <p:par>
-        <p:cTn id="1" dur="indefinite" restart="never" nodeType="tmRoot"/>
-      </p:par>
-    </p:tnLst>
-  </p:timing>
-</p:sld>
-</file>
-
-<file path=ppt/slides/slide3.xml><?xml version="1.0" encoding="utf-8"?>
-<p:sld xmlns:a="http://schemas.openxmlformats.org/drawingml/2006/main" xmlns:r="http://schemas.openxmlformats.org/officeDocument/2006/relationships" xmlns:p="http://schemas.openxmlformats.org/presentationml/2006/main">
-  <p:cSld>
-    <p:spTree>
-      <p:nvGrpSpPr>
-        <p:cNvPr id="1" name=""/>
-        <p:cNvGrpSpPr/>
-        <p:nvPr/>
-      </p:nvGrpSpPr>
-      <p:grpSpPr>
-        <a:xfrm>
-          <a:off x="0" y="0"/>
-          <a:ext cx="0" cy="0"/>
-          <a:chOff x="0" y="0"/>
-          <a:chExt cx="0" cy="0"/>
-        </a:xfrm>
-      </p:grpSpPr>
-      <p:sp>
-        <p:nvSpPr>
-          <p:cNvPr id="2" name="Title 1"/>
-          <p:cNvSpPr>
-            <a:spLocks noGrp="1"/>
-          </p:cNvSpPr>
-          <p:nvPr>
-            <p:ph type="title"/>
-          </p:nvPr>
-        </p:nvSpPr>
-        <p:spPr/>
-        <p:txBody>
-          <a:bodyPr/>
-          <a:lstStyle/>
-          <a:p>
-            <a:r>
-              <a:rPr lang="en-IN" dirty="0" smtClean="0"/>
-              <a:t>Introduction</a:t>
-            </a:r>
-            <a:endParaRPr lang="en-IN" dirty="0"/>
-          </a:p>
-        </p:txBody>
-      </p:sp>
-      <p:sp>
-        <p:nvSpPr>
-          <p:cNvPr id="3" name="Content Placeholder 2"/>
-          <p:cNvSpPr>
-            <a:spLocks noGrp="1"/>
-          </p:cNvSpPr>
-          <p:nvPr>
-            <p:ph idx="1"/>
-          </p:nvPr>
-        </p:nvSpPr>
-        <p:spPr/>
-        <p:txBody>
-          <a:bodyPr>
-            <a:normAutofit/>
-          </a:bodyPr>
-          <a:lstStyle/>
-          <a:p>
-            <a:pPr marL="0" indent="0">
-              <a:buNone/>
-            </a:pPr>
-            <a:r>
-              <a:rPr lang="en-IN" dirty="0"/>
-              <a:t>Bottom-up visual saliency refers to the ability to select important visual information for further </a:t>
-            </a:r>
-            <a:r>
-              <a:rPr lang="en-IN" dirty="0" smtClean="0"/>
-              <a:t>processing.</a:t>
-            </a:r>
-          </a:p>
-          <a:p>
-            <a:pPr lvl="1">
-              <a:buFont typeface="Arial" panose="020B0604020202020204" pitchFamily="34" charset="0"/>
-              <a:buChar char="•"/>
-            </a:pPr>
-            <a:r>
-              <a:rPr lang="en-IN" sz="2000" dirty="0"/>
-              <a:t>Fixation prediction </a:t>
-            </a:r>
-            <a:endParaRPr lang="en-IN" sz="2000" dirty="0" smtClean="0"/>
-          </a:p>
-          <a:p>
-            <a:pPr lvl="1">
-              <a:buFont typeface="Arial" panose="020B0604020202020204" pitchFamily="34" charset="0"/>
-              <a:buChar char="•"/>
-            </a:pPr>
-            <a:r>
-              <a:rPr lang="en-IN" sz="2000" dirty="0" smtClean="0"/>
-              <a:t>Salient object segmentation</a:t>
-            </a:r>
-          </a:p>
-          <a:p>
-            <a:pPr marL="0" indent="0">
-              <a:buNone/>
-            </a:pPr>
-            <a:r>
-              <a:rPr lang="en-IN" dirty="0" smtClean="0"/>
-              <a:t>The existing method have two limitations:</a:t>
-            </a:r>
-          </a:p>
-          <a:p>
-            <a:pPr marL="635508" lvl="1" indent="-342900">
-              <a:buFont typeface="+mj-lt"/>
-              <a:buAutoNum type="arabicPeriod"/>
-            </a:pPr>
-            <a:r>
-              <a:rPr lang="en-IN" sz="2000" dirty="0"/>
-              <a:t>A</a:t>
-            </a:r>
-            <a:r>
-              <a:rPr lang="en-IN" sz="2000" dirty="0" smtClean="0"/>
-              <a:t>lgorithms </a:t>
-            </a:r>
-            <a:r>
-              <a:rPr lang="en-IN" sz="2000" dirty="0"/>
-              <a:t>focusing on one type of </a:t>
-            </a:r>
-            <a:r>
-              <a:rPr lang="en-IN" sz="2000" dirty="0" smtClean="0"/>
-              <a:t>saliency tend </a:t>
-            </a:r>
-            <a:r>
-              <a:rPr lang="en-IN" sz="2000" dirty="0"/>
-              <a:t>to overlook the connection to the other </a:t>
-            </a:r>
-            <a:r>
-              <a:rPr lang="en-IN" sz="2000" dirty="0" smtClean="0"/>
-              <a:t>side.</a:t>
-            </a:r>
-          </a:p>
-          <a:p>
-            <a:pPr marL="635508" lvl="1" indent="-342900">
-              <a:buFont typeface="+mj-lt"/>
-              <a:buAutoNum type="arabicPeriod"/>
-            </a:pPr>
-            <a:r>
-              <a:rPr lang="en-IN" sz="2000" dirty="0" smtClean="0"/>
-              <a:t>Benchmarking </a:t>
-            </a:r>
-            <a:r>
-              <a:rPr lang="en-IN" sz="2000" dirty="0"/>
-              <a:t>primarily on one dataset tend to overt </a:t>
-            </a:r>
-            <a:r>
-              <a:rPr lang="en-IN" sz="2000" dirty="0" smtClean="0"/>
-              <a:t>the inherent </a:t>
-            </a:r>
-            <a:r>
-              <a:rPr lang="en-IN" sz="2000" dirty="0"/>
-              <a:t>bias of that </a:t>
-            </a:r>
-            <a:r>
-              <a:rPr lang="en-IN" sz="2000" dirty="0" smtClean="0"/>
-              <a:t>dataset.</a:t>
-            </a:r>
-          </a:p>
-          <a:p>
-            <a:pPr marL="0" indent="0">
-              <a:buNone/>
-            </a:pPr>
-            <a:r>
-              <a:rPr lang="en-IN" dirty="0" smtClean="0"/>
-              <a:t>Discuss the connection between fixation prediction and salient object segmentation. Then discuss </a:t>
-            </a:r>
-            <a:r>
-              <a:rPr lang="en-IN" i="1" dirty="0" smtClean="0"/>
-              <a:t>dataset design bias , </a:t>
-            </a:r>
-            <a:r>
-              <a:rPr lang="en-IN" dirty="0" smtClean="0"/>
-              <a:t>propose a new model of salient object segmentation and then compare it with existing state of art algorithms.</a:t>
-            </a:r>
-            <a:endParaRPr lang="en-IN" i="1" dirty="0" smtClean="0"/>
-          </a:p>
-        </p:txBody>
-      </p:sp>
-      <p:sp>
-        <p:nvSpPr>
-          <p:cNvPr id="4" name="Date Placeholder 3"/>
-          <p:cNvSpPr>
-            <a:spLocks noGrp="1"/>
-          </p:cNvSpPr>
-          <p:nvPr>
-            <p:ph type="dt" sz="half" idx="10"/>
-          </p:nvPr>
-        </p:nvSpPr>
-        <p:spPr/>
-        <p:txBody>
-          <a:bodyPr/>
-          <a:lstStyle/>
-          <a:p>
-            <a:fld id="{E9B34142-79DE-48D7-A299-F24F48696880}" type="datetime1">
-              <a:rPr lang="en-US" smtClean="0"/>
-              <a:t>3/17/2015</a:t>
-            </a:fld>
-            <a:endParaRPr lang="en-US" dirty="0"/>
-          </a:p>
-        </p:txBody>
-      </p:sp>
-      <p:sp>
-        <p:nvSpPr>
-          <p:cNvPr id="5" name="Slide Number Placeholder 4"/>
-          <p:cNvSpPr>
-            <a:spLocks noGrp="1"/>
-          </p:cNvSpPr>
-          <p:nvPr>
-            <p:ph type="sldNum" sz="quarter" idx="12"/>
-          </p:nvPr>
-        </p:nvSpPr>
-        <p:spPr/>
-        <p:txBody>
-          <a:bodyPr/>
-          <a:lstStyle/>
-          <a:p>
-            <a:fld id="{629637A9-119A-49DA-BD12-AAC58B377D80}" type="slidenum">
-              <a:rPr lang="en-US" smtClean="0"/>
-              <a:t>3</a:t>
-            </a:fld>
-            <a:endParaRPr lang="en-US" dirty="0"/>
-          </a:p>
-        </p:txBody>
-      </p:sp>
-    </p:spTree>
-    <p:extLst>
-      <p:ext uri="{BB962C8B-B14F-4D97-AF65-F5344CB8AC3E}">
-        <p14:creationId xmlns:p14="http://schemas.microsoft.com/office/powerpoint/2010/main" val="2135422581"/>
-      </p:ext>
-    </p:extLst>
-  </p:cSld>
-  <p:clrMapOvr>
-    <a:masterClrMapping/>
-  </p:clrMapOvr>
-  <p:timing>
-    <p:tnLst>
-      <p:par>
-        <p:cTn id="1" dur="indefinite" restart="never" nodeType="tmRoot"/>
-      </p:par>
-    </p:tnLst>
-  </p:timing>
-</p:sld>
-</file>
-
-<file path=ppt/slides/slide4.xml><?xml version="1.0" encoding="utf-8"?>
-<p:sld xmlns:a="http://schemas.openxmlformats.org/drawingml/2006/main" xmlns:r="http://schemas.openxmlformats.org/officeDocument/2006/relationships" xmlns:p="http://schemas.openxmlformats.org/presentationml/2006/main">
-  <p:cSld>
-    <p:bg>
-      <p:bgPr>
-        <a:solidFill>
-          <a:schemeClr val="bg1"/>
-        </a:solidFill>
-        <a:effectLst/>
-      </p:bgPr>
-    </p:bg>
-    <p:spTree>
-      <p:nvGrpSpPr>
-        <p:cNvPr id="1" name=""/>
-        <p:cNvGrpSpPr/>
-        <p:nvPr/>
-      </p:nvGrpSpPr>
-      <p:grpSpPr>
-        <a:xfrm>
-          <a:off x="0" y="0"/>
-          <a:ext cx="0" cy="0"/>
-          <a:chOff x="0" y="0"/>
-          <a:chExt cx="0" cy="0"/>
-        </a:xfrm>
-      </p:grpSpPr>
-      <p:sp>
-        <p:nvSpPr>
-          <p:cNvPr id="4" name="Date Placeholder 3"/>
-          <p:cNvSpPr>
-            <a:spLocks noGrp="1"/>
-          </p:cNvSpPr>
-          <p:nvPr>
-            <p:ph type="dt" sz="half" idx="10"/>
-          </p:nvPr>
-        </p:nvSpPr>
-        <p:spPr/>
-        <p:txBody>
-          <a:bodyPr/>
-          <a:lstStyle/>
-          <a:p>
-            <a:fld id="{2841E56E-AA48-453C-84FC-9CDE07CBEE48}" type="datetime1">
-              <a:rPr lang="en-US" smtClean="0"/>
-              <a:t>3/17/2015</a:t>
-            </a:fld>
-            <a:endParaRPr lang="en-US" dirty="0"/>
-          </a:p>
-        </p:txBody>
-      </p:sp>
-      <p:sp>
-        <p:nvSpPr>
-          <p:cNvPr id="5" name="Slide Number Placeholder 4"/>
-          <p:cNvSpPr>
-            <a:spLocks noGrp="1"/>
-          </p:cNvSpPr>
-          <p:nvPr>
-            <p:ph type="sldNum" sz="quarter" idx="12"/>
-          </p:nvPr>
-        </p:nvSpPr>
-        <p:spPr/>
-        <p:txBody>
-          <a:bodyPr/>
-          <a:lstStyle/>
-          <a:p>
-            <a:fld id="{629637A9-119A-49DA-BD12-AAC58B377D80}" type="slidenum">
-              <a:rPr lang="en-US" smtClean="0"/>
-              <a:t>4</a:t>
-            </a:fld>
-            <a:endParaRPr lang="en-US" dirty="0"/>
-          </a:p>
-        </p:txBody>
-      </p:sp>
-      <p:graphicFrame>
-        <p:nvGraphicFramePr>
-          <p:cNvPr id="6" name="Diagram 5"/>
-          <p:cNvGraphicFramePr/>
-          <p:nvPr>
-            <p:extLst>
-              <p:ext uri="{D42A27DB-BD31-4B8C-83A1-F6EECF244321}">
-                <p14:modId xmlns:p14="http://schemas.microsoft.com/office/powerpoint/2010/main" val="3819895919"/>
-              </p:ext>
-            </p:extLst>
-          </p:nvPr>
-        </p:nvGraphicFramePr>
-        <p:xfrm>
-          <a:off x="1357745" y="110838"/>
-          <a:ext cx="9494983" cy="6092152"/>
-        </p:xfrm>
-        <a:graphic>
-          <a:graphicData uri="http://schemas.openxmlformats.org/drawingml/2006/diagram">
-            <dgm:relIds xmlns:dgm="http://schemas.openxmlformats.org/drawingml/2006/diagram" xmlns:r="http://schemas.openxmlformats.org/officeDocument/2006/relationships" r:dm="rId3" r:lo="rId4" r:qs="rId5" r:cs="rId6"/>
-          </a:graphicData>
-        </a:graphic>
-      </p:graphicFrame>
-    </p:spTree>
-    <p:extLst>
-      <p:ext uri="{BB962C8B-B14F-4D97-AF65-F5344CB8AC3E}">
-        <p14:creationId xmlns:p14="http://schemas.microsoft.com/office/powerpoint/2010/main" val="2094744124"/>
-      </p:ext>
-    </p:extLst>
-  </p:cSld>
-  <p:clrMapOvr>
-    <a:masterClrMapping/>
-  </p:clrMapOvr>
-  <p:timing>
-    <p:tnLst>
-      <p:par>
-        <p:cTn id="1" dur="indefinite" restart="never" nodeType="tmRoot"/>
-      </p:par>
-    </p:tnLst>
-  </p:timing>
-</p:sld>
-</file>
-
-<file path=ppt/slides/slide5.xml><?xml version="1.0" encoding="utf-8"?>
-<p:sld xmlns:a="http://schemas.openxmlformats.org/drawingml/2006/main" xmlns:r="http://schemas.openxmlformats.org/officeDocument/2006/relationships" xmlns:p="http://schemas.openxmlformats.org/presentationml/2006/main">
-  <p:cSld>
-    <p:spTree>
-      <p:nvGrpSpPr>
-        <p:cNvPr id="1" name=""/>
-        <p:cNvGrpSpPr/>
-        <p:nvPr/>
-      </p:nvGrpSpPr>
-      <p:grpSpPr>
-        <a:xfrm>
-          <a:off x="0" y="0"/>
-          <a:ext cx="0" cy="0"/>
-          <a:chOff x="0" y="0"/>
-          <a:chExt cx="0" cy="0"/>
-        </a:xfrm>
-      </p:grpSpPr>
-      <p:sp>
-        <p:nvSpPr>
-          <p:cNvPr id="2" name="Title 1"/>
-          <p:cNvSpPr>
-            <a:spLocks noGrp="1"/>
-          </p:cNvSpPr>
-          <p:nvPr>
-            <p:ph type="title"/>
-          </p:nvPr>
-        </p:nvSpPr>
-        <p:spPr/>
-        <p:txBody>
-          <a:bodyPr/>
-          <a:lstStyle/>
-          <a:p>
-            <a:r>
-              <a:rPr lang="en-IN" dirty="0" smtClean="0"/>
-              <a:t>Dataset Analysis</a:t>
-            </a:r>
-            <a:endParaRPr lang="en-IN" dirty="0"/>
-          </a:p>
-        </p:txBody>
-      </p:sp>
-      <p:sp>
-        <p:nvSpPr>
-          <p:cNvPr id="3" name="Content Placeholder 2"/>
-          <p:cNvSpPr>
-            <a:spLocks noGrp="1"/>
-          </p:cNvSpPr>
-          <p:nvPr>
-            <p:ph idx="1"/>
-          </p:nvPr>
-        </p:nvSpPr>
-        <p:spPr/>
-        <p:txBody>
-          <a:bodyPr>
-            <a:normAutofit/>
-          </a:bodyPr>
-          <a:lstStyle/>
-          <a:p>
-            <a:r>
-              <a:rPr lang="en-IN" sz="2400" dirty="0" smtClean="0"/>
-              <a:t>PASCAL-S</a:t>
-            </a:r>
-          </a:p>
-          <a:p>
-            <a:r>
-              <a:rPr lang="en-IN" dirty="0"/>
-              <a:t>PASCAL-S dataset is built on the validation set of the </a:t>
-            </a:r>
-            <a:r>
-              <a:rPr lang="en-IN" dirty="0">
-                <a:hlinkClick r:id="rId2"/>
-              </a:rPr>
-              <a:t>PASCAL VOC </a:t>
-            </a:r>
-            <a:r>
-              <a:rPr lang="en-IN" dirty="0" smtClean="0">
-                <a:hlinkClick r:id="rId2"/>
-              </a:rPr>
-              <a:t>2010 </a:t>
-            </a:r>
-            <a:r>
-              <a:rPr lang="en-IN" dirty="0"/>
-              <a:t>segmentation </a:t>
-            </a:r>
-            <a:r>
-              <a:rPr lang="en-IN" dirty="0" smtClean="0"/>
-              <a:t>challenge.</a:t>
-            </a:r>
-            <a:r>
-              <a:rPr lang="en-IN" dirty="0"/>
-              <a:t> </a:t>
-            </a:r>
-            <a:r>
-              <a:rPr lang="en-IN" dirty="0" smtClean="0"/>
-              <a:t>This </a:t>
-            </a:r>
-            <a:r>
-              <a:rPr lang="fr-FR" dirty="0" smtClean="0"/>
-              <a:t>subset </a:t>
-            </a:r>
-            <a:r>
-              <a:rPr lang="fr-FR" dirty="0"/>
-              <a:t>contains 850 natural </a:t>
-            </a:r>
-            <a:r>
-              <a:rPr lang="fr-FR" dirty="0" smtClean="0"/>
-              <a:t>images.</a:t>
-            </a:r>
-          </a:p>
-          <a:p>
-            <a:r>
-              <a:rPr lang="en-IN" dirty="0"/>
-              <a:t>In the </a:t>
-            </a:r>
-            <a:r>
-              <a:rPr lang="en-IN" dirty="0" smtClean="0"/>
-              <a:t>fixation </a:t>
-            </a:r>
-            <a:r>
-              <a:rPr lang="en-IN" dirty="0"/>
-              <a:t>experiment, 8 subjects were instructed to perform the </a:t>
-            </a:r>
-            <a:r>
-              <a:rPr lang="en-IN" dirty="0" smtClean="0"/>
-              <a:t>“</a:t>
-            </a:r>
-            <a:r>
-              <a:rPr lang="en-IN" dirty="0" err="1" smtClean="0"/>
-              <a:t>freeviewing</a:t>
-            </a:r>
-            <a:r>
-              <a:rPr lang="en-IN" dirty="0" smtClean="0"/>
-              <a:t>“ task </a:t>
-            </a:r>
-            <a:r>
-              <a:rPr lang="en-IN" dirty="0"/>
-              <a:t>to explore the images. Each image was presented for 2 seconds, and eye-tracking re-calibration </a:t>
-            </a:r>
-            <a:r>
-              <a:rPr lang="en-IN" dirty="0" smtClean="0"/>
-              <a:t>was performed </a:t>
-            </a:r>
-            <a:r>
-              <a:rPr lang="en-IN" dirty="0"/>
-              <a:t>on every 25 images. The eye gaze data was sampled using </a:t>
-            </a:r>
-            <a:r>
-              <a:rPr lang="en-IN" dirty="0" err="1"/>
-              <a:t>Eyelink</a:t>
-            </a:r>
-            <a:r>
-              <a:rPr lang="en-IN" dirty="0"/>
-              <a:t> 1000 eye-tracker, at 125Hz</a:t>
-            </a:r>
-            <a:r>
-              <a:rPr lang="en-IN" dirty="0" smtClean="0"/>
-              <a:t>.</a:t>
-            </a:r>
-          </a:p>
-          <a:p>
-            <a:r>
-              <a:rPr lang="en-IN" dirty="0"/>
-              <a:t>In </a:t>
-            </a:r>
-            <a:r>
-              <a:rPr lang="en-IN" dirty="0" smtClean="0"/>
-              <a:t>the salient </a:t>
-            </a:r>
-            <a:r>
-              <a:rPr lang="en-IN" dirty="0"/>
-              <a:t>object segmentation experiment, we </a:t>
-            </a:r>
-            <a:r>
-              <a:rPr lang="en-IN" dirty="0" smtClean="0"/>
-              <a:t>first </a:t>
-            </a:r>
-            <a:r>
-              <a:rPr lang="en-IN" dirty="0"/>
-              <a:t>manually perform a full segmentation to crop out all objects </a:t>
-            </a:r>
-            <a:r>
-              <a:rPr lang="en-IN" dirty="0" smtClean="0"/>
-              <a:t>in the image. Then the 12 subjects label them. </a:t>
-            </a:r>
-            <a:r>
-              <a:rPr lang="en-IN" dirty="0"/>
-              <a:t>The </a:t>
-            </a:r>
-            <a:r>
-              <a:rPr lang="en-IN" dirty="0" smtClean="0"/>
-              <a:t>final </a:t>
-            </a:r>
-            <a:r>
-              <a:rPr lang="en-IN" dirty="0"/>
-              <a:t>saliency value </a:t>
-            </a:r>
-            <a:r>
-              <a:rPr lang="en-IN" dirty="0" smtClean="0"/>
-              <a:t>of each </a:t>
-            </a:r>
-            <a:r>
-              <a:rPr lang="en-IN" dirty="0"/>
-              <a:t>segment is the total number of click it receives, divided by the number </a:t>
-            </a:r>
-            <a:r>
-              <a:rPr lang="en-IN" dirty="0" smtClean="0"/>
-              <a:t>of subjects</a:t>
-            </a:r>
-            <a:r>
-              <a:rPr lang="en-IN" dirty="0"/>
-              <a:t>.</a:t>
-            </a:r>
-            <a:endParaRPr lang="en-IN" dirty="0" smtClean="0"/>
-          </a:p>
-        </p:txBody>
-      </p:sp>
-      <p:sp>
-        <p:nvSpPr>
-          <p:cNvPr id="4" name="Date Placeholder 3"/>
-          <p:cNvSpPr>
-            <a:spLocks noGrp="1"/>
-          </p:cNvSpPr>
-          <p:nvPr>
-            <p:ph type="dt" sz="half" idx="10"/>
-          </p:nvPr>
-        </p:nvSpPr>
-        <p:spPr/>
-        <p:txBody>
-          <a:bodyPr/>
-          <a:lstStyle/>
-          <a:p>
-            <a:fld id="{A29AF085-5AAD-4C7D-95D1-7BF3FF3E9ADA}" type="datetime1">
-              <a:rPr lang="en-US" smtClean="0"/>
-              <a:t>3/17/2015</a:t>
-            </a:fld>
-            <a:endParaRPr lang="en-US" dirty="0"/>
-          </a:p>
-        </p:txBody>
-      </p:sp>
-      <p:sp>
-        <p:nvSpPr>
-          <p:cNvPr id="5" name="Slide Number Placeholder 4"/>
-          <p:cNvSpPr>
-            <a:spLocks noGrp="1"/>
-          </p:cNvSpPr>
-          <p:nvPr>
-            <p:ph type="sldNum" sz="quarter" idx="12"/>
-          </p:nvPr>
-        </p:nvSpPr>
-        <p:spPr/>
-        <p:txBody>
-          <a:bodyPr/>
-          <a:lstStyle/>
-          <a:p>
-            <a:fld id="{629637A9-119A-49DA-BD12-AAC58B377D80}" type="slidenum">
-              <a:rPr lang="en-US" smtClean="0"/>
-              <a:t>5</a:t>
-            </a:fld>
-            <a:endParaRPr lang="en-US" dirty="0"/>
-          </a:p>
-        </p:txBody>
-      </p:sp>
-    </p:spTree>
-    <p:extLst>
-      <p:ext uri="{BB962C8B-B14F-4D97-AF65-F5344CB8AC3E}">
-        <p14:creationId xmlns:p14="http://schemas.microsoft.com/office/powerpoint/2010/main" val="2219262029"/>
-      </p:ext>
-    </p:extLst>
-  </p:cSld>
-  <p:clrMapOvr>
-    <a:masterClrMapping/>
-  </p:clrMapOvr>
-  <p:timing>
-    <p:tnLst>
-      <p:par>
-        <p:cTn id="1" dur="indefinite" restart="never" nodeType="tmRoot"/>
-      </p:par>
-    </p:tnLst>
-  </p:timing>
-</p:sld>
-</file>
-
-<file path=ppt/slides/slide6.xml><?xml version="1.0" encoding="utf-8"?>
-<p:sld xmlns:a="http://schemas.openxmlformats.org/drawingml/2006/main" xmlns:r="http://schemas.openxmlformats.org/officeDocument/2006/relationships" xmlns:p="http://schemas.openxmlformats.org/presentationml/2006/main">
-  <p:cSld>
-    <p:spTree>
-      <p:nvGrpSpPr>
-        <p:cNvPr id="1" name=""/>
-        <p:cNvGrpSpPr/>
-        <p:nvPr/>
-      </p:nvGrpSpPr>
-      <p:grpSpPr>
-        <a:xfrm>
-          <a:off x="0" y="0"/>
-          <a:ext cx="0" cy="0"/>
-          <a:chOff x="0" y="0"/>
-          <a:chExt cx="0" cy="0"/>
-        </a:xfrm>
-      </p:grpSpPr>
       <p:pic>
         <p:nvPicPr>
-          <p:cNvPr id="2" name="Picture 1"/>
+          <p:cNvPr id="4" name="Picture 3"/>
           <p:cNvPicPr>
             <a:picLocks noChangeAspect="1"/>
           </p:cNvPicPr>
@@ -9767,316 +8870,18 @@
         </p:blipFill>
         <p:spPr>
           <a:xfrm>
-            <a:off x="1174751" y="325582"/>
-            <a:ext cx="3150450" cy="2362837"/>
+            <a:off x="2032392" y="0"/>
+            <a:ext cx="7868066" cy="6314889"/>
           </a:xfrm>
           <a:prstGeom prst="rect">
             <a:avLst/>
           </a:prstGeom>
         </p:spPr>
       </p:pic>
-      <p:pic>
-        <p:nvPicPr>
-          <p:cNvPr id="3" name="Picture 2"/>
-          <p:cNvPicPr>
-            <a:picLocks noChangeAspect="1"/>
-          </p:cNvPicPr>
-          <p:nvPr/>
-        </p:nvPicPr>
-        <p:blipFill>
-          <a:blip r:embed="rId3">
-            <a:extLst>
-              <a:ext uri="{28A0092B-C50C-407E-A947-70E740481C1C}">
-                <a14:useLocalDpi xmlns:a14="http://schemas.microsoft.com/office/drawing/2010/main" val="0"/>
-              </a:ext>
-            </a:extLst>
-          </a:blip>
-          <a:stretch>
-            <a:fillRect/>
-          </a:stretch>
-        </p:blipFill>
-        <p:spPr>
-          <a:xfrm>
-            <a:off x="1174751" y="3391218"/>
-            <a:ext cx="3150450" cy="2362837"/>
-          </a:xfrm>
-          <a:prstGeom prst="rect">
-            <a:avLst/>
-          </a:prstGeom>
-        </p:spPr>
-      </p:pic>
-      <p:pic>
-        <p:nvPicPr>
-          <p:cNvPr id="4" name="Picture 3"/>
-          <p:cNvPicPr>
-            <a:picLocks noChangeAspect="1"/>
-          </p:cNvPicPr>
-          <p:nvPr/>
-        </p:nvPicPr>
-        <p:blipFill>
-          <a:blip r:embed="rId4">
-            <a:extLst>
-              <a:ext uri="{28A0092B-C50C-407E-A947-70E740481C1C}">
-                <a14:useLocalDpi xmlns:a14="http://schemas.microsoft.com/office/drawing/2010/main" val="0"/>
-              </a:ext>
-            </a:extLst>
-          </a:blip>
-          <a:stretch>
-            <a:fillRect/>
-          </a:stretch>
-        </p:blipFill>
-        <p:spPr>
-          <a:xfrm>
-            <a:off x="6881426" y="325581"/>
-            <a:ext cx="3150450" cy="2362837"/>
-          </a:xfrm>
-          <a:prstGeom prst="rect">
-            <a:avLst/>
-          </a:prstGeom>
-        </p:spPr>
-      </p:pic>
-      <p:pic>
-        <p:nvPicPr>
-          <p:cNvPr id="5" name="Picture 4"/>
-          <p:cNvPicPr>
-            <a:picLocks noChangeAspect="1"/>
-          </p:cNvPicPr>
-          <p:nvPr/>
-        </p:nvPicPr>
-        <p:blipFill>
-          <a:blip r:embed="rId5">
-            <a:extLst>
-              <a:ext uri="{28A0092B-C50C-407E-A947-70E740481C1C}">
-                <a14:useLocalDpi xmlns:a14="http://schemas.microsoft.com/office/drawing/2010/main" val="0"/>
-              </a:ext>
-            </a:extLst>
-          </a:blip>
-          <a:stretch>
-            <a:fillRect/>
-          </a:stretch>
-        </p:blipFill>
-        <p:spPr>
-          <a:xfrm>
-            <a:off x="6881426" y="3391218"/>
-            <a:ext cx="3150450" cy="2362837"/>
-          </a:xfrm>
-          <a:prstGeom prst="rect">
-            <a:avLst/>
-          </a:prstGeom>
-        </p:spPr>
-      </p:pic>
-      <p:sp>
-        <p:nvSpPr>
-          <p:cNvPr id="6" name="TextBox 5"/>
-          <p:cNvSpPr txBox="1"/>
-          <p:nvPr/>
-        </p:nvSpPr>
-        <p:spPr>
-          <a:xfrm>
-            <a:off x="1174751" y="2852805"/>
-            <a:ext cx="2086853" cy="646331"/>
-          </a:xfrm>
-          <a:prstGeom prst="rect">
-            <a:avLst/>
-          </a:prstGeom>
-          <a:noFill/>
-        </p:spPr>
-        <p:txBody>
-          <a:bodyPr wrap="none" rtlCol="0">
-            <a:spAutoFit/>
-          </a:bodyPr>
-          <a:lstStyle/>
-          <a:p>
-            <a:pPr algn="ctr" fontAlgn="base"/>
-            <a:r>
-              <a:rPr lang="en-IN" cap="all" dirty="0">
-                <a:solidFill>
-                  <a:srgbClr val="515A5F"/>
-                </a:solidFill>
-                <a:latin typeface="BebasNeueRegular"/>
-              </a:rPr>
-              <a:t>ORIGINAL IMAGE</a:t>
-            </a:r>
-          </a:p>
-          <a:p>
-            <a:endParaRPr lang="en-IN" dirty="0"/>
-          </a:p>
-        </p:txBody>
-      </p:sp>
-      <p:sp>
-        <p:nvSpPr>
-          <p:cNvPr id="7" name="Rectangle 6"/>
-          <p:cNvSpPr/>
-          <p:nvPr/>
-        </p:nvSpPr>
-        <p:spPr>
-          <a:xfrm>
-            <a:off x="1174751" y="5905741"/>
-            <a:ext cx="1911613" cy="369332"/>
-          </a:xfrm>
-          <a:prstGeom prst="rect">
-            <a:avLst/>
-          </a:prstGeom>
-        </p:spPr>
-        <p:txBody>
-          <a:bodyPr wrap="none">
-            <a:spAutoFit/>
-          </a:bodyPr>
-          <a:lstStyle/>
-          <a:p>
-            <a:pPr algn="ctr" fontAlgn="base"/>
-            <a:r>
-              <a:rPr lang="en-IN" cap="all" dirty="0">
-                <a:solidFill>
-                  <a:srgbClr val="515A5F"/>
-                </a:solidFill>
-                <a:latin typeface="BebasNeueRegular"/>
-              </a:rPr>
-              <a:t>EYE FIXATIONS</a:t>
-            </a:r>
-            <a:endParaRPr lang="en-IN" b="0" i="0" cap="all" dirty="0">
-              <a:solidFill>
-                <a:srgbClr val="515A5F"/>
-              </a:solidFill>
-              <a:effectLst/>
-              <a:latin typeface="BebasNeueRegular"/>
-            </a:endParaRPr>
-          </a:p>
-        </p:txBody>
-      </p:sp>
-      <p:sp>
-        <p:nvSpPr>
-          <p:cNvPr id="8" name="Rectangle 7"/>
-          <p:cNvSpPr/>
-          <p:nvPr/>
-        </p:nvSpPr>
-        <p:spPr>
-          <a:xfrm>
-            <a:off x="6881426" y="2852805"/>
-            <a:ext cx="2616870" cy="369332"/>
-          </a:xfrm>
-          <a:prstGeom prst="rect">
-            <a:avLst/>
-          </a:prstGeom>
-        </p:spPr>
-        <p:txBody>
-          <a:bodyPr wrap="none">
-            <a:spAutoFit/>
-          </a:bodyPr>
-          <a:lstStyle/>
-          <a:p>
-            <a:pPr algn="ctr" fontAlgn="base"/>
-            <a:r>
-              <a:rPr lang="en-IN" cap="all" dirty="0">
-                <a:solidFill>
-                  <a:srgbClr val="515A5F"/>
-                </a:solidFill>
-                <a:latin typeface="BebasNeueRegular"/>
-              </a:rPr>
-              <a:t>FULL SEGMENTATION</a:t>
-            </a:r>
-            <a:endParaRPr lang="en-IN" b="0" i="0" cap="all" dirty="0">
-              <a:solidFill>
-                <a:srgbClr val="515A5F"/>
-              </a:solidFill>
-              <a:effectLst/>
-              <a:latin typeface="BebasNeueRegular"/>
-            </a:endParaRPr>
-          </a:p>
-        </p:txBody>
-      </p:sp>
-      <p:sp>
-        <p:nvSpPr>
-          <p:cNvPr id="9" name="Rectangle 8"/>
-          <p:cNvSpPr/>
-          <p:nvPr/>
-        </p:nvSpPr>
-        <p:spPr>
-          <a:xfrm>
-            <a:off x="6881426" y="5923136"/>
-            <a:ext cx="2984792" cy="369332"/>
-          </a:xfrm>
-          <a:prstGeom prst="rect">
-            <a:avLst/>
-          </a:prstGeom>
-        </p:spPr>
-        <p:txBody>
-          <a:bodyPr wrap="none">
-            <a:spAutoFit/>
-          </a:bodyPr>
-          <a:lstStyle/>
-          <a:p>
-            <a:pPr algn="ctr" fontAlgn="base"/>
-            <a:r>
-              <a:rPr lang="en-IN" cap="all" dirty="0">
-                <a:solidFill>
-                  <a:srgbClr val="515A5F"/>
-                </a:solidFill>
-                <a:latin typeface="BebasNeueRegular"/>
-              </a:rPr>
-              <a:t>SALIENT OBJECT MASKS</a:t>
-            </a:r>
-            <a:endParaRPr lang="en-IN" b="0" i="0" cap="all" dirty="0">
-              <a:solidFill>
-                <a:srgbClr val="515A5F"/>
-              </a:solidFill>
-              <a:effectLst/>
-              <a:latin typeface="BebasNeueRegular"/>
-            </a:endParaRPr>
-          </a:p>
-        </p:txBody>
-      </p:sp>
-      <p:sp>
-        <p:nvSpPr>
-          <p:cNvPr id="10" name="Date Placeholder 9"/>
-          <p:cNvSpPr>
-            <a:spLocks noGrp="1"/>
-          </p:cNvSpPr>
-          <p:nvPr>
-            <p:ph type="dt" sz="half" idx="10"/>
-          </p:nvPr>
-        </p:nvSpPr>
-        <p:spPr/>
-        <p:txBody>
-          <a:bodyPr/>
-          <a:lstStyle/>
-          <a:p>
-            <a:fld id="{9C421A99-3FF4-4ACE-9291-7A9F4C41AD1D}" type="datetime1">
-              <a:rPr lang="en-US" smtClean="0"/>
-              <a:t>3/17/2015</a:t>
-            </a:fld>
-            <a:endParaRPr lang="en-US" dirty="0"/>
-          </a:p>
-        </p:txBody>
-      </p:sp>
-      <p:sp>
-        <p:nvSpPr>
-          <p:cNvPr id="11" name="Slide Number Placeholder 10"/>
-          <p:cNvSpPr>
-            <a:spLocks noGrp="1"/>
-          </p:cNvSpPr>
-          <p:nvPr>
-            <p:ph type="sldNum" sz="quarter" idx="12"/>
-          </p:nvPr>
-        </p:nvSpPr>
-        <p:spPr/>
-        <p:txBody>
-          <a:bodyPr/>
-          <a:lstStyle/>
-          <a:p>
-            <a:fld id="{4FAB73BC-B049-4115-A692-8D63A059BFB8}" type="slidenum">
-              <a:rPr lang="en-US" smtClean="0"/>
-              <a:pPr/>
-              <a:t>6</a:t>
-            </a:fld>
-            <a:endParaRPr lang="en-US" dirty="0"/>
-          </a:p>
-        </p:txBody>
-      </p:sp>
     </p:spTree>
     <p:extLst>
       <p:ext uri="{BB962C8B-B14F-4D97-AF65-F5344CB8AC3E}">
-        <p14:creationId xmlns:p14="http://schemas.microsoft.com/office/powerpoint/2010/main" val="1319977624"/>
+        <p14:creationId xmlns:p14="http://schemas.microsoft.com/office/powerpoint/2010/main" val="3041835924"/>
       </p:ext>
     </p:extLst>
   </p:cSld>
@@ -10093,7 +8898,7 @@
 </p:sld>
 </file>
 
-<file path=ppt/slides/slide7.xml><?xml version="1.0" encoding="utf-8"?>
+<file path=ppt/slides/slide11.xml><?xml version="1.0" encoding="utf-8"?>
 <p:sld xmlns:a="http://schemas.openxmlformats.org/drawingml/2006/main" xmlns:r="http://schemas.openxmlformats.org/officeDocument/2006/relationships" xmlns:p="http://schemas.openxmlformats.org/presentationml/2006/main">
   <p:cSld>
     <p:spTree>
@@ -10112,6 +8917,145 @@
       </p:grpSpPr>
       <p:sp>
         <p:nvSpPr>
+          <p:cNvPr id="2" name="Title 1"/>
+          <p:cNvSpPr>
+            <a:spLocks noGrp="1"/>
+          </p:cNvSpPr>
+          <p:nvPr>
+            <p:ph type="title"/>
+          </p:nvPr>
+        </p:nvSpPr>
+        <p:spPr/>
+        <p:txBody>
+          <a:bodyPr/>
+          <a:lstStyle/>
+          <a:p>
+            <a:r>
+              <a:rPr lang="en-IN" dirty="0"/>
+              <a:t>Proposed </a:t>
+            </a:r>
+            <a:r>
+              <a:rPr lang="en-IN" dirty="0" smtClean="0"/>
+              <a:t>Algorithm</a:t>
+            </a:r>
+            <a:endParaRPr lang="en-US" dirty="0"/>
+          </a:p>
+        </p:txBody>
+      </p:sp>
+      <p:pic>
+        <p:nvPicPr>
+          <p:cNvPr id="6" name="Content Placeholder 5"/>
+          <p:cNvPicPr>
+            <a:picLocks noGrp="1" noChangeAspect="1"/>
+          </p:cNvPicPr>
+          <p:nvPr>
+            <p:ph idx="1"/>
+          </p:nvPr>
+        </p:nvPicPr>
+        <p:blipFill>
+          <a:blip r:embed="rId2">
+            <a:extLst>
+              <a:ext uri="{28A0092B-C50C-407E-A947-70E740481C1C}">
+                <a14:useLocalDpi xmlns:a14="http://schemas.microsoft.com/office/drawing/2010/main" val="0"/>
+              </a:ext>
+            </a:extLst>
+          </a:blip>
+          <a:stretch>
+            <a:fillRect/>
+          </a:stretch>
+        </p:blipFill>
+        <p:spPr>
+          <a:xfrm>
+            <a:off x="2928156" y="1846263"/>
+            <a:ext cx="6396014" cy="4022725"/>
+          </a:xfrm>
+        </p:spPr>
+      </p:pic>
+      <p:sp>
+        <p:nvSpPr>
+          <p:cNvPr id="4" name="Date Placeholder 3"/>
+          <p:cNvSpPr>
+            <a:spLocks noGrp="1"/>
+          </p:cNvSpPr>
+          <p:nvPr>
+            <p:ph type="dt" sz="half" idx="10"/>
+          </p:nvPr>
+        </p:nvSpPr>
+        <p:spPr/>
+        <p:txBody>
+          <a:bodyPr/>
+          <a:lstStyle/>
+          <a:p>
+            <a:fld id="{2841E56E-AA48-453C-84FC-9CDE07CBEE48}" type="datetime1">
+              <a:rPr lang="en-US" smtClean="0"/>
+              <a:t>3/18/2015</a:t>
+            </a:fld>
+            <a:endParaRPr lang="en-US" dirty="0"/>
+          </a:p>
+        </p:txBody>
+      </p:sp>
+      <p:sp>
+        <p:nvSpPr>
+          <p:cNvPr id="5" name="Slide Number Placeholder 4"/>
+          <p:cNvSpPr>
+            <a:spLocks noGrp="1"/>
+          </p:cNvSpPr>
+          <p:nvPr>
+            <p:ph type="sldNum" sz="quarter" idx="12"/>
+          </p:nvPr>
+        </p:nvSpPr>
+        <p:spPr/>
+        <p:txBody>
+          <a:bodyPr/>
+          <a:lstStyle/>
+          <a:p>
+            <a:fld id="{629637A9-119A-49DA-BD12-AAC58B377D80}" type="slidenum">
+              <a:rPr lang="en-US" smtClean="0"/>
+              <a:t>11</a:t>
+            </a:fld>
+            <a:endParaRPr lang="en-US" dirty="0"/>
+          </a:p>
+        </p:txBody>
+      </p:sp>
+    </p:spTree>
+    <p:extLst>
+      <p:ext uri="{BB962C8B-B14F-4D97-AF65-F5344CB8AC3E}">
+        <p14:creationId xmlns:p14="http://schemas.microsoft.com/office/powerpoint/2010/main" val="2526529530"/>
+      </p:ext>
+    </p:extLst>
+  </p:cSld>
+  <p:clrMapOvr>
+    <a:masterClrMapping/>
+  </p:clrMapOvr>
+  <p:timing>
+    <p:tnLst>
+      <p:par>
+        <p:cTn id="1" dur="indefinite" restart="never" nodeType="tmRoot"/>
+      </p:par>
+    </p:tnLst>
+  </p:timing>
+</p:sld>
+</file>
+
+<file path=ppt/slides/slide12.xml><?xml version="1.0" encoding="utf-8"?>
+<p:sld xmlns:a="http://schemas.openxmlformats.org/drawingml/2006/main" xmlns:r="http://schemas.openxmlformats.org/officeDocument/2006/relationships" xmlns:p="http://schemas.openxmlformats.org/presentationml/2006/main">
+  <p:cSld>
+    <p:spTree>
+      <p:nvGrpSpPr>
+        <p:cNvPr id="1" name=""/>
+        <p:cNvGrpSpPr/>
+        <p:nvPr/>
+      </p:nvGrpSpPr>
+      <p:grpSpPr>
+        <a:xfrm>
+          <a:off x="0" y="0"/>
+          <a:ext cx="0" cy="0"/>
+          <a:chOff x="0" y="0"/>
+          <a:chExt cx="0" cy="0"/>
+        </a:xfrm>
+      </p:grpSpPr>
+      <p:sp>
+        <p:nvSpPr>
           <p:cNvPr id="2" name="Date Placeholder 1"/>
           <p:cNvSpPr>
             <a:spLocks noGrp="1"/>
@@ -10125,9 +9069,9 @@
           <a:bodyPr/>
           <a:lstStyle/>
           <a:p>
-            <a:fld id="{7D09FDB1-1B73-4210-9996-D66F12821A15}" type="datetime1">
+            <a:fld id="{276CE7E5-BBFD-496B-A1BD-9ACBD2AFD9F8}" type="datetime1">
               <a:rPr lang="en-US" smtClean="0"/>
-              <a:t>3/17/2015</a:t>
+              <a:t>3/18/2015</a:t>
             </a:fld>
             <a:endParaRPr lang="en-US" dirty="0"/>
           </a:p>
@@ -10151,7 +9095,7 @@
             <a:fld id="{4FAB73BC-B049-4115-A692-8D63A059BFB8}" type="slidenum">
               <a:rPr lang="en-US" smtClean="0"/>
               <a:pPr/>
-              <a:t>7</a:t>
+              <a:t>12</a:t>
             </a:fld>
             <a:endParaRPr lang="en-US" dirty="0"/>
           </a:p>
@@ -10159,7 +9103,7 @@
       </p:sp>
       <p:sp>
         <p:nvSpPr>
-          <p:cNvPr id="8" name="Content Placeholder 2"/>
+          <p:cNvPr id="4" name="Content Placeholder 2"/>
           <p:cNvSpPr txBox="1">
             <a:spLocks/>
           </p:cNvSpPr>
@@ -10427,45 +9371,73 @@
           <a:p>
             <a:r>
               <a:rPr lang="en-IN" sz="2400" dirty="0" smtClean="0"/>
-              <a:t>Evaluating dataset consistency</a:t>
-            </a:r>
-          </a:p>
-          <a:p>
+              <a:t>The Model</a:t>
+            </a:r>
+          </a:p>
+          <a:p>
+            <a:pPr>
+              <a:buFont typeface="Arial" panose="020B0604020202020204" pitchFamily="34" charset="0"/>
+              <a:buChar char="•"/>
+            </a:pPr>
             <a:r>
               <a:rPr lang="en-IN" dirty="0"/>
-              <a:t>To compare the level of agreement among </a:t>
+              <a:t>Our first step is to generate the segmentation of object candidates by a generic object proposal method. We use CPMC to obtain the initial segmentations.</a:t>
+            </a:r>
+          </a:p>
+          <a:p>
+            <a:pPr>
+              <a:buFont typeface="Arial" panose="020B0604020202020204" pitchFamily="34" charset="0"/>
+              <a:buChar char="•"/>
+            </a:pPr>
+            <a:r>
+              <a:rPr lang="en-IN" dirty="0"/>
+              <a:t>CPMC is an unsupervised framework to generate and rank </a:t>
             </a:r>
             <a:r>
               <a:rPr lang="en-IN" dirty="0" smtClean="0"/>
-              <a:t>different labellers </a:t>
+              <a:t>plausible </a:t>
             </a:r>
             <a:r>
               <a:rPr lang="en-IN" dirty="0"/>
-              <a:t>in our </a:t>
+              <a:t>hypotheses of object candidates without category </a:t>
             </a:r>
             <a:r>
               <a:rPr lang="en-IN" dirty="0" smtClean="0"/>
-              <a:t>PASCAL-S dataset </a:t>
-            </a:r>
+              <a:t>specific knowledge.</a:t>
+            </a:r>
+          </a:p>
+          <a:p>
+            <a:pPr>
+              <a:buFont typeface="Arial" panose="020B0604020202020204" pitchFamily="34" charset="0"/>
+              <a:buChar char="•"/>
+            </a:pPr>
             <a:r>
               <a:rPr lang="en-IN" dirty="0"/>
-              <a:t>and other existing dataset, we randomly select 50% of the subjects as the test </a:t>
+              <a:t>To estimate the saliency of a candidate segment, we utilize the spatial distribution of </a:t>
             </a:r>
             <a:r>
               <a:rPr lang="en-IN" dirty="0" smtClean="0"/>
-              <a:t>subset. </a:t>
+              <a:t>fixations </a:t>
             </a:r>
             <a:r>
               <a:rPr lang="en-IN" dirty="0"/>
-              <a:t>Then we </a:t>
+              <a:t>within the object</a:t>
             </a:r>
             <a:r>
               <a:rPr lang="en-IN" dirty="0" smtClean="0"/>
-              <a:t>benchmark the </a:t>
+              <a:t>. It </a:t>
             </a:r>
             <a:r>
               <a:rPr lang="en-IN" dirty="0"/>
-              <a:t>saliency maps of this test subset by taking the rest subjects as the new ground-truth subset</a:t>
+              <a:t>is well known that the density of </a:t>
+            </a:r>
+            <a:r>
+              <a:rPr lang="en-IN" dirty="0" smtClean="0"/>
+              <a:t>fixation </a:t>
+            </a:r>
+            <a:r>
+              <a:rPr lang="en-IN" dirty="0"/>
+              <a:t>directly reveals the saliency of the segment</a:t>
             </a:r>
             <a:r>
               <a:rPr lang="en-IN" dirty="0" smtClean="0"/>
@@ -10473,44 +9445,57 @@
             </a:r>
           </a:p>
           <a:p>
+            <a:pPr>
+              <a:buFont typeface="Arial" panose="020B0604020202020204" pitchFamily="34" charset="0"/>
+              <a:buChar char="•"/>
+            </a:pPr>
+            <a:r>
+              <a:rPr lang="en-IN" dirty="0"/>
+              <a:t>We use a learning based framework for the segment selection process. This is achieved by learning a scoring function </a:t>
+            </a:r>
+            <a:r>
+              <a:rPr lang="en-US" dirty="0"/>
+              <a:t>for each object candidate.</a:t>
+            </a:r>
+            <a:endParaRPr lang="en-IN" dirty="0"/>
+          </a:p>
+          <a:p>
+            <a:pPr>
+              <a:buFont typeface="Arial" panose="020B0604020202020204" pitchFamily="34" charset="0"/>
+              <a:buChar char="•"/>
+            </a:pPr>
+            <a:r>
+              <a:rPr lang="en-IN" dirty="0"/>
+              <a:t>For each dataset, we train a random forest with 30 trees, using a random sampling of 40% of the images. The rest of images are used for testing</a:t>
+            </a:r>
+            <a:r>
+              <a:rPr lang="en-IN" dirty="0" smtClean="0"/>
+              <a:t>.</a:t>
+            </a:r>
+          </a:p>
+          <a:p>
+            <a:pPr>
+              <a:buFont typeface="Arial" panose="020B0604020202020204" pitchFamily="34" charset="0"/>
+              <a:buChar char="•"/>
+            </a:pPr>
+            <a:r>
+              <a:rPr lang="en-IN" dirty="0"/>
+              <a:t>For each branch node, a feature is selected from a random subset of all features and a decision boundary is set by minimizing the Minimum Square Error.</a:t>
+            </a:r>
+          </a:p>
+          <a:p>
+            <a:pPr>
+              <a:buFont typeface="Arial" panose="020B0604020202020204" pitchFamily="34" charset="0"/>
+              <a:buChar char="•"/>
+            </a:pPr>
             <a:endParaRPr lang="en-IN" dirty="0" smtClean="0"/>
           </a:p>
         </p:txBody>
       </p:sp>
-      <p:pic>
-        <p:nvPicPr>
-          <p:cNvPr id="10" name="Picture 9"/>
-          <p:cNvPicPr>
-            <a:picLocks noChangeAspect="1"/>
-          </p:cNvPicPr>
-          <p:nvPr/>
-        </p:nvPicPr>
-        <p:blipFill>
-          <a:blip r:embed="rId3">
-            <a:extLst>
-              <a:ext uri="{28A0092B-C50C-407E-A947-70E740481C1C}">
-                <a14:useLocalDpi xmlns:a14="http://schemas.microsoft.com/office/drawing/2010/main" val="0"/>
-              </a:ext>
-            </a:extLst>
-          </a:blip>
-          <a:stretch>
-            <a:fillRect/>
-          </a:stretch>
-        </p:blipFill>
-        <p:spPr>
-          <a:xfrm>
-            <a:off x="2333415" y="2138534"/>
-            <a:ext cx="7808546" cy="3730560"/>
-          </a:xfrm>
-          <a:prstGeom prst="rect">
-            <a:avLst/>
-          </a:prstGeom>
-        </p:spPr>
-      </p:pic>
     </p:spTree>
     <p:extLst>
       <p:ext uri="{BB962C8B-B14F-4D97-AF65-F5344CB8AC3E}">
-        <p14:creationId xmlns:p14="http://schemas.microsoft.com/office/powerpoint/2010/main" val="1025644431"/>
+        <p14:creationId xmlns:p14="http://schemas.microsoft.com/office/powerpoint/2010/main" val="2489893820"/>
       </p:ext>
     </p:extLst>
   </p:cSld>
@@ -10527,7 +9512,7 @@
 </p:sld>
 </file>
 
-<file path=ppt/slides/slide8.xml><?xml version="1.0" encoding="utf-8"?>
+<file path=ppt/slides/slide13.xml><?xml version="1.0" encoding="utf-8"?>
 <p:sld xmlns:a="http://schemas.openxmlformats.org/drawingml/2006/main" xmlns:r="http://schemas.openxmlformats.org/officeDocument/2006/relationships" xmlns:p="http://schemas.openxmlformats.org/presentationml/2006/main">
   <p:cSld>
     <p:spTree>
@@ -10561,7 +9546,7 @@
           <a:p>
             <a:fld id="{276CE7E5-BBFD-496B-A1BD-9ACBD2AFD9F8}" type="datetime1">
               <a:rPr lang="en-US" smtClean="0"/>
-              <a:t>3/17/2015</a:t>
+              <a:t>3/18/2015</a:t>
             </a:fld>
             <a:endParaRPr lang="en-US" dirty="0"/>
           </a:p>
@@ -10585,7 +9570,484 @@
             <a:fld id="{4FAB73BC-B049-4115-A692-8D63A059BFB8}" type="slidenum">
               <a:rPr lang="en-US" smtClean="0"/>
               <a:pPr/>
-              <a:t>8</a:t>
+              <a:t>13</a:t>
+            </a:fld>
+            <a:endParaRPr lang="en-US" dirty="0"/>
+          </a:p>
+        </p:txBody>
+      </p:sp>
+      <p:sp>
+        <p:nvSpPr>
+          <p:cNvPr id="4" name="Content Placeholder 2"/>
+          <p:cNvSpPr txBox="1">
+            <a:spLocks/>
+          </p:cNvSpPr>
+          <p:nvPr/>
+        </p:nvSpPr>
+        <p:spPr>
+          <a:xfrm>
+            <a:off x="1097280" y="457200"/>
+            <a:ext cx="10058400" cy="5411894"/>
+          </a:xfrm>
+          <a:prstGeom prst="rect">
+            <a:avLst/>
+          </a:prstGeom>
+        </p:spPr>
+        <p:txBody>
+          <a:bodyPr>
+            <a:normAutofit lnSpcReduction="10000"/>
+          </a:bodyPr>
+          <a:lstStyle>
+            <a:lvl1pPr marL="91440" indent="-91440" algn="l" defTabSz="914400" rtl="0" eaLnBrk="1" latinLnBrk="0" hangingPunct="1">
+              <a:lnSpc>
+                <a:spcPct val="90000"/>
+              </a:lnSpc>
+              <a:spcBef>
+                <a:spcPts val="1200"/>
+              </a:spcBef>
+              <a:spcAft>
+                <a:spcPts val="200"/>
+              </a:spcAft>
+              <a:buClr>
+                <a:schemeClr val="accent1"/>
+              </a:buClr>
+              <a:buSzPct val="100000"/>
+              <a:buFont typeface="Calibri" panose="020F0502020204030204" pitchFamily="34" charset="0"/>
+              <a:buChar char=" "/>
+              <a:defRPr sz="2000" kern="1200">
+                <a:solidFill>
+                  <a:schemeClr val="tx1">
+                    <a:lumMod val="75000"/>
+                    <a:lumOff val="25000"/>
+                  </a:schemeClr>
+                </a:solidFill>
+                <a:latin typeface="+mn-lt"/>
+                <a:ea typeface="+mn-ea"/>
+                <a:cs typeface="+mn-cs"/>
+              </a:defRPr>
+            </a:lvl1pPr>
+            <a:lvl2pPr marL="384048" indent="-182880" algn="l" defTabSz="914400" rtl="0" eaLnBrk="1" latinLnBrk="0" hangingPunct="1">
+              <a:lnSpc>
+                <a:spcPct val="90000"/>
+              </a:lnSpc>
+              <a:spcBef>
+                <a:spcPts val="200"/>
+              </a:spcBef>
+              <a:spcAft>
+                <a:spcPts val="400"/>
+              </a:spcAft>
+              <a:buClr>
+                <a:schemeClr val="accent1"/>
+              </a:buClr>
+              <a:buFont typeface="Calibri" pitchFamily="34" charset="0"/>
+              <a:buChar char="◦"/>
+              <a:defRPr sz="1800" kern="1200">
+                <a:solidFill>
+                  <a:schemeClr val="tx1">
+                    <a:lumMod val="75000"/>
+                    <a:lumOff val="25000"/>
+                  </a:schemeClr>
+                </a:solidFill>
+                <a:latin typeface="+mn-lt"/>
+                <a:ea typeface="+mn-ea"/>
+                <a:cs typeface="+mn-cs"/>
+              </a:defRPr>
+            </a:lvl2pPr>
+            <a:lvl3pPr marL="566928" indent="-182880" algn="l" defTabSz="914400" rtl="0" eaLnBrk="1" latinLnBrk="0" hangingPunct="1">
+              <a:lnSpc>
+                <a:spcPct val="90000"/>
+              </a:lnSpc>
+              <a:spcBef>
+                <a:spcPts val="200"/>
+              </a:spcBef>
+              <a:spcAft>
+                <a:spcPts val="400"/>
+              </a:spcAft>
+              <a:buClr>
+                <a:schemeClr val="accent1"/>
+              </a:buClr>
+              <a:buFont typeface="Calibri" pitchFamily="34" charset="0"/>
+              <a:buChar char="◦"/>
+              <a:defRPr sz="1400" kern="1200">
+                <a:solidFill>
+                  <a:schemeClr val="tx1">
+                    <a:lumMod val="75000"/>
+                    <a:lumOff val="25000"/>
+                  </a:schemeClr>
+                </a:solidFill>
+                <a:latin typeface="+mn-lt"/>
+                <a:ea typeface="+mn-ea"/>
+                <a:cs typeface="+mn-cs"/>
+              </a:defRPr>
+            </a:lvl3pPr>
+            <a:lvl4pPr marL="749808" indent="-182880" algn="l" defTabSz="914400" rtl="0" eaLnBrk="1" latinLnBrk="0" hangingPunct="1">
+              <a:lnSpc>
+                <a:spcPct val="90000"/>
+              </a:lnSpc>
+              <a:spcBef>
+                <a:spcPts val="200"/>
+              </a:spcBef>
+              <a:spcAft>
+                <a:spcPts val="400"/>
+              </a:spcAft>
+              <a:buClr>
+                <a:schemeClr val="accent1"/>
+              </a:buClr>
+              <a:buFont typeface="Calibri" pitchFamily="34" charset="0"/>
+              <a:buChar char="◦"/>
+              <a:defRPr sz="1400" kern="1200">
+                <a:solidFill>
+                  <a:schemeClr val="tx1">
+                    <a:lumMod val="75000"/>
+                    <a:lumOff val="25000"/>
+                  </a:schemeClr>
+                </a:solidFill>
+                <a:latin typeface="+mn-lt"/>
+                <a:ea typeface="+mn-ea"/>
+                <a:cs typeface="+mn-cs"/>
+              </a:defRPr>
+            </a:lvl4pPr>
+            <a:lvl5pPr marL="932688" indent="-182880" algn="l" defTabSz="914400" rtl="0" eaLnBrk="1" latinLnBrk="0" hangingPunct="1">
+              <a:lnSpc>
+                <a:spcPct val="90000"/>
+              </a:lnSpc>
+              <a:spcBef>
+                <a:spcPts val="200"/>
+              </a:spcBef>
+              <a:spcAft>
+                <a:spcPts val="400"/>
+              </a:spcAft>
+              <a:buClr>
+                <a:schemeClr val="accent1"/>
+              </a:buClr>
+              <a:buFont typeface="Calibri" pitchFamily="34" charset="0"/>
+              <a:buChar char="◦"/>
+              <a:defRPr sz="1400" kern="1200">
+                <a:solidFill>
+                  <a:schemeClr val="tx1">
+                    <a:lumMod val="75000"/>
+                    <a:lumOff val="25000"/>
+                  </a:schemeClr>
+                </a:solidFill>
+                <a:latin typeface="+mn-lt"/>
+                <a:ea typeface="+mn-ea"/>
+                <a:cs typeface="+mn-cs"/>
+              </a:defRPr>
+            </a:lvl5pPr>
+            <a:lvl6pPr marL="1100000" indent="-228600" algn="l" defTabSz="914400" rtl="0" eaLnBrk="1" latinLnBrk="0" hangingPunct="1">
+              <a:lnSpc>
+                <a:spcPct val="90000"/>
+              </a:lnSpc>
+              <a:spcBef>
+                <a:spcPts val="200"/>
+              </a:spcBef>
+              <a:spcAft>
+                <a:spcPts val="400"/>
+              </a:spcAft>
+              <a:buClr>
+                <a:schemeClr val="accent1"/>
+              </a:buClr>
+              <a:buFont typeface="Calibri" pitchFamily="34" charset="0"/>
+              <a:buChar char="◦"/>
+              <a:defRPr sz="1400" kern="1200">
+                <a:solidFill>
+                  <a:schemeClr val="tx1">
+                    <a:lumMod val="75000"/>
+                    <a:lumOff val="25000"/>
+                  </a:schemeClr>
+                </a:solidFill>
+                <a:latin typeface="+mn-lt"/>
+                <a:ea typeface="+mn-ea"/>
+                <a:cs typeface="+mn-cs"/>
+              </a:defRPr>
+            </a:lvl6pPr>
+            <a:lvl7pPr marL="1300000" indent="-228600" algn="l" defTabSz="914400" rtl="0" eaLnBrk="1" latinLnBrk="0" hangingPunct="1">
+              <a:lnSpc>
+                <a:spcPct val="90000"/>
+              </a:lnSpc>
+              <a:spcBef>
+                <a:spcPts val="200"/>
+              </a:spcBef>
+              <a:spcAft>
+                <a:spcPts val="400"/>
+              </a:spcAft>
+              <a:buClr>
+                <a:schemeClr val="accent1"/>
+              </a:buClr>
+              <a:buFont typeface="Calibri" pitchFamily="34" charset="0"/>
+              <a:buChar char="◦"/>
+              <a:defRPr sz="1400" kern="1200">
+                <a:solidFill>
+                  <a:schemeClr val="tx1">
+                    <a:lumMod val="75000"/>
+                    <a:lumOff val="25000"/>
+                  </a:schemeClr>
+                </a:solidFill>
+                <a:latin typeface="+mn-lt"/>
+                <a:ea typeface="+mn-ea"/>
+                <a:cs typeface="+mn-cs"/>
+              </a:defRPr>
+            </a:lvl7pPr>
+            <a:lvl8pPr marL="1500000" indent="-228600" algn="l" defTabSz="914400" rtl="0" eaLnBrk="1" latinLnBrk="0" hangingPunct="1">
+              <a:lnSpc>
+                <a:spcPct val="90000"/>
+              </a:lnSpc>
+              <a:spcBef>
+                <a:spcPts val="200"/>
+              </a:spcBef>
+              <a:spcAft>
+                <a:spcPts val="400"/>
+              </a:spcAft>
+              <a:buClr>
+                <a:schemeClr val="accent1"/>
+              </a:buClr>
+              <a:buFont typeface="Calibri" pitchFamily="34" charset="0"/>
+              <a:buChar char="◦"/>
+              <a:defRPr sz="1400" kern="1200">
+                <a:solidFill>
+                  <a:schemeClr val="tx1">
+                    <a:lumMod val="75000"/>
+                    <a:lumOff val="25000"/>
+                  </a:schemeClr>
+                </a:solidFill>
+                <a:latin typeface="+mn-lt"/>
+                <a:ea typeface="+mn-ea"/>
+                <a:cs typeface="+mn-cs"/>
+              </a:defRPr>
+            </a:lvl8pPr>
+            <a:lvl9pPr marL="1700000" indent="-228600" algn="l" defTabSz="914400" rtl="0" eaLnBrk="1" latinLnBrk="0" hangingPunct="1">
+              <a:lnSpc>
+                <a:spcPct val="90000"/>
+              </a:lnSpc>
+              <a:spcBef>
+                <a:spcPts val="200"/>
+              </a:spcBef>
+              <a:spcAft>
+                <a:spcPts val="400"/>
+              </a:spcAft>
+              <a:buClr>
+                <a:schemeClr val="accent1"/>
+              </a:buClr>
+              <a:buFont typeface="Calibri" pitchFamily="34" charset="0"/>
+              <a:buChar char="◦"/>
+              <a:defRPr sz="1400" kern="1200">
+                <a:solidFill>
+                  <a:schemeClr val="tx1">
+                    <a:lumMod val="75000"/>
+                    <a:lumOff val="25000"/>
+                  </a:schemeClr>
+                </a:solidFill>
+                <a:latin typeface="+mn-lt"/>
+                <a:ea typeface="+mn-ea"/>
+                <a:cs typeface="+mn-cs"/>
+              </a:defRPr>
+            </a:lvl9pPr>
+          </a:lstStyle>
+          <a:p>
+            <a:pPr>
+              <a:buFont typeface="Arial" panose="020B0604020202020204" pitchFamily="34" charset="0"/>
+              <a:buChar char="•"/>
+            </a:pPr>
+            <a:r>
+              <a:rPr lang="en-IN" dirty="0" smtClean="0"/>
+              <a:t>The feature is a 33 dimensional vector which has mainly two types of information. Shape features and fixation distribution features within the object.</a:t>
+            </a:r>
+          </a:p>
+          <a:p>
+            <a:pPr marL="0" indent="0">
+              <a:buNone/>
+            </a:pPr>
+            <a:r>
+              <a:rPr lang="en-IN" dirty="0" smtClean="0"/>
+              <a:t> </a:t>
+            </a:r>
+          </a:p>
+          <a:p>
+            <a:pPr marL="0" indent="0">
+              <a:buNone/>
+            </a:pPr>
+            <a:endParaRPr lang="en-IN" dirty="0"/>
+          </a:p>
+          <a:p>
+            <a:pPr marL="0" indent="0">
+              <a:buNone/>
+            </a:pPr>
+            <a:endParaRPr lang="en-IN" dirty="0" smtClean="0"/>
+          </a:p>
+          <a:p>
+            <a:pPr marL="0" indent="0">
+              <a:buNone/>
+            </a:pPr>
+            <a:endParaRPr lang="en-IN" dirty="0"/>
+          </a:p>
+          <a:p>
+            <a:pPr marL="0" indent="0">
+              <a:buNone/>
+            </a:pPr>
+            <a:endParaRPr lang="en-IN" dirty="0" smtClean="0"/>
+          </a:p>
+          <a:p>
+            <a:pPr marL="0" indent="0">
+              <a:buNone/>
+            </a:pPr>
+            <a:endParaRPr lang="en-IN" dirty="0"/>
+          </a:p>
+          <a:p>
+            <a:pPr marL="0" indent="0">
+              <a:buNone/>
+            </a:pPr>
+            <a:endParaRPr lang="en-IN" dirty="0" smtClean="0"/>
+          </a:p>
+          <a:p>
+            <a:pPr marL="0" indent="0">
+              <a:buNone/>
+            </a:pPr>
+            <a:endParaRPr lang="en-IN" dirty="0"/>
+          </a:p>
+          <a:p>
+            <a:pPr marL="0" indent="0">
+              <a:buNone/>
+            </a:pPr>
+            <a:endParaRPr lang="en-IN" dirty="0" smtClean="0"/>
+          </a:p>
+          <a:p>
+            <a:pPr>
+              <a:buFont typeface="Arial" panose="020B0604020202020204" pitchFamily="34" charset="0"/>
+              <a:buChar char="•"/>
+            </a:pPr>
+            <a:r>
+              <a:rPr lang="en-IN" dirty="0"/>
+              <a:t>We generate the salient object segmentation by averaging the top-K segments at pixel </a:t>
+            </a:r>
+            <a:r>
+              <a:rPr lang="en-IN" dirty="0" smtClean="0"/>
+              <a:t>level and </a:t>
+            </a:r>
+            <a:r>
+              <a:rPr lang="en-IN" dirty="0"/>
+              <a:t>then use simple thresholding to generate the </a:t>
+            </a:r>
+            <a:r>
+              <a:rPr lang="en-IN" dirty="0" smtClean="0"/>
+              <a:t>final </a:t>
+            </a:r>
+            <a:r>
+              <a:rPr lang="en-IN" dirty="0"/>
+              <a:t>object masks.</a:t>
+            </a:r>
+            <a:endParaRPr lang="en-IN" dirty="0" smtClean="0"/>
+          </a:p>
+        </p:txBody>
+      </p:sp>
+      <p:pic>
+        <p:nvPicPr>
+          <p:cNvPr id="7" name="Picture 6"/>
+          <p:cNvPicPr>
+            <a:picLocks noChangeAspect="1"/>
+          </p:cNvPicPr>
+          <p:nvPr/>
+        </p:nvPicPr>
+        <p:blipFill>
+          <a:blip r:embed="rId2">
+            <a:extLst>
+              <a:ext uri="{28A0092B-C50C-407E-A947-70E740481C1C}">
+                <a14:useLocalDpi xmlns:a14="http://schemas.microsoft.com/office/drawing/2010/main" val="0"/>
+              </a:ext>
+            </a:extLst>
+          </a:blip>
+          <a:stretch>
+            <a:fillRect/>
+          </a:stretch>
+        </p:blipFill>
+        <p:spPr>
+          <a:xfrm>
+            <a:off x="2487239" y="1257300"/>
+            <a:ext cx="6735076" cy="3271217"/>
+          </a:xfrm>
+          <a:prstGeom prst="rect">
+            <a:avLst/>
+          </a:prstGeom>
+        </p:spPr>
+      </p:pic>
+    </p:spTree>
+    <p:extLst>
+      <p:ext uri="{BB962C8B-B14F-4D97-AF65-F5344CB8AC3E}">
+        <p14:creationId xmlns:p14="http://schemas.microsoft.com/office/powerpoint/2010/main" val="3750129864"/>
+      </p:ext>
+    </p:extLst>
+  </p:cSld>
+  <p:clrMapOvr>
+    <a:masterClrMapping/>
+  </p:clrMapOvr>
+  <p:timing>
+    <p:tnLst>
+      <p:par>
+        <p:cTn id="1" dur="indefinite" restart="never" nodeType="tmRoot"/>
+      </p:par>
+    </p:tnLst>
+  </p:timing>
+</p:sld>
+</file>
+
+<file path=ppt/slides/slide14.xml><?xml version="1.0" encoding="utf-8"?>
+<p:sld xmlns:a="http://schemas.openxmlformats.org/drawingml/2006/main" xmlns:r="http://schemas.openxmlformats.org/officeDocument/2006/relationships" xmlns:p="http://schemas.openxmlformats.org/presentationml/2006/main">
+  <p:cSld>
+    <p:spTree>
+      <p:nvGrpSpPr>
+        <p:cNvPr id="1" name=""/>
+        <p:cNvGrpSpPr/>
+        <p:nvPr/>
+      </p:nvGrpSpPr>
+      <p:grpSpPr>
+        <a:xfrm>
+          <a:off x="0" y="0"/>
+          <a:ext cx="0" cy="0"/>
+          <a:chOff x="0" y="0"/>
+          <a:chExt cx="0" cy="0"/>
+        </a:xfrm>
+      </p:grpSpPr>
+      <p:sp>
+        <p:nvSpPr>
+          <p:cNvPr id="2" name="Date Placeholder 1"/>
+          <p:cNvSpPr>
+            <a:spLocks noGrp="1"/>
+          </p:cNvSpPr>
+          <p:nvPr>
+            <p:ph type="dt" sz="half" idx="10"/>
+          </p:nvPr>
+        </p:nvSpPr>
+        <p:spPr/>
+        <p:txBody>
+          <a:bodyPr/>
+          <a:lstStyle/>
+          <a:p>
+            <a:fld id="{276CE7E5-BBFD-496B-A1BD-9ACBD2AFD9F8}" type="datetime1">
+              <a:rPr lang="en-US" smtClean="0"/>
+              <a:t>3/18/2015</a:t>
+            </a:fld>
+            <a:endParaRPr lang="en-US" dirty="0"/>
+          </a:p>
+        </p:txBody>
+      </p:sp>
+      <p:sp>
+        <p:nvSpPr>
+          <p:cNvPr id="3" name="Slide Number Placeholder 2"/>
+          <p:cNvSpPr>
+            <a:spLocks noGrp="1"/>
+          </p:cNvSpPr>
+          <p:nvPr>
+            <p:ph type="sldNum" sz="quarter" idx="12"/>
+          </p:nvPr>
+        </p:nvSpPr>
+        <p:spPr/>
+        <p:txBody>
+          <a:bodyPr/>
+          <a:lstStyle/>
+          <a:p>
+            <a:fld id="{4FAB73BC-B049-4115-A692-8D63A059BFB8}" type="slidenum">
+              <a:rPr lang="en-US" smtClean="0"/>
+              <a:pPr/>
+              <a:t>14</a:t>
             </a:fld>
             <a:endParaRPr lang="en-US" dirty="0"/>
           </a:p>
@@ -10859,21 +10321,1805 @@
             </a:lvl9pPr>
           </a:lstStyle>
           <a:p>
+            <a:pPr marL="91440" lvl="1" indent="-91440">
+              <a:spcBef>
+                <a:spcPts val="1200"/>
+              </a:spcBef>
+              <a:spcAft>
+                <a:spcPts val="200"/>
+              </a:spcAft>
+              <a:buSzPct val="100000"/>
+              <a:buFont typeface="Calibri" panose="020F0502020204030204" pitchFamily="34" charset="0"/>
+              <a:buChar char=" "/>
+            </a:pPr>
+            <a:r>
+              <a:rPr lang="en-IN" sz="2400" dirty="0"/>
+              <a:t>Limits of the </a:t>
+            </a:r>
             <a:r>
               <a:rPr lang="en-IN" sz="2400" dirty="0" smtClean="0"/>
+              <a:t>model</a:t>
+            </a:r>
+          </a:p>
+          <a:p>
+            <a:pPr marL="342900" lvl="1" indent="-342900">
+              <a:spcBef>
+                <a:spcPts val="1200"/>
+              </a:spcBef>
+              <a:spcAft>
+                <a:spcPts val="200"/>
+              </a:spcAft>
+              <a:buSzPct val="100000"/>
+              <a:buFont typeface="Arial" panose="020B0604020202020204" pitchFamily="34" charset="0"/>
+              <a:buChar char="•"/>
+            </a:pPr>
+            <a:r>
+              <a:rPr lang="en-IN" sz="2000" dirty="0"/>
+              <a:t>Our model contains two separate parts: a segmenter that proposes regions, and a selector that gives each region a </a:t>
+            </a:r>
+            <a:r>
+              <a:rPr lang="en-US" sz="2000" dirty="0"/>
+              <a:t>saliency score.</a:t>
+            </a:r>
+            <a:endParaRPr lang="en-IN" sz="5400" dirty="0"/>
+          </a:p>
+          <a:p>
+            <a:pPr marL="342900" lvl="1" indent="-342900">
+              <a:spcBef>
+                <a:spcPts val="1200"/>
+              </a:spcBef>
+              <a:spcAft>
+                <a:spcPts val="200"/>
+              </a:spcAft>
+              <a:buSzPct val="100000"/>
+              <a:buFont typeface="Arial" panose="020B0604020202020204" pitchFamily="34" charset="0"/>
+              <a:buChar char="•"/>
+            </a:pPr>
+            <a:r>
+              <a:rPr lang="en-US" sz="2000" dirty="0"/>
+              <a:t>First, we </a:t>
+            </a:r>
+            <a:r>
+              <a:rPr lang="en-IN" sz="2000" dirty="0"/>
+              <a:t>quantify the performance upper-bound of the selector, and then, best achievable results of the segmenter is also </a:t>
+            </a:r>
+            <a:r>
+              <a:rPr lang="en-US" sz="2000" dirty="0"/>
+              <a:t>presented</a:t>
+            </a:r>
+            <a:r>
+              <a:rPr lang="en-US" sz="2000" dirty="0" smtClean="0"/>
+              <a:t>.</a:t>
+            </a:r>
+          </a:p>
+          <a:p>
+            <a:pPr marL="342900" lvl="1" indent="-342900">
+              <a:spcBef>
+                <a:spcPts val="1200"/>
+              </a:spcBef>
+              <a:spcAft>
+                <a:spcPts val="200"/>
+              </a:spcAft>
+              <a:buSzPct val="100000"/>
+              <a:buFont typeface="Arial" panose="020B0604020202020204" pitchFamily="34" charset="0"/>
+              <a:buChar char="•"/>
+            </a:pPr>
+            <a:r>
+              <a:rPr lang="en-IN" sz="2000" dirty="0" smtClean="0"/>
+              <a:t>To test upper-bound of the selector, we train our model on the ground-truth segments of PASCAL-S with human fixation maps. It achieves a F-Measure of 0.9201 .</a:t>
+            </a:r>
+            <a:r>
+              <a:rPr lang="en-IN" sz="2000" dirty="0"/>
+              <a:t> To test upper-bound of the selector, we train our model on the ground-truth segments of PASCAL-S with human fixation maps. It achieves a F-Measure of 0.9201 . This result is a strong validation to bridge the gap between fixations </a:t>
+            </a:r>
+            <a:r>
+              <a:rPr lang="en-US" sz="2000" dirty="0"/>
+              <a:t>and salient objects.</a:t>
+            </a:r>
+            <a:endParaRPr lang="en-IN" sz="4800" dirty="0"/>
+          </a:p>
+          <a:p>
+            <a:pPr marL="342900" lvl="1" indent="-342900">
+              <a:spcBef>
+                <a:spcPts val="1200"/>
+              </a:spcBef>
+              <a:spcAft>
+                <a:spcPts val="200"/>
+              </a:spcAft>
+              <a:buSzPct val="100000"/>
+              <a:buFont typeface="Arial" panose="020B0604020202020204" pitchFamily="34" charset="0"/>
+              <a:buChar char="•"/>
+            </a:pPr>
+            <a:r>
+              <a:rPr lang="en-IN" sz="2000" dirty="0" smtClean="0"/>
+              <a:t>To </a:t>
+            </a:r>
+            <a:r>
+              <a:rPr lang="en-IN" sz="2000" dirty="0"/>
+              <a:t>test upper bound of CPMC segmentation algorithm. We match the each segment from CPMC to the ground truth object annotations, and greedily choose the segments </a:t>
+            </a:r>
+            <a:r>
+              <a:rPr lang="en-US" sz="2000" dirty="0"/>
+              <a:t>with best overlapping scores</a:t>
+            </a:r>
+            <a:r>
+              <a:rPr lang="en-US" sz="2000" dirty="0" smtClean="0"/>
+              <a:t>.</a:t>
+            </a:r>
+            <a:r>
+              <a:rPr lang="en-IN" sz="2000" dirty="0" smtClean="0"/>
+              <a:t> We get F-measures of 0.8699 , 0.9496 and 0.8416 on  PASCAL-S, FT and IS respectively.</a:t>
+            </a:r>
+          </a:p>
+          <a:p>
+            <a:pPr marL="342900" lvl="1" indent="-342900">
+              <a:spcBef>
+                <a:spcPts val="1200"/>
+              </a:spcBef>
+              <a:spcAft>
+                <a:spcPts val="200"/>
+              </a:spcAft>
+              <a:buSzPct val="100000"/>
+              <a:buFont typeface="Arial" panose="020B0604020202020204" pitchFamily="34" charset="0"/>
+              <a:buChar char="•"/>
+            </a:pPr>
+            <a:endParaRPr lang="en-IN" sz="2000" dirty="0" smtClean="0"/>
+          </a:p>
+          <a:p>
+            <a:endParaRPr lang="en-IN" dirty="0" smtClean="0"/>
+          </a:p>
+        </p:txBody>
+      </p:sp>
+    </p:spTree>
+    <p:extLst>
+      <p:ext uri="{BB962C8B-B14F-4D97-AF65-F5344CB8AC3E}">
+        <p14:creationId xmlns:p14="http://schemas.microsoft.com/office/powerpoint/2010/main" val="3756284455"/>
+      </p:ext>
+    </p:extLst>
+  </p:cSld>
+  <p:clrMapOvr>
+    <a:masterClrMapping/>
+  </p:clrMapOvr>
+  <p:timing>
+    <p:tnLst>
+      <p:par>
+        <p:cTn id="1" dur="indefinite" restart="never" nodeType="tmRoot"/>
+      </p:par>
+    </p:tnLst>
+  </p:timing>
+</p:sld>
+</file>
+
+<file path=ppt/slides/slide15.xml><?xml version="1.0" encoding="utf-8"?>
+<p:sld xmlns:a="http://schemas.openxmlformats.org/drawingml/2006/main" xmlns:r="http://schemas.openxmlformats.org/officeDocument/2006/relationships" xmlns:p="http://schemas.openxmlformats.org/presentationml/2006/main">
+  <p:cSld>
+    <p:spTree>
+      <p:nvGrpSpPr>
+        <p:cNvPr id="1" name=""/>
+        <p:cNvGrpSpPr/>
+        <p:nvPr/>
+      </p:nvGrpSpPr>
+      <p:grpSpPr>
+        <a:xfrm>
+          <a:off x="0" y="0"/>
+          <a:ext cx="0" cy="0"/>
+          <a:chOff x="0" y="0"/>
+          <a:chExt cx="0" cy="0"/>
+        </a:xfrm>
+      </p:grpSpPr>
+      <p:sp>
+        <p:nvSpPr>
+          <p:cNvPr id="2" name="Title 1"/>
+          <p:cNvSpPr>
+            <a:spLocks noGrp="1"/>
+          </p:cNvSpPr>
+          <p:nvPr>
+            <p:ph type="title"/>
+          </p:nvPr>
+        </p:nvSpPr>
+        <p:spPr/>
+        <p:txBody>
+          <a:bodyPr/>
+          <a:lstStyle/>
+          <a:p>
+            <a:r>
+              <a:rPr lang="en-IN" dirty="0" smtClean="0"/>
+              <a:t>Results</a:t>
+            </a:r>
+            <a:endParaRPr lang="en-US" dirty="0"/>
+          </a:p>
+        </p:txBody>
+      </p:sp>
+      <p:pic>
+        <p:nvPicPr>
+          <p:cNvPr id="6" name="Content Placeholder 5"/>
+          <p:cNvPicPr>
+            <a:picLocks noGrp="1" noChangeAspect="1"/>
+          </p:cNvPicPr>
+          <p:nvPr>
+            <p:ph idx="1"/>
+          </p:nvPr>
+        </p:nvPicPr>
+        <p:blipFill>
+          <a:blip r:embed="rId2">
+            <a:extLst>
+              <a:ext uri="{28A0092B-C50C-407E-A947-70E740481C1C}">
+                <a14:useLocalDpi xmlns:a14="http://schemas.microsoft.com/office/drawing/2010/main" val="0"/>
+              </a:ext>
+            </a:extLst>
+          </a:blip>
+          <a:stretch>
+            <a:fillRect/>
+          </a:stretch>
+        </p:blipFill>
+        <p:spPr>
+          <a:xfrm>
+            <a:off x="727017" y="1858658"/>
+            <a:ext cx="10601895" cy="2413439"/>
+          </a:xfrm>
+        </p:spPr>
+      </p:pic>
+      <p:sp>
+        <p:nvSpPr>
+          <p:cNvPr id="4" name="Date Placeholder 3"/>
+          <p:cNvSpPr>
+            <a:spLocks noGrp="1"/>
+          </p:cNvSpPr>
+          <p:nvPr>
+            <p:ph type="dt" sz="half" idx="10"/>
+          </p:nvPr>
+        </p:nvSpPr>
+        <p:spPr/>
+        <p:txBody>
+          <a:bodyPr/>
+          <a:lstStyle/>
+          <a:p>
+            <a:fld id="{2841E56E-AA48-453C-84FC-9CDE07CBEE48}" type="datetime1">
+              <a:rPr lang="en-US" smtClean="0"/>
+              <a:t>3/18/2015</a:t>
+            </a:fld>
+            <a:endParaRPr lang="en-US" dirty="0"/>
+          </a:p>
+        </p:txBody>
+      </p:sp>
+      <p:sp>
+        <p:nvSpPr>
+          <p:cNvPr id="5" name="Slide Number Placeholder 4"/>
+          <p:cNvSpPr>
+            <a:spLocks noGrp="1"/>
+          </p:cNvSpPr>
+          <p:nvPr>
+            <p:ph type="sldNum" sz="quarter" idx="12"/>
+          </p:nvPr>
+        </p:nvSpPr>
+        <p:spPr/>
+        <p:txBody>
+          <a:bodyPr/>
+          <a:lstStyle/>
+          <a:p>
+            <a:fld id="{629637A9-119A-49DA-BD12-AAC58B377D80}" type="slidenum">
+              <a:rPr lang="en-US" smtClean="0"/>
+              <a:t>15</a:t>
+            </a:fld>
+            <a:endParaRPr lang="en-US" dirty="0"/>
+          </a:p>
+        </p:txBody>
+      </p:sp>
+      <p:pic>
+        <p:nvPicPr>
+          <p:cNvPr id="7" name="Picture 6"/>
+          <p:cNvPicPr>
+            <a:picLocks noChangeAspect="1"/>
+          </p:cNvPicPr>
+          <p:nvPr/>
+        </p:nvPicPr>
+        <p:blipFill>
+          <a:blip r:embed="rId3">
+            <a:extLst>
+              <a:ext uri="{28A0092B-C50C-407E-A947-70E740481C1C}">
+                <a14:useLocalDpi xmlns:a14="http://schemas.microsoft.com/office/drawing/2010/main" val="0"/>
+              </a:ext>
+            </a:extLst>
+          </a:blip>
+          <a:stretch>
+            <a:fillRect/>
+          </a:stretch>
+        </p:blipFill>
+        <p:spPr>
+          <a:xfrm>
+            <a:off x="4842299" y="4469363"/>
+            <a:ext cx="2737890" cy="1828562"/>
+          </a:xfrm>
+          <a:prstGeom prst="rect">
+            <a:avLst/>
+          </a:prstGeom>
+        </p:spPr>
+      </p:pic>
+    </p:spTree>
+    <p:extLst>
+      <p:ext uri="{BB962C8B-B14F-4D97-AF65-F5344CB8AC3E}">
+        <p14:creationId xmlns:p14="http://schemas.microsoft.com/office/powerpoint/2010/main" val="3920819683"/>
+      </p:ext>
+    </p:extLst>
+  </p:cSld>
+  <p:clrMapOvr>
+    <a:masterClrMapping/>
+  </p:clrMapOvr>
+  <p:timing>
+    <p:tnLst>
+      <p:par>
+        <p:cTn id="1" dur="indefinite" restart="never" nodeType="tmRoot"/>
+      </p:par>
+    </p:tnLst>
+  </p:timing>
+</p:sld>
+</file>
+
+<file path=ppt/slides/slide16.xml><?xml version="1.0" encoding="utf-8"?>
+<p:sld xmlns:a="http://schemas.openxmlformats.org/drawingml/2006/main" xmlns:r="http://schemas.openxmlformats.org/officeDocument/2006/relationships" xmlns:p="http://schemas.openxmlformats.org/presentationml/2006/main">
+  <p:cSld>
+    <p:spTree>
+      <p:nvGrpSpPr>
+        <p:cNvPr id="1" name=""/>
+        <p:cNvGrpSpPr/>
+        <p:nvPr/>
+      </p:nvGrpSpPr>
+      <p:grpSpPr>
+        <a:xfrm>
+          <a:off x="0" y="0"/>
+          <a:ext cx="0" cy="0"/>
+          <a:chOff x="0" y="0"/>
+          <a:chExt cx="0" cy="0"/>
+        </a:xfrm>
+      </p:grpSpPr>
+      <p:sp>
+        <p:nvSpPr>
+          <p:cNvPr id="2" name="Date Placeholder 1"/>
+          <p:cNvSpPr>
+            <a:spLocks noGrp="1"/>
+          </p:cNvSpPr>
+          <p:nvPr>
+            <p:ph type="dt" sz="half" idx="10"/>
+          </p:nvPr>
+        </p:nvSpPr>
+        <p:spPr/>
+        <p:txBody>
+          <a:bodyPr/>
+          <a:lstStyle/>
+          <a:p>
+            <a:fld id="{276CE7E5-BBFD-496B-A1BD-9ACBD2AFD9F8}" type="datetime1">
+              <a:rPr lang="en-US" smtClean="0"/>
+              <a:t>3/18/2015</a:t>
+            </a:fld>
+            <a:endParaRPr lang="en-US" dirty="0"/>
+          </a:p>
+        </p:txBody>
+      </p:sp>
+      <p:sp>
+        <p:nvSpPr>
+          <p:cNvPr id="3" name="Slide Number Placeholder 2"/>
+          <p:cNvSpPr>
+            <a:spLocks noGrp="1"/>
+          </p:cNvSpPr>
+          <p:nvPr>
+            <p:ph type="sldNum" sz="quarter" idx="12"/>
+          </p:nvPr>
+        </p:nvSpPr>
+        <p:spPr/>
+        <p:txBody>
+          <a:bodyPr/>
+          <a:lstStyle/>
+          <a:p>
+            <a:fld id="{4FAB73BC-B049-4115-A692-8D63A059BFB8}" type="slidenum">
+              <a:rPr lang="en-US" smtClean="0"/>
+              <a:pPr/>
+              <a:t>16</a:t>
+            </a:fld>
+            <a:endParaRPr lang="en-US" dirty="0"/>
+          </a:p>
+        </p:txBody>
+      </p:sp>
+      <p:pic>
+        <p:nvPicPr>
+          <p:cNvPr id="4" name="Picture 3"/>
+          <p:cNvPicPr>
+            <a:picLocks noChangeAspect="1"/>
+          </p:cNvPicPr>
+          <p:nvPr/>
+        </p:nvPicPr>
+        <p:blipFill>
+          <a:blip r:embed="rId2">
+            <a:extLst>
+              <a:ext uri="{28A0092B-C50C-407E-A947-70E740481C1C}">
+                <a14:useLocalDpi xmlns:a14="http://schemas.microsoft.com/office/drawing/2010/main" val="0"/>
+              </a:ext>
+            </a:extLst>
+          </a:blip>
+          <a:stretch>
+            <a:fillRect/>
+          </a:stretch>
+        </p:blipFill>
+        <p:spPr>
+          <a:xfrm>
+            <a:off x="1238906" y="98636"/>
+            <a:ext cx="3032344" cy="5719666"/>
+          </a:xfrm>
+          <a:prstGeom prst="rect">
+            <a:avLst/>
+          </a:prstGeom>
+        </p:spPr>
+      </p:pic>
+      <p:pic>
+        <p:nvPicPr>
+          <p:cNvPr id="5" name="Picture 4"/>
+          <p:cNvPicPr>
+            <a:picLocks noChangeAspect="1"/>
+          </p:cNvPicPr>
+          <p:nvPr/>
+        </p:nvPicPr>
+        <p:blipFill>
+          <a:blip r:embed="rId3">
+            <a:extLst>
+              <a:ext uri="{28A0092B-C50C-407E-A947-70E740481C1C}">
+                <a14:useLocalDpi xmlns:a14="http://schemas.microsoft.com/office/drawing/2010/main" val="0"/>
+              </a:ext>
+            </a:extLst>
+          </a:blip>
+          <a:stretch>
+            <a:fillRect/>
+          </a:stretch>
+        </p:blipFill>
+        <p:spPr>
+          <a:xfrm>
+            <a:off x="4718383" y="1875453"/>
+            <a:ext cx="6494100" cy="2166032"/>
+          </a:xfrm>
+          <a:prstGeom prst="rect">
+            <a:avLst/>
+          </a:prstGeom>
+        </p:spPr>
+      </p:pic>
+      <p:sp>
+        <p:nvSpPr>
+          <p:cNvPr id="7" name="TextBox 6"/>
+          <p:cNvSpPr txBox="1"/>
+          <p:nvPr/>
+        </p:nvSpPr>
+        <p:spPr>
+          <a:xfrm>
+            <a:off x="1152415" y="5818302"/>
+            <a:ext cx="4834272" cy="369332"/>
+          </a:xfrm>
+          <a:prstGeom prst="rect">
+            <a:avLst/>
+          </a:prstGeom>
+          <a:noFill/>
+        </p:spPr>
+        <p:txBody>
+          <a:bodyPr wrap="none" rtlCol="0">
+            <a:spAutoFit/>
+          </a:bodyPr>
+          <a:lstStyle/>
+          <a:p>
+            <a:r>
+              <a:rPr lang="en-IN" dirty="0" smtClean="0"/>
+              <a:t>Visualization of salient object segmentation on FT</a:t>
+            </a:r>
+            <a:endParaRPr lang="en-US" dirty="0"/>
+          </a:p>
+        </p:txBody>
+      </p:sp>
+    </p:spTree>
+    <p:extLst>
+      <p:ext uri="{BB962C8B-B14F-4D97-AF65-F5344CB8AC3E}">
+        <p14:creationId xmlns:p14="http://schemas.microsoft.com/office/powerpoint/2010/main" val="133129823"/>
+      </p:ext>
+    </p:extLst>
+  </p:cSld>
+  <p:clrMapOvr>
+    <a:masterClrMapping/>
+  </p:clrMapOvr>
+  <p:timing>
+    <p:tnLst>
+      <p:par>
+        <p:cTn id="1" dur="indefinite" restart="never" nodeType="tmRoot"/>
+      </p:par>
+    </p:tnLst>
+  </p:timing>
+</p:sld>
+</file>
+
+<file path=ppt/slides/slide17.xml><?xml version="1.0" encoding="utf-8"?>
+<p:sld xmlns:a="http://schemas.openxmlformats.org/drawingml/2006/main" xmlns:r="http://schemas.openxmlformats.org/officeDocument/2006/relationships" xmlns:p="http://schemas.openxmlformats.org/presentationml/2006/main">
+  <p:cSld>
+    <p:spTree>
+      <p:nvGrpSpPr>
+        <p:cNvPr id="1" name=""/>
+        <p:cNvGrpSpPr/>
+        <p:nvPr/>
+      </p:nvGrpSpPr>
+      <p:grpSpPr>
+        <a:xfrm>
+          <a:off x="0" y="0"/>
+          <a:ext cx="0" cy="0"/>
+          <a:chOff x="0" y="0"/>
+          <a:chExt cx="0" cy="0"/>
+        </a:xfrm>
+      </p:grpSpPr>
+      <p:sp>
+        <p:nvSpPr>
+          <p:cNvPr id="2" name="Date Placeholder 1"/>
+          <p:cNvSpPr>
+            <a:spLocks noGrp="1"/>
+          </p:cNvSpPr>
+          <p:nvPr>
+            <p:ph type="dt" sz="half" idx="10"/>
+          </p:nvPr>
+        </p:nvSpPr>
+        <p:spPr/>
+        <p:txBody>
+          <a:bodyPr/>
+          <a:lstStyle/>
+          <a:p>
+            <a:fld id="{276CE7E5-BBFD-496B-A1BD-9ACBD2AFD9F8}" type="datetime1">
+              <a:rPr lang="en-US" smtClean="0"/>
+              <a:t>3/18/2015</a:t>
+            </a:fld>
+            <a:endParaRPr lang="en-US" dirty="0"/>
+          </a:p>
+        </p:txBody>
+      </p:sp>
+      <p:sp>
+        <p:nvSpPr>
+          <p:cNvPr id="3" name="Slide Number Placeholder 2"/>
+          <p:cNvSpPr>
+            <a:spLocks noGrp="1"/>
+          </p:cNvSpPr>
+          <p:nvPr>
+            <p:ph type="sldNum" sz="quarter" idx="12"/>
+          </p:nvPr>
+        </p:nvSpPr>
+        <p:spPr/>
+        <p:txBody>
+          <a:bodyPr/>
+          <a:lstStyle/>
+          <a:p>
+            <a:fld id="{4FAB73BC-B049-4115-A692-8D63A059BFB8}" type="slidenum">
+              <a:rPr lang="en-US" smtClean="0"/>
+              <a:pPr/>
+              <a:t>17</a:t>
+            </a:fld>
+            <a:endParaRPr lang="en-US" dirty="0"/>
+          </a:p>
+        </p:txBody>
+      </p:sp>
+      <p:pic>
+        <p:nvPicPr>
+          <p:cNvPr id="4" name="Picture 3"/>
+          <p:cNvPicPr>
+            <a:picLocks noChangeAspect="1"/>
+          </p:cNvPicPr>
+          <p:nvPr/>
+        </p:nvPicPr>
+        <p:blipFill>
+          <a:blip r:embed="rId2">
+            <a:extLst>
+              <a:ext uri="{28A0092B-C50C-407E-A947-70E740481C1C}">
+                <a14:useLocalDpi xmlns:a14="http://schemas.microsoft.com/office/drawing/2010/main" val="0"/>
+              </a:ext>
+            </a:extLst>
+          </a:blip>
+          <a:stretch>
+            <a:fillRect/>
+          </a:stretch>
+        </p:blipFill>
+        <p:spPr>
+          <a:xfrm>
+            <a:off x="1212284" y="111968"/>
+            <a:ext cx="6338184" cy="6083560"/>
+          </a:xfrm>
+          <a:prstGeom prst="rect">
+            <a:avLst/>
+          </a:prstGeom>
+        </p:spPr>
+      </p:pic>
+      <p:sp>
+        <p:nvSpPr>
+          <p:cNvPr id="6" name="TextBox 5"/>
+          <p:cNvSpPr txBox="1"/>
+          <p:nvPr/>
+        </p:nvSpPr>
+        <p:spPr>
+          <a:xfrm>
+            <a:off x="7550468" y="2967136"/>
+            <a:ext cx="4542005" cy="646331"/>
+          </a:xfrm>
+          <a:prstGeom prst="rect">
+            <a:avLst/>
+          </a:prstGeom>
+          <a:noFill/>
+        </p:spPr>
+        <p:txBody>
+          <a:bodyPr wrap="square" rtlCol="0">
+            <a:spAutoFit/>
+          </a:bodyPr>
+          <a:lstStyle/>
+          <a:p>
+            <a:r>
+              <a:rPr lang="en-IN" dirty="0" smtClean="0"/>
+              <a:t>Visualization of salient object segmentation on IS</a:t>
+            </a:r>
+            <a:endParaRPr lang="en-US" dirty="0"/>
+          </a:p>
+        </p:txBody>
+      </p:sp>
+    </p:spTree>
+    <p:extLst>
+      <p:ext uri="{BB962C8B-B14F-4D97-AF65-F5344CB8AC3E}">
+        <p14:creationId xmlns:p14="http://schemas.microsoft.com/office/powerpoint/2010/main" val="3859827183"/>
+      </p:ext>
+    </p:extLst>
+  </p:cSld>
+  <p:clrMapOvr>
+    <a:masterClrMapping/>
+  </p:clrMapOvr>
+  <p:timing>
+    <p:tnLst>
+      <p:par>
+        <p:cTn id="1" dur="indefinite" restart="never" nodeType="tmRoot"/>
+      </p:par>
+    </p:tnLst>
+  </p:timing>
+</p:sld>
+</file>
+
+<file path=ppt/slides/slide18.xml><?xml version="1.0" encoding="utf-8"?>
+<p:sld xmlns:a="http://schemas.openxmlformats.org/drawingml/2006/main" xmlns:r="http://schemas.openxmlformats.org/officeDocument/2006/relationships" xmlns:p="http://schemas.openxmlformats.org/presentationml/2006/main">
+  <p:cSld>
+    <p:spTree>
+      <p:nvGrpSpPr>
+        <p:cNvPr id="1" name=""/>
+        <p:cNvGrpSpPr/>
+        <p:nvPr/>
+      </p:nvGrpSpPr>
+      <p:grpSpPr>
+        <a:xfrm>
+          <a:off x="0" y="0"/>
+          <a:ext cx="0" cy="0"/>
+          <a:chOff x="0" y="0"/>
+          <a:chExt cx="0" cy="0"/>
+        </a:xfrm>
+      </p:grpSpPr>
+      <p:sp>
+        <p:nvSpPr>
+          <p:cNvPr id="2" name="Date Placeholder 1"/>
+          <p:cNvSpPr>
+            <a:spLocks noGrp="1"/>
+          </p:cNvSpPr>
+          <p:nvPr>
+            <p:ph type="dt" sz="half" idx="10"/>
+          </p:nvPr>
+        </p:nvSpPr>
+        <p:spPr/>
+        <p:txBody>
+          <a:bodyPr/>
+          <a:lstStyle/>
+          <a:p>
+            <a:fld id="{276CE7E5-BBFD-496B-A1BD-9ACBD2AFD9F8}" type="datetime1">
+              <a:rPr lang="en-US" smtClean="0"/>
+              <a:t>3/18/2015</a:t>
+            </a:fld>
+            <a:endParaRPr lang="en-US" dirty="0"/>
+          </a:p>
+        </p:txBody>
+      </p:sp>
+      <p:sp>
+        <p:nvSpPr>
+          <p:cNvPr id="3" name="Slide Number Placeholder 2"/>
+          <p:cNvSpPr>
+            <a:spLocks noGrp="1"/>
+          </p:cNvSpPr>
+          <p:nvPr>
+            <p:ph type="sldNum" sz="quarter" idx="12"/>
+          </p:nvPr>
+        </p:nvSpPr>
+        <p:spPr/>
+        <p:txBody>
+          <a:bodyPr/>
+          <a:lstStyle/>
+          <a:p>
+            <a:fld id="{4FAB73BC-B049-4115-A692-8D63A059BFB8}" type="slidenum">
+              <a:rPr lang="en-US" smtClean="0"/>
+              <a:pPr/>
+              <a:t>18</a:t>
+            </a:fld>
+            <a:endParaRPr lang="en-US" dirty="0"/>
+          </a:p>
+        </p:txBody>
+      </p:sp>
+      <p:pic>
+        <p:nvPicPr>
+          <p:cNvPr id="4" name="Picture 3"/>
+          <p:cNvPicPr>
+            <a:picLocks noChangeAspect="1"/>
+          </p:cNvPicPr>
+          <p:nvPr/>
+        </p:nvPicPr>
+        <p:blipFill>
+          <a:blip r:embed="rId2">
+            <a:extLst>
+              <a:ext uri="{28A0092B-C50C-407E-A947-70E740481C1C}">
+                <a14:useLocalDpi xmlns:a14="http://schemas.microsoft.com/office/drawing/2010/main" val="0"/>
+              </a:ext>
+            </a:extLst>
+          </a:blip>
+          <a:stretch>
+            <a:fillRect/>
+          </a:stretch>
+        </p:blipFill>
+        <p:spPr>
+          <a:xfrm>
+            <a:off x="1279571" y="93306"/>
+            <a:ext cx="5677405" cy="6186196"/>
+          </a:xfrm>
+          <a:prstGeom prst="rect">
+            <a:avLst/>
+          </a:prstGeom>
+        </p:spPr>
+      </p:pic>
+      <p:sp>
+        <p:nvSpPr>
+          <p:cNvPr id="5" name="TextBox 4"/>
+          <p:cNvSpPr txBox="1"/>
+          <p:nvPr/>
+        </p:nvSpPr>
+        <p:spPr>
+          <a:xfrm>
+            <a:off x="7053943" y="2733869"/>
+            <a:ext cx="4963885" cy="646331"/>
+          </a:xfrm>
+          <a:prstGeom prst="rect">
+            <a:avLst/>
+          </a:prstGeom>
+          <a:noFill/>
+        </p:spPr>
+        <p:txBody>
+          <a:bodyPr wrap="square" rtlCol="0">
+            <a:spAutoFit/>
+          </a:bodyPr>
+          <a:lstStyle/>
+          <a:p>
+            <a:r>
+              <a:rPr lang="en-IN" dirty="0" smtClean="0"/>
+              <a:t>Visualization of salient object segmentation on PASCAL-S</a:t>
+            </a:r>
+            <a:endParaRPr lang="en-US" dirty="0"/>
+          </a:p>
+        </p:txBody>
+      </p:sp>
+    </p:spTree>
+    <p:extLst>
+      <p:ext uri="{BB962C8B-B14F-4D97-AF65-F5344CB8AC3E}">
+        <p14:creationId xmlns:p14="http://schemas.microsoft.com/office/powerpoint/2010/main" val="1157876217"/>
+      </p:ext>
+    </p:extLst>
+  </p:cSld>
+  <p:clrMapOvr>
+    <a:masterClrMapping/>
+  </p:clrMapOvr>
+  <p:timing>
+    <p:tnLst>
+      <p:par>
+        <p:cTn id="1" dur="indefinite" restart="never" nodeType="tmRoot"/>
+      </p:par>
+    </p:tnLst>
+  </p:timing>
+</p:sld>
+</file>
+
+<file path=ppt/slides/slide19.xml><?xml version="1.0" encoding="utf-8"?>
+<p:sld xmlns:a="http://schemas.openxmlformats.org/drawingml/2006/main" xmlns:r="http://schemas.openxmlformats.org/officeDocument/2006/relationships" xmlns:p="http://schemas.openxmlformats.org/presentationml/2006/main">
+  <p:cSld>
+    <p:spTree>
+      <p:nvGrpSpPr>
+        <p:cNvPr id="1" name=""/>
+        <p:cNvGrpSpPr/>
+        <p:nvPr/>
+      </p:nvGrpSpPr>
+      <p:grpSpPr>
+        <a:xfrm>
+          <a:off x="0" y="0"/>
+          <a:ext cx="0" cy="0"/>
+          <a:chOff x="0" y="0"/>
+          <a:chExt cx="0" cy="0"/>
+        </a:xfrm>
+      </p:grpSpPr>
+      <p:sp>
+        <p:nvSpPr>
+          <p:cNvPr id="2" name="Title 1"/>
+          <p:cNvSpPr>
+            <a:spLocks noGrp="1"/>
+          </p:cNvSpPr>
+          <p:nvPr>
+            <p:ph type="title"/>
+          </p:nvPr>
+        </p:nvSpPr>
+        <p:spPr/>
+        <p:txBody>
+          <a:bodyPr/>
+          <a:lstStyle/>
+          <a:p>
+            <a:r>
+              <a:rPr lang="en-IN" dirty="0" smtClean="0"/>
+              <a:t>Conclusion</a:t>
+            </a:r>
+            <a:endParaRPr lang="en-US" dirty="0"/>
+          </a:p>
+        </p:txBody>
+      </p:sp>
+      <p:sp>
+        <p:nvSpPr>
+          <p:cNvPr id="3" name="Content Placeholder 2"/>
+          <p:cNvSpPr>
+            <a:spLocks noGrp="1"/>
+          </p:cNvSpPr>
+          <p:nvPr>
+            <p:ph idx="1"/>
+          </p:nvPr>
+        </p:nvSpPr>
+        <p:spPr/>
+        <p:txBody>
+          <a:bodyPr/>
+          <a:lstStyle/>
+          <a:p>
+            <a:pPr>
+              <a:buFont typeface="Arial" panose="020B0604020202020204" pitchFamily="34" charset="0"/>
+              <a:buChar char="•"/>
+            </a:pPr>
+            <a:r>
+              <a:rPr lang="en-IN" dirty="0" smtClean="0"/>
+              <a:t> In </a:t>
+            </a:r>
+            <a:r>
+              <a:rPr lang="en-IN" dirty="0"/>
+              <a:t>this paper, we explored connections between fixation prediction and salient object segmentation by providing a new dataset with both fixations and salient object annotations</a:t>
+            </a:r>
+            <a:r>
+              <a:rPr lang="en-IN" dirty="0" smtClean="0"/>
+              <a:t>.</a:t>
+            </a:r>
+          </a:p>
+          <a:p>
+            <a:pPr>
+              <a:buFont typeface="Arial" panose="020B0604020202020204" pitchFamily="34" charset="0"/>
+              <a:buChar char="•"/>
+            </a:pPr>
+            <a:r>
+              <a:rPr lang="en-IN" dirty="0" smtClean="0"/>
+              <a:t> The dataset analysis suggests that the definition of saliency is highly consistent among human subjects.</a:t>
+            </a:r>
+          </a:p>
+          <a:p>
+            <a:pPr>
+              <a:buFont typeface="Arial" panose="020B0604020202020204" pitchFamily="34" charset="0"/>
+              <a:buChar char="•"/>
+            </a:pPr>
+            <a:r>
+              <a:rPr lang="en-IN" dirty="0" smtClean="0"/>
+              <a:t> Pointed </a:t>
+            </a:r>
+            <a:r>
+              <a:rPr lang="en-IN" dirty="0"/>
+              <a:t>out significant dataset design bias in </a:t>
+            </a:r>
+            <a:r>
+              <a:rPr lang="en-US" dirty="0"/>
+              <a:t>major salient object </a:t>
+            </a:r>
+            <a:r>
+              <a:rPr lang="en-US" dirty="0" smtClean="0"/>
+              <a:t>benchmarks. The bias was largely due to deliberate emphasis on the concept of saliency.</a:t>
+            </a:r>
+          </a:p>
+          <a:p>
+            <a:pPr>
+              <a:buFont typeface="Arial" panose="020B0604020202020204" pitchFamily="34" charset="0"/>
+              <a:buChar char="•"/>
+            </a:pPr>
+            <a:r>
+              <a:rPr lang="en-IN" dirty="0" smtClean="0"/>
+              <a:t>Proposed a new salient object segmentation algorithm which out-performed state-of-the art algorithms.</a:t>
+            </a:r>
+            <a:endParaRPr lang="en-US" dirty="0" smtClean="0"/>
+          </a:p>
+          <a:p>
+            <a:pPr>
+              <a:buFont typeface="Arial" panose="020B0604020202020204" pitchFamily="34" charset="0"/>
+              <a:buChar char="•"/>
+            </a:pPr>
+            <a:r>
+              <a:rPr lang="en-IN" dirty="0" smtClean="0"/>
+              <a:t>A new possible direction would be to look into strong correlation between fixations and salient objects. </a:t>
+            </a:r>
+            <a:endParaRPr lang="en-US" dirty="0"/>
+          </a:p>
+          <a:p>
+            <a:pPr>
+              <a:buFont typeface="Arial" panose="020B0604020202020204" pitchFamily="34" charset="0"/>
+              <a:buChar char="•"/>
+            </a:pPr>
+            <a:endParaRPr lang="en-US" dirty="0" smtClean="0"/>
+          </a:p>
+          <a:p>
+            <a:pPr>
+              <a:buFont typeface="Arial" panose="020B0604020202020204" pitchFamily="34" charset="0"/>
+              <a:buChar char="•"/>
+            </a:pPr>
+            <a:endParaRPr lang="en-US" dirty="0"/>
+          </a:p>
+        </p:txBody>
+      </p:sp>
+      <p:sp>
+        <p:nvSpPr>
+          <p:cNvPr id="4" name="Date Placeholder 3"/>
+          <p:cNvSpPr>
+            <a:spLocks noGrp="1"/>
+          </p:cNvSpPr>
+          <p:nvPr>
+            <p:ph type="dt" sz="half" idx="10"/>
+          </p:nvPr>
+        </p:nvSpPr>
+        <p:spPr/>
+        <p:txBody>
+          <a:bodyPr/>
+          <a:lstStyle/>
+          <a:p>
+            <a:fld id="{2841E56E-AA48-453C-84FC-9CDE07CBEE48}" type="datetime1">
+              <a:rPr lang="en-US" smtClean="0"/>
+              <a:t>3/18/2015</a:t>
+            </a:fld>
+            <a:endParaRPr lang="en-US" dirty="0"/>
+          </a:p>
+        </p:txBody>
+      </p:sp>
+      <p:sp>
+        <p:nvSpPr>
+          <p:cNvPr id="5" name="Slide Number Placeholder 4"/>
+          <p:cNvSpPr>
+            <a:spLocks noGrp="1"/>
+          </p:cNvSpPr>
+          <p:nvPr>
+            <p:ph type="sldNum" sz="quarter" idx="12"/>
+          </p:nvPr>
+        </p:nvSpPr>
+        <p:spPr/>
+        <p:txBody>
+          <a:bodyPr/>
+          <a:lstStyle/>
+          <a:p>
+            <a:fld id="{629637A9-119A-49DA-BD12-AAC58B377D80}" type="slidenum">
+              <a:rPr lang="en-US" smtClean="0"/>
+              <a:t>19</a:t>
+            </a:fld>
+            <a:endParaRPr lang="en-US" dirty="0"/>
+          </a:p>
+        </p:txBody>
+      </p:sp>
+    </p:spTree>
+    <p:extLst>
+      <p:ext uri="{BB962C8B-B14F-4D97-AF65-F5344CB8AC3E}">
+        <p14:creationId xmlns:p14="http://schemas.microsoft.com/office/powerpoint/2010/main" val="1612435718"/>
+      </p:ext>
+    </p:extLst>
+  </p:cSld>
+  <p:clrMapOvr>
+    <a:masterClrMapping/>
+  </p:clrMapOvr>
+  <p:timing>
+    <p:tnLst>
+      <p:par>
+        <p:cTn id="1" dur="indefinite" restart="never" nodeType="tmRoot"/>
+      </p:par>
+    </p:tnLst>
+  </p:timing>
+</p:sld>
+</file>
+
+<file path=ppt/slides/slide2.xml><?xml version="1.0" encoding="utf-8"?>
+<p:sld xmlns:a="http://schemas.openxmlformats.org/drawingml/2006/main" xmlns:r="http://schemas.openxmlformats.org/officeDocument/2006/relationships" xmlns:p="http://schemas.openxmlformats.org/presentationml/2006/main">
+  <p:cSld>
+    <p:spTree>
+      <p:nvGrpSpPr>
+        <p:cNvPr id="1" name=""/>
+        <p:cNvGrpSpPr/>
+        <p:nvPr/>
+      </p:nvGrpSpPr>
+      <p:grpSpPr>
+        <a:xfrm>
+          <a:off x="0" y="0"/>
+          <a:ext cx="0" cy="0"/>
+          <a:chOff x="0" y="0"/>
+          <a:chExt cx="0" cy="0"/>
+        </a:xfrm>
+      </p:grpSpPr>
+      <p:sp>
+        <p:nvSpPr>
+          <p:cNvPr id="2" name="Title 1"/>
+          <p:cNvSpPr>
+            <a:spLocks noGrp="1"/>
+          </p:cNvSpPr>
+          <p:nvPr>
+            <p:ph type="title"/>
+          </p:nvPr>
+        </p:nvSpPr>
+        <p:spPr/>
+        <p:txBody>
+          <a:bodyPr/>
+          <a:lstStyle/>
+          <a:p>
+            <a:r>
+              <a:rPr lang="en-IN" dirty="0" smtClean="0"/>
+              <a:t>Outline</a:t>
+            </a:r>
+            <a:endParaRPr lang="en-IN" dirty="0"/>
+          </a:p>
+        </p:txBody>
+      </p:sp>
+      <p:sp>
+        <p:nvSpPr>
+          <p:cNvPr id="3" name="Content Placeholder 2"/>
+          <p:cNvSpPr>
+            <a:spLocks noGrp="1"/>
+          </p:cNvSpPr>
+          <p:nvPr>
+            <p:ph idx="1"/>
+          </p:nvPr>
+        </p:nvSpPr>
+        <p:spPr>
+          <a:xfrm>
+            <a:off x="1097280" y="1845733"/>
+            <a:ext cx="10058400" cy="4350959"/>
+          </a:xfrm>
+        </p:spPr>
+        <p:txBody>
+          <a:bodyPr numCol="2">
+            <a:normAutofit/>
+          </a:bodyPr>
+          <a:lstStyle/>
+          <a:p>
+            <a:pPr>
+              <a:buFont typeface="Arial" panose="020B0604020202020204" pitchFamily="34" charset="0"/>
+              <a:buChar char="•"/>
+            </a:pPr>
+            <a:r>
+              <a:rPr lang="en-IN" dirty="0" smtClean="0"/>
+              <a:t> Introduction</a:t>
+            </a:r>
+          </a:p>
+          <a:p>
+            <a:pPr lvl="1">
+              <a:buFont typeface="Courier New" panose="02070309020205020404" pitchFamily="49" charset="0"/>
+              <a:buChar char="o"/>
+            </a:pPr>
+            <a:r>
+              <a:rPr lang="en-IN" sz="2000" dirty="0" smtClean="0"/>
+              <a:t>Terms and Concepts</a:t>
+            </a:r>
+          </a:p>
+          <a:p>
+            <a:pPr lvl="1">
+              <a:buFont typeface="Courier New" panose="02070309020205020404" pitchFamily="49" charset="0"/>
+              <a:buChar char="o"/>
+            </a:pPr>
+            <a:r>
+              <a:rPr lang="en-IN" sz="2000" dirty="0"/>
+              <a:t>Problem in present scenario</a:t>
+            </a:r>
+          </a:p>
+          <a:p>
+            <a:pPr lvl="1">
+              <a:buFont typeface="Courier New" panose="02070309020205020404" pitchFamily="49" charset="0"/>
+              <a:buChar char="o"/>
+            </a:pPr>
+            <a:r>
+              <a:rPr lang="en-IN" sz="2000" dirty="0" smtClean="0"/>
+              <a:t>Overview</a:t>
+            </a:r>
+          </a:p>
+          <a:p>
+            <a:pPr>
+              <a:buFont typeface="Arial" panose="020B0604020202020204" pitchFamily="34" charset="0"/>
+              <a:buChar char="•"/>
+            </a:pPr>
+            <a:r>
+              <a:rPr lang="en-IN" dirty="0" smtClean="0"/>
+              <a:t>Dataset Analysis</a:t>
+            </a:r>
+          </a:p>
+          <a:p>
+            <a:pPr lvl="1">
+              <a:buFont typeface="Courier New" panose="02070309020205020404" pitchFamily="49" charset="0"/>
+              <a:buChar char="o"/>
+            </a:pPr>
+            <a:r>
+              <a:rPr lang="en-IN" sz="2000" dirty="0" smtClean="0"/>
+              <a:t>Proposing a new dataset(PASCAL-S)</a:t>
+            </a:r>
+          </a:p>
+          <a:p>
+            <a:pPr lvl="1">
+              <a:buFont typeface="Courier New" panose="02070309020205020404" pitchFamily="49" charset="0"/>
+              <a:buChar char="o"/>
+            </a:pPr>
+            <a:r>
+              <a:rPr lang="en-IN" sz="2000" dirty="0" smtClean="0"/>
+              <a:t>Evaluating </a:t>
+            </a:r>
+            <a:r>
+              <a:rPr lang="en-IN" sz="2000" dirty="0"/>
+              <a:t>dataset </a:t>
+            </a:r>
+            <a:r>
+              <a:rPr lang="en-IN" sz="2000" dirty="0" smtClean="0"/>
+              <a:t>consistency</a:t>
+            </a:r>
+          </a:p>
+          <a:p>
+            <a:pPr lvl="1">
+              <a:buFont typeface="Courier New" panose="02070309020205020404" pitchFamily="49" charset="0"/>
+              <a:buChar char="o"/>
+            </a:pPr>
+            <a:r>
+              <a:rPr lang="en-IN" sz="2000" dirty="0" smtClean="0"/>
               <a:t>Benchmarking</a:t>
             </a:r>
           </a:p>
           <a:p>
+            <a:pPr lvl="1">
+              <a:buFont typeface="Courier New" panose="02070309020205020404" pitchFamily="49" charset="0"/>
+              <a:buChar char="o"/>
+            </a:pPr>
+            <a:r>
+              <a:rPr lang="en-IN" sz="2000" dirty="0" smtClean="0"/>
+              <a:t>Dataset </a:t>
+            </a:r>
+            <a:r>
+              <a:rPr lang="en-IN" sz="2000" dirty="0"/>
+              <a:t>design </a:t>
+            </a:r>
+            <a:r>
+              <a:rPr lang="en-IN" sz="2000" dirty="0" smtClean="0"/>
+              <a:t>bias</a:t>
+            </a:r>
+            <a:endParaRPr lang="en-IN" sz="2000" dirty="0" smtClean="0"/>
+          </a:p>
+          <a:p>
+            <a:pPr>
+              <a:buFont typeface="Arial" panose="020B0604020202020204" pitchFamily="34" charset="0"/>
+              <a:buChar char="•"/>
+            </a:pPr>
             <a:r>
               <a:rPr lang="en-IN" dirty="0" smtClean="0"/>
-              <a:t>The purposes </a:t>
-            </a:r>
+              <a:t>Proposed Algorithm</a:t>
+            </a:r>
+          </a:p>
+          <a:p>
+            <a:pPr lvl="1">
+              <a:buFont typeface="Courier New" panose="02070309020205020404" pitchFamily="49" charset="0"/>
+              <a:buChar char="o"/>
+            </a:pPr>
+            <a:r>
+              <a:rPr lang="en-IN" sz="2000" dirty="0" smtClean="0"/>
+              <a:t>The </a:t>
+            </a:r>
+            <a:r>
+              <a:rPr lang="en-IN" sz="2000" dirty="0" smtClean="0"/>
+              <a:t>model</a:t>
+            </a:r>
+          </a:p>
+          <a:p>
+            <a:pPr lvl="1">
+              <a:buFont typeface="Courier New" panose="02070309020205020404" pitchFamily="49" charset="0"/>
+              <a:buChar char="o"/>
+            </a:pPr>
+            <a:r>
+              <a:rPr lang="en-IN" sz="2000" dirty="0"/>
+              <a:t>Limits of the model</a:t>
+            </a:r>
+            <a:endParaRPr lang="en-IN" sz="2000" dirty="0" smtClean="0"/>
+          </a:p>
+          <a:p>
+            <a:pPr>
+              <a:buFont typeface="Arial" panose="020B0604020202020204" pitchFamily="34" charset="0"/>
+              <a:buChar char="•"/>
+            </a:pPr>
+            <a:r>
+              <a:rPr lang="en-IN" dirty="0" smtClean="0"/>
+              <a:t>Results</a:t>
+            </a:r>
+          </a:p>
+          <a:p>
+            <a:pPr>
+              <a:buFont typeface="Arial" panose="020B0604020202020204" pitchFamily="34" charset="0"/>
+              <a:buChar char="•"/>
+            </a:pPr>
+            <a:r>
+              <a:rPr lang="en-IN" dirty="0" smtClean="0"/>
+              <a:t>Conclusion</a:t>
+            </a:r>
+            <a:endParaRPr lang="en-IN" dirty="0"/>
+          </a:p>
+        </p:txBody>
+      </p:sp>
+      <p:sp>
+        <p:nvSpPr>
+          <p:cNvPr id="4" name="Date Placeholder 3"/>
+          <p:cNvSpPr>
+            <a:spLocks noGrp="1"/>
+          </p:cNvSpPr>
+          <p:nvPr>
+            <p:ph type="dt" sz="half" idx="10"/>
+          </p:nvPr>
+        </p:nvSpPr>
+        <p:spPr/>
+        <p:txBody>
+          <a:bodyPr/>
+          <a:lstStyle/>
+          <a:p>
+            <a:fld id="{11CF1910-4565-4140-98F7-C5E8CD3D4FF7}" type="datetime1">
+              <a:rPr lang="en-US" smtClean="0"/>
+              <a:t>3/18/2015</a:t>
+            </a:fld>
+            <a:endParaRPr lang="en-US" dirty="0"/>
+          </a:p>
+        </p:txBody>
+      </p:sp>
+      <p:sp>
+        <p:nvSpPr>
+          <p:cNvPr id="5" name="Slide Number Placeholder 4"/>
+          <p:cNvSpPr>
+            <a:spLocks noGrp="1"/>
+          </p:cNvSpPr>
+          <p:nvPr>
+            <p:ph type="sldNum" sz="quarter" idx="12"/>
+          </p:nvPr>
+        </p:nvSpPr>
+        <p:spPr/>
+        <p:txBody>
+          <a:bodyPr/>
+          <a:lstStyle/>
+          <a:p>
+            <a:fld id="{629637A9-119A-49DA-BD12-AAC58B377D80}" type="slidenum">
+              <a:rPr lang="en-US" smtClean="0"/>
+              <a:t>2</a:t>
+            </a:fld>
+            <a:endParaRPr lang="en-US" dirty="0"/>
+          </a:p>
+        </p:txBody>
+      </p:sp>
+    </p:spTree>
+    <p:extLst>
+      <p:ext uri="{BB962C8B-B14F-4D97-AF65-F5344CB8AC3E}">
+        <p14:creationId xmlns:p14="http://schemas.microsoft.com/office/powerpoint/2010/main" val="3944589286"/>
+      </p:ext>
+    </p:extLst>
+  </p:cSld>
+  <p:clrMapOvr>
+    <a:masterClrMapping/>
+  </p:clrMapOvr>
+  <p:timing>
+    <p:tnLst>
+      <p:par>
+        <p:cTn id="1" dur="indefinite" restart="never" nodeType="tmRoot"/>
+      </p:par>
+    </p:tnLst>
+  </p:timing>
+</p:sld>
+</file>
+
+<file path=ppt/slides/slide20.xml><?xml version="1.0" encoding="utf-8"?>
+<p:sld xmlns:a="http://schemas.openxmlformats.org/drawingml/2006/main" xmlns:r="http://schemas.openxmlformats.org/officeDocument/2006/relationships" xmlns:p="http://schemas.openxmlformats.org/presentationml/2006/main">
+  <p:cSld>
+    <p:spTree>
+      <p:nvGrpSpPr>
+        <p:cNvPr id="1" name=""/>
+        <p:cNvGrpSpPr/>
+        <p:nvPr/>
+      </p:nvGrpSpPr>
+      <p:grpSpPr>
+        <a:xfrm>
+          <a:off x="0" y="0"/>
+          <a:ext cx="0" cy="0"/>
+          <a:chOff x="0" y="0"/>
+          <a:chExt cx="0" cy="0"/>
+        </a:xfrm>
+      </p:grpSpPr>
+      <p:sp>
+        <p:nvSpPr>
+          <p:cNvPr id="2" name="Title 1"/>
+          <p:cNvSpPr>
+            <a:spLocks noGrp="1"/>
+          </p:cNvSpPr>
+          <p:nvPr>
+            <p:ph type="title"/>
+          </p:nvPr>
+        </p:nvSpPr>
+        <p:spPr/>
+        <p:txBody>
+          <a:bodyPr/>
+          <a:lstStyle/>
+          <a:p>
+            <a:r>
+              <a:rPr lang="en-IN" dirty="0" smtClean="0"/>
+              <a:t>References</a:t>
+            </a:r>
+            <a:endParaRPr lang="en-US" dirty="0"/>
+          </a:p>
+        </p:txBody>
+      </p:sp>
+      <p:sp>
+        <p:nvSpPr>
+          <p:cNvPr id="3" name="Content Placeholder 2"/>
+          <p:cNvSpPr>
+            <a:spLocks noGrp="1"/>
+          </p:cNvSpPr>
+          <p:nvPr>
+            <p:ph idx="1"/>
+          </p:nvPr>
+        </p:nvSpPr>
+        <p:spPr/>
+        <p:txBody>
+          <a:bodyPr>
+            <a:normAutofit/>
+          </a:bodyPr>
+          <a:lstStyle/>
+          <a:p>
+            <a:pPr>
+              <a:buFont typeface="Arial" panose="020B0604020202020204" pitchFamily="34" charset="0"/>
+              <a:buChar char="•"/>
+            </a:pPr>
+            <a:r>
+              <a:rPr lang="en-IN" sz="1800" dirty="0" smtClean="0"/>
+              <a:t> Most of the material is from “The </a:t>
+            </a:r>
+            <a:r>
+              <a:rPr lang="en-IN" sz="1800" dirty="0"/>
+              <a:t>Secrets of Salient Object </a:t>
+            </a:r>
+            <a:r>
+              <a:rPr lang="en-IN" sz="1800" dirty="0" smtClean="0"/>
+              <a:t>Segmentation” </a:t>
+            </a:r>
+          </a:p>
+          <a:p>
+            <a:pPr>
+              <a:buFont typeface="Arial" panose="020B0604020202020204" pitchFamily="34" charset="0"/>
+              <a:buChar char="•"/>
+            </a:pPr>
+            <a:r>
+              <a:rPr lang="en-US" sz="1800" dirty="0" smtClean="0">
+                <a:hlinkClick r:id="rId2"/>
+              </a:rPr>
+              <a:t> http</a:t>
+            </a:r>
+            <a:r>
+              <a:rPr lang="en-US" sz="1800" dirty="0">
+                <a:hlinkClick r:id="rId2"/>
+              </a:rPr>
+              <a:t>://en.wikipedia.org/wiki/Salience_(neuroscience)#</a:t>
+            </a:r>
+            <a:r>
+              <a:rPr lang="en-US" sz="1800" dirty="0" smtClean="0">
+                <a:hlinkClick r:id="rId2"/>
+              </a:rPr>
+              <a:t>Visual_saliency_modeling</a:t>
+            </a:r>
+            <a:endParaRPr lang="en-US" sz="1800" dirty="0" smtClean="0"/>
+          </a:p>
+          <a:p>
+            <a:pPr>
+              <a:buFont typeface="Arial" panose="020B0604020202020204" pitchFamily="34" charset="0"/>
+              <a:buChar char="•"/>
+            </a:pPr>
+            <a:r>
+              <a:rPr lang="en-US" sz="1800" dirty="0" smtClean="0">
+                <a:hlinkClick r:id="rId3"/>
+              </a:rPr>
+              <a:t> http</a:t>
+            </a:r>
+            <a:r>
+              <a:rPr lang="en-US" sz="1800" dirty="0">
+                <a:hlinkClick r:id="rId3"/>
+              </a:rPr>
+              <a:t>://</a:t>
+            </a:r>
+            <a:r>
+              <a:rPr lang="en-US" sz="1800" dirty="0" smtClean="0">
+                <a:hlinkClick r:id="rId3"/>
+              </a:rPr>
+              <a:t>www.scholarpedia.org/article/Visual_salience</a:t>
+            </a:r>
+            <a:endParaRPr lang="en-US" sz="1800" dirty="0" smtClean="0"/>
+          </a:p>
+          <a:p>
+            <a:pPr>
+              <a:buFont typeface="Arial" panose="020B0604020202020204" pitchFamily="34" charset="0"/>
+              <a:buChar char="•"/>
+            </a:pPr>
+            <a:r>
+              <a:rPr lang="en-US" sz="1800" dirty="0" smtClean="0">
+                <a:hlinkClick r:id="rId4"/>
+              </a:rPr>
+              <a:t> http</a:t>
+            </a:r>
+            <a:r>
+              <a:rPr lang="en-US" sz="1800" dirty="0">
+                <a:hlinkClick r:id="rId4"/>
+              </a:rPr>
+              <a:t>://www.klab.caltech.edu/~xhou</a:t>
+            </a:r>
+            <a:r>
+              <a:rPr lang="en-US" sz="1800" dirty="0" smtClean="0">
+                <a:hlinkClick r:id="rId4"/>
+              </a:rPr>
+              <a:t>/</a:t>
+            </a:r>
+            <a:endParaRPr lang="en-US" sz="1800" dirty="0" smtClean="0"/>
+          </a:p>
+          <a:p>
+            <a:pPr>
+              <a:buFont typeface="Arial" panose="020B0604020202020204" pitchFamily="34" charset="0"/>
+              <a:buChar char="•"/>
+            </a:pPr>
+            <a:r>
+              <a:rPr lang="en-US" sz="1800" dirty="0" smtClean="0">
+                <a:hlinkClick r:id="rId5"/>
+              </a:rPr>
+              <a:t> http</a:t>
+            </a:r>
+            <a:r>
+              <a:rPr lang="en-US" sz="1800" dirty="0">
+                <a:hlinkClick r:id="rId5"/>
+              </a:rPr>
+              <a:t>://cbi.gatech.edu/salobj</a:t>
+            </a:r>
+            <a:r>
+              <a:rPr lang="en-US" sz="1800" dirty="0" smtClean="0">
+                <a:hlinkClick r:id="rId5"/>
+              </a:rPr>
+              <a:t>/</a:t>
+            </a:r>
+            <a:endParaRPr lang="en-US" sz="1800" dirty="0" smtClean="0"/>
+          </a:p>
+          <a:p>
+            <a:pPr>
+              <a:buFont typeface="Arial" panose="020B0604020202020204" pitchFamily="34" charset="0"/>
+              <a:buChar char="•"/>
+            </a:pPr>
+            <a:r>
+              <a:rPr lang="en-US" sz="1800" dirty="0" smtClean="0">
+                <a:hlinkClick r:id="rId6"/>
+              </a:rPr>
+              <a:t> http</a:t>
+            </a:r>
+            <a:r>
+              <a:rPr lang="en-US" sz="1800" dirty="0">
+                <a:hlinkClick r:id="rId6"/>
+              </a:rPr>
+              <a:t>://groups.inf.ed.ac.uk/calvin/objectness</a:t>
+            </a:r>
+            <a:r>
+              <a:rPr lang="en-US" sz="1800" dirty="0" smtClean="0">
+                <a:hlinkClick r:id="rId6"/>
+              </a:rPr>
+              <a:t>/</a:t>
+            </a:r>
+            <a:endParaRPr lang="en-US" sz="1800" dirty="0" smtClean="0"/>
+          </a:p>
+          <a:p>
+            <a:pPr>
+              <a:buFont typeface="Arial" panose="020B0604020202020204" pitchFamily="34" charset="0"/>
+              <a:buChar char="•"/>
+            </a:pPr>
+            <a:r>
+              <a:rPr lang="en-IN" sz="1800" dirty="0" smtClean="0"/>
+              <a:t> Youtube</a:t>
+            </a:r>
+          </a:p>
+          <a:p>
+            <a:pPr>
+              <a:buFont typeface="Arial" panose="020B0604020202020204" pitchFamily="34" charset="0"/>
+              <a:buChar char="•"/>
+            </a:pPr>
+            <a:r>
+              <a:rPr lang="en-IN" sz="1800" dirty="0" smtClean="0"/>
+              <a:t> Wikipedia</a:t>
+            </a:r>
+          </a:p>
+          <a:p>
+            <a:pPr>
+              <a:buFont typeface="Arial" panose="020B0604020202020204" pitchFamily="34" charset="0"/>
+              <a:buChar char="•"/>
+            </a:pPr>
+            <a:r>
+              <a:rPr lang="en-IN" sz="1800" dirty="0" smtClean="0"/>
+              <a:t> Most pictures and graphs are from the website of the paper and the extended version </a:t>
+            </a:r>
+            <a:r>
+              <a:rPr lang="en-IN" sz="1800" smtClean="0"/>
+              <a:t>of paper.</a:t>
+            </a:r>
+            <a:endParaRPr lang="en-IN" sz="1800" dirty="0" smtClean="0"/>
+          </a:p>
+          <a:p>
+            <a:pPr>
+              <a:buFont typeface="Arial" panose="020B0604020202020204" pitchFamily="34" charset="0"/>
+              <a:buChar char="•"/>
+            </a:pPr>
+            <a:endParaRPr lang="en-US" sz="1800" dirty="0"/>
+          </a:p>
+        </p:txBody>
+      </p:sp>
+      <p:sp>
+        <p:nvSpPr>
+          <p:cNvPr id="4" name="Date Placeholder 3"/>
+          <p:cNvSpPr>
+            <a:spLocks noGrp="1"/>
+          </p:cNvSpPr>
+          <p:nvPr>
+            <p:ph type="dt" sz="half" idx="10"/>
+          </p:nvPr>
+        </p:nvSpPr>
+        <p:spPr/>
+        <p:txBody>
+          <a:bodyPr/>
+          <a:lstStyle/>
+          <a:p>
+            <a:fld id="{2841E56E-AA48-453C-84FC-9CDE07CBEE48}" type="datetime1">
+              <a:rPr lang="en-US" smtClean="0"/>
+              <a:t>3/18/2015</a:t>
+            </a:fld>
+            <a:endParaRPr lang="en-US" dirty="0"/>
+          </a:p>
+        </p:txBody>
+      </p:sp>
+      <p:sp>
+        <p:nvSpPr>
+          <p:cNvPr id="5" name="Slide Number Placeholder 4"/>
+          <p:cNvSpPr>
+            <a:spLocks noGrp="1"/>
+          </p:cNvSpPr>
+          <p:nvPr>
+            <p:ph type="sldNum" sz="quarter" idx="12"/>
+          </p:nvPr>
+        </p:nvSpPr>
+        <p:spPr/>
+        <p:txBody>
+          <a:bodyPr/>
+          <a:lstStyle/>
+          <a:p>
+            <a:fld id="{629637A9-119A-49DA-BD12-AAC58B377D80}" type="slidenum">
+              <a:rPr lang="en-US" smtClean="0"/>
+              <a:t>20</a:t>
+            </a:fld>
+            <a:endParaRPr lang="en-US" dirty="0"/>
+          </a:p>
+        </p:txBody>
+      </p:sp>
+    </p:spTree>
+    <p:extLst>
+      <p:ext uri="{BB962C8B-B14F-4D97-AF65-F5344CB8AC3E}">
+        <p14:creationId xmlns:p14="http://schemas.microsoft.com/office/powerpoint/2010/main" val="1144542228"/>
+      </p:ext>
+    </p:extLst>
+  </p:cSld>
+  <p:clrMapOvr>
+    <a:masterClrMapping/>
+  </p:clrMapOvr>
+  <p:timing>
+    <p:tnLst>
+      <p:par>
+        <p:cTn id="1" dur="indefinite" restart="never" nodeType="tmRoot"/>
+      </p:par>
+    </p:tnLst>
+  </p:timing>
+</p:sld>
+</file>
+
+<file path=ppt/slides/slide21.xml><?xml version="1.0" encoding="utf-8"?>
+<p:sld xmlns:a="http://schemas.openxmlformats.org/drawingml/2006/main" xmlns:r="http://schemas.openxmlformats.org/officeDocument/2006/relationships" xmlns:p="http://schemas.openxmlformats.org/presentationml/2006/main">
+  <p:cSld>
+    <p:spTree>
+      <p:nvGrpSpPr>
+        <p:cNvPr id="1" name=""/>
+        <p:cNvGrpSpPr/>
+        <p:nvPr/>
+      </p:nvGrpSpPr>
+      <p:grpSpPr>
+        <a:xfrm>
+          <a:off x="0" y="0"/>
+          <a:ext cx="0" cy="0"/>
+          <a:chOff x="0" y="0"/>
+          <a:chExt cx="0" cy="0"/>
+        </a:xfrm>
+      </p:grpSpPr>
+      <p:sp>
+        <p:nvSpPr>
+          <p:cNvPr id="2" name="Title 1"/>
+          <p:cNvSpPr>
+            <a:spLocks noGrp="1"/>
+          </p:cNvSpPr>
+          <p:nvPr>
+            <p:ph type="ctrTitle"/>
+          </p:nvPr>
+        </p:nvSpPr>
+        <p:spPr/>
+        <p:txBody>
+          <a:bodyPr/>
+          <a:lstStyle/>
+          <a:p>
+            <a:pPr algn="ctr"/>
+            <a:r>
+              <a:rPr lang="en-IN" dirty="0" smtClean="0"/>
+              <a:t>Questions</a:t>
+            </a:r>
+            <a:endParaRPr lang="en-US" dirty="0"/>
+          </a:p>
+        </p:txBody>
+      </p:sp>
+      <p:sp>
+        <p:nvSpPr>
+          <p:cNvPr id="3" name="Subtitle 2"/>
+          <p:cNvSpPr>
+            <a:spLocks noGrp="1"/>
+          </p:cNvSpPr>
+          <p:nvPr>
+            <p:ph type="subTitle" idx="1"/>
+          </p:nvPr>
+        </p:nvSpPr>
+        <p:spPr/>
+        <p:txBody>
+          <a:bodyPr/>
+          <a:lstStyle/>
+          <a:p>
+            <a:endParaRPr lang="en-US" dirty="0"/>
+          </a:p>
+        </p:txBody>
+      </p:sp>
+      <p:sp>
+        <p:nvSpPr>
+          <p:cNvPr id="4" name="Date Placeholder 3"/>
+          <p:cNvSpPr>
+            <a:spLocks noGrp="1"/>
+          </p:cNvSpPr>
+          <p:nvPr>
+            <p:ph type="dt" sz="half" idx="10"/>
+          </p:nvPr>
+        </p:nvSpPr>
+        <p:spPr/>
+        <p:txBody>
+          <a:bodyPr/>
+          <a:lstStyle/>
+          <a:p>
+            <a:fld id="{4D24B120-6611-43E6-A595-6D5D8129C30F}" type="datetime1">
+              <a:rPr lang="en-US" smtClean="0"/>
+              <a:t>3/18/2015</a:t>
+            </a:fld>
+            <a:endParaRPr lang="en-US" dirty="0"/>
+          </a:p>
+        </p:txBody>
+      </p:sp>
+      <p:sp>
+        <p:nvSpPr>
+          <p:cNvPr id="5" name="Slide Number Placeholder 4"/>
+          <p:cNvSpPr>
+            <a:spLocks noGrp="1"/>
+          </p:cNvSpPr>
+          <p:nvPr>
+            <p:ph type="sldNum" sz="quarter" idx="12"/>
+          </p:nvPr>
+        </p:nvSpPr>
+        <p:spPr/>
+        <p:txBody>
+          <a:bodyPr/>
+          <a:lstStyle/>
+          <a:p>
+            <a:fld id="{4FAB73BC-B049-4115-A692-8D63A059BFB8}" type="slidenum">
+              <a:rPr lang="en-US" smtClean="0"/>
+              <a:t>21</a:t>
+            </a:fld>
+            <a:endParaRPr lang="en-US" dirty="0"/>
+          </a:p>
+        </p:txBody>
+      </p:sp>
+    </p:spTree>
+    <p:extLst>
+      <p:ext uri="{BB962C8B-B14F-4D97-AF65-F5344CB8AC3E}">
+        <p14:creationId xmlns:p14="http://schemas.microsoft.com/office/powerpoint/2010/main" val="2212652210"/>
+      </p:ext>
+    </p:extLst>
+  </p:cSld>
+  <p:clrMapOvr>
+    <a:masterClrMapping/>
+  </p:clrMapOvr>
+  <p:timing>
+    <p:tnLst>
+      <p:par>
+        <p:cTn id="1" dur="indefinite" restart="never" nodeType="tmRoot"/>
+      </p:par>
+    </p:tnLst>
+  </p:timing>
+</p:sld>
+</file>
+
+<file path=ppt/slides/slide3.xml><?xml version="1.0" encoding="utf-8"?>
+<p:sld xmlns:a="http://schemas.openxmlformats.org/drawingml/2006/main" xmlns:r="http://schemas.openxmlformats.org/officeDocument/2006/relationships" xmlns:p="http://schemas.openxmlformats.org/presentationml/2006/main">
+  <p:cSld>
+    <p:spTree>
+      <p:nvGrpSpPr>
+        <p:cNvPr id="1" name=""/>
+        <p:cNvGrpSpPr/>
+        <p:nvPr/>
+      </p:nvGrpSpPr>
+      <p:grpSpPr>
+        <a:xfrm>
+          <a:off x="0" y="0"/>
+          <a:ext cx="0" cy="0"/>
+          <a:chOff x="0" y="0"/>
+          <a:chExt cx="0" cy="0"/>
+        </a:xfrm>
+      </p:grpSpPr>
+      <p:sp>
+        <p:nvSpPr>
+          <p:cNvPr id="2" name="Title 1"/>
+          <p:cNvSpPr>
+            <a:spLocks noGrp="1"/>
+          </p:cNvSpPr>
+          <p:nvPr>
+            <p:ph type="title"/>
+          </p:nvPr>
+        </p:nvSpPr>
+        <p:spPr/>
+        <p:txBody>
+          <a:bodyPr/>
+          <a:lstStyle/>
+          <a:p>
+            <a:r>
+              <a:rPr lang="en-IN" dirty="0" smtClean="0"/>
+              <a:t>Introduction</a:t>
+            </a:r>
+            <a:endParaRPr lang="en-IN" dirty="0"/>
+          </a:p>
+        </p:txBody>
+      </p:sp>
+      <p:sp>
+        <p:nvSpPr>
+          <p:cNvPr id="3" name="Content Placeholder 2"/>
+          <p:cNvSpPr>
+            <a:spLocks noGrp="1"/>
+          </p:cNvSpPr>
+          <p:nvPr>
+            <p:ph idx="1"/>
+          </p:nvPr>
+        </p:nvSpPr>
+        <p:spPr/>
+        <p:txBody>
+          <a:bodyPr>
+            <a:normAutofit/>
+          </a:bodyPr>
+          <a:lstStyle/>
+          <a:p>
+            <a:pPr marL="0" indent="0">
+              <a:buNone/>
+            </a:pPr>
             <a:r>
               <a:rPr lang="en-IN" dirty="0"/>
-              <a:t>of this analysis are: </a:t>
-            </a:r>
-            <a:endParaRPr lang="en-IN" dirty="0"/>
+              <a:t>Bottom-up visual saliency refers to the ability to select important visual information for further </a:t>
+            </a:r>
+            <a:r>
+              <a:rPr lang="en-IN" dirty="0" smtClean="0"/>
+              <a:t>processing.</a:t>
+            </a:r>
           </a:p>
           <a:p>
             <a:pPr lvl="1">
@@ -10881,21 +12127,10 @@
               <a:buChar char="•"/>
             </a:pPr>
             <a:r>
-              <a:rPr lang="en-IN" dirty="0"/>
-              <a:t> T</a:t>
-            </a:r>
-            <a:r>
-              <a:rPr lang="en-IN" dirty="0" smtClean="0"/>
-              <a:t>o </a:t>
-            </a:r>
-            <a:r>
-              <a:rPr lang="en-IN" dirty="0"/>
-              <a:t>highlight the generalization power of </a:t>
-            </a:r>
-            <a:r>
-              <a:rPr lang="en-IN" dirty="0" smtClean="0"/>
-              <a:t>algorithms</a:t>
-            </a:r>
+              <a:rPr lang="en-IN" sz="2000" dirty="0"/>
+              <a:t>Fixation prediction </a:t>
+            </a:r>
+            <a:endParaRPr lang="en-IN" sz="2000" dirty="0" smtClean="0"/>
           </a:p>
           <a:p>
             <a:pPr lvl="1">
@@ -10903,6 +12138,1691 @@
               <a:buChar char="•"/>
             </a:pPr>
             <a:r>
+              <a:rPr lang="en-IN" sz="2000" dirty="0" smtClean="0"/>
+              <a:t>Salient object segmentation</a:t>
+            </a:r>
+          </a:p>
+          <a:p>
+            <a:pPr marL="0" indent="0">
+              <a:buNone/>
+            </a:pPr>
+            <a:r>
+              <a:rPr lang="en-IN" dirty="0" smtClean="0"/>
+              <a:t>The existing method have two limitations:</a:t>
+            </a:r>
+          </a:p>
+          <a:p>
+            <a:pPr marL="635508" lvl="1" indent="-342900">
+              <a:buFont typeface="+mj-lt"/>
+              <a:buAutoNum type="arabicPeriod"/>
+            </a:pPr>
+            <a:r>
+              <a:rPr lang="en-IN" sz="2000" dirty="0"/>
+              <a:t>A</a:t>
+            </a:r>
+            <a:r>
+              <a:rPr lang="en-IN" sz="2000" dirty="0" smtClean="0"/>
+              <a:t>lgorithms </a:t>
+            </a:r>
+            <a:r>
+              <a:rPr lang="en-IN" sz="2000" dirty="0"/>
+              <a:t>focusing on one type of </a:t>
+            </a:r>
+            <a:r>
+              <a:rPr lang="en-IN" sz="2000" dirty="0" smtClean="0"/>
+              <a:t>saliency tend </a:t>
+            </a:r>
+            <a:r>
+              <a:rPr lang="en-IN" sz="2000" dirty="0"/>
+              <a:t>to overlook the connection to the other </a:t>
+            </a:r>
+            <a:r>
+              <a:rPr lang="en-IN" sz="2000" dirty="0" smtClean="0"/>
+              <a:t>side.</a:t>
+            </a:r>
+          </a:p>
+          <a:p>
+            <a:pPr marL="635508" lvl="1" indent="-342900">
+              <a:buFont typeface="+mj-lt"/>
+              <a:buAutoNum type="arabicPeriod"/>
+            </a:pPr>
+            <a:r>
+              <a:rPr lang="en-IN" sz="2000" dirty="0" smtClean="0"/>
+              <a:t>Benchmarking </a:t>
+            </a:r>
+            <a:r>
+              <a:rPr lang="en-IN" sz="2000" dirty="0"/>
+              <a:t>primarily on one dataset tend to overt </a:t>
+            </a:r>
+            <a:r>
+              <a:rPr lang="en-IN" sz="2000" dirty="0" smtClean="0"/>
+              <a:t>the inherent </a:t>
+            </a:r>
+            <a:r>
+              <a:rPr lang="en-IN" sz="2000" dirty="0"/>
+              <a:t>bias of that </a:t>
+            </a:r>
+            <a:r>
+              <a:rPr lang="en-IN" sz="2000" dirty="0" smtClean="0"/>
+              <a:t>dataset.</a:t>
+            </a:r>
+          </a:p>
+          <a:p>
+            <a:pPr marL="0" indent="0">
+              <a:buNone/>
+            </a:pPr>
+            <a:r>
+              <a:rPr lang="en-IN" dirty="0" smtClean="0"/>
+              <a:t>Discuss the connection between fixation prediction and salient object segmentation. Then discuss </a:t>
+            </a:r>
+            <a:r>
+              <a:rPr lang="en-IN" i="1" dirty="0" smtClean="0"/>
+              <a:t>dataset design bias , </a:t>
+            </a:r>
+            <a:r>
+              <a:rPr lang="en-IN" dirty="0" smtClean="0"/>
+              <a:t>propose a new model of salient object segmentation and then compare it with existing state of art algorithms.</a:t>
+            </a:r>
+            <a:endParaRPr lang="en-IN" i="1" dirty="0" smtClean="0"/>
+          </a:p>
+        </p:txBody>
+      </p:sp>
+      <p:sp>
+        <p:nvSpPr>
+          <p:cNvPr id="4" name="Date Placeholder 3"/>
+          <p:cNvSpPr>
+            <a:spLocks noGrp="1"/>
+          </p:cNvSpPr>
+          <p:nvPr>
+            <p:ph type="dt" sz="half" idx="10"/>
+          </p:nvPr>
+        </p:nvSpPr>
+        <p:spPr/>
+        <p:txBody>
+          <a:bodyPr/>
+          <a:lstStyle/>
+          <a:p>
+            <a:fld id="{E9B34142-79DE-48D7-A299-F24F48696880}" type="datetime1">
+              <a:rPr lang="en-US" smtClean="0"/>
+              <a:t>3/18/2015</a:t>
+            </a:fld>
+            <a:endParaRPr lang="en-US" dirty="0"/>
+          </a:p>
+        </p:txBody>
+      </p:sp>
+      <p:sp>
+        <p:nvSpPr>
+          <p:cNvPr id="5" name="Slide Number Placeholder 4"/>
+          <p:cNvSpPr>
+            <a:spLocks noGrp="1"/>
+          </p:cNvSpPr>
+          <p:nvPr>
+            <p:ph type="sldNum" sz="quarter" idx="12"/>
+          </p:nvPr>
+        </p:nvSpPr>
+        <p:spPr/>
+        <p:txBody>
+          <a:bodyPr/>
+          <a:lstStyle/>
+          <a:p>
+            <a:fld id="{629637A9-119A-49DA-BD12-AAC58B377D80}" type="slidenum">
+              <a:rPr lang="en-US" smtClean="0"/>
+              <a:t>3</a:t>
+            </a:fld>
+            <a:endParaRPr lang="en-US" dirty="0"/>
+          </a:p>
+        </p:txBody>
+      </p:sp>
+    </p:spTree>
+    <p:extLst>
+      <p:ext uri="{BB962C8B-B14F-4D97-AF65-F5344CB8AC3E}">
+        <p14:creationId xmlns:p14="http://schemas.microsoft.com/office/powerpoint/2010/main" val="2135422581"/>
+      </p:ext>
+    </p:extLst>
+  </p:cSld>
+  <p:clrMapOvr>
+    <a:masterClrMapping/>
+  </p:clrMapOvr>
+  <p:timing>
+    <p:tnLst>
+      <p:par>
+        <p:cTn id="1" dur="indefinite" restart="never" nodeType="tmRoot"/>
+      </p:par>
+    </p:tnLst>
+  </p:timing>
+</p:sld>
+</file>
+
+<file path=ppt/slides/slide4.xml><?xml version="1.0" encoding="utf-8"?>
+<p:sld xmlns:a="http://schemas.openxmlformats.org/drawingml/2006/main" xmlns:r="http://schemas.openxmlformats.org/officeDocument/2006/relationships" xmlns:p="http://schemas.openxmlformats.org/presentationml/2006/main">
+  <p:cSld>
+    <p:bg>
+      <p:bgPr>
+        <a:solidFill>
+          <a:schemeClr val="bg1"/>
+        </a:solidFill>
+        <a:effectLst/>
+      </p:bgPr>
+    </p:bg>
+    <p:spTree>
+      <p:nvGrpSpPr>
+        <p:cNvPr id="1" name=""/>
+        <p:cNvGrpSpPr/>
+        <p:nvPr/>
+      </p:nvGrpSpPr>
+      <p:grpSpPr>
+        <a:xfrm>
+          <a:off x="0" y="0"/>
+          <a:ext cx="0" cy="0"/>
+          <a:chOff x="0" y="0"/>
+          <a:chExt cx="0" cy="0"/>
+        </a:xfrm>
+      </p:grpSpPr>
+      <p:sp>
+        <p:nvSpPr>
+          <p:cNvPr id="4" name="Date Placeholder 3"/>
+          <p:cNvSpPr>
+            <a:spLocks noGrp="1"/>
+          </p:cNvSpPr>
+          <p:nvPr>
+            <p:ph type="dt" sz="half" idx="10"/>
+          </p:nvPr>
+        </p:nvSpPr>
+        <p:spPr/>
+        <p:txBody>
+          <a:bodyPr/>
+          <a:lstStyle/>
+          <a:p>
+            <a:fld id="{2841E56E-AA48-453C-84FC-9CDE07CBEE48}" type="datetime1">
+              <a:rPr lang="en-US" smtClean="0"/>
+              <a:t>3/18/2015</a:t>
+            </a:fld>
+            <a:endParaRPr lang="en-US" dirty="0"/>
+          </a:p>
+        </p:txBody>
+      </p:sp>
+      <p:sp>
+        <p:nvSpPr>
+          <p:cNvPr id="5" name="Slide Number Placeholder 4"/>
+          <p:cNvSpPr>
+            <a:spLocks noGrp="1"/>
+          </p:cNvSpPr>
+          <p:nvPr>
+            <p:ph type="sldNum" sz="quarter" idx="12"/>
+          </p:nvPr>
+        </p:nvSpPr>
+        <p:spPr/>
+        <p:txBody>
+          <a:bodyPr/>
+          <a:lstStyle/>
+          <a:p>
+            <a:fld id="{629637A9-119A-49DA-BD12-AAC58B377D80}" type="slidenum">
+              <a:rPr lang="en-US" smtClean="0"/>
+              <a:t>4</a:t>
+            </a:fld>
+            <a:endParaRPr lang="en-US" dirty="0"/>
+          </a:p>
+        </p:txBody>
+      </p:sp>
+      <p:graphicFrame>
+        <p:nvGraphicFramePr>
+          <p:cNvPr id="6" name="Diagram 5"/>
+          <p:cNvGraphicFramePr/>
+          <p:nvPr>
+            <p:extLst>
+              <p:ext uri="{D42A27DB-BD31-4B8C-83A1-F6EECF244321}">
+                <p14:modId xmlns:p14="http://schemas.microsoft.com/office/powerpoint/2010/main" val="652490525"/>
+              </p:ext>
+            </p:extLst>
+          </p:nvPr>
+        </p:nvGraphicFramePr>
+        <p:xfrm>
+          <a:off x="1357745" y="110838"/>
+          <a:ext cx="9494983" cy="6092152"/>
+        </p:xfrm>
+        <a:graphic>
+          <a:graphicData uri="http://schemas.openxmlformats.org/drawingml/2006/diagram">
+            <dgm:relIds xmlns:dgm="http://schemas.openxmlformats.org/drawingml/2006/diagram" xmlns:r="http://schemas.openxmlformats.org/officeDocument/2006/relationships" r:dm="rId3" r:lo="rId4" r:qs="rId5" r:cs="rId6"/>
+          </a:graphicData>
+        </a:graphic>
+      </p:graphicFrame>
+    </p:spTree>
+    <p:extLst>
+      <p:ext uri="{BB962C8B-B14F-4D97-AF65-F5344CB8AC3E}">
+        <p14:creationId xmlns:p14="http://schemas.microsoft.com/office/powerpoint/2010/main" val="2094744124"/>
+      </p:ext>
+    </p:extLst>
+  </p:cSld>
+  <p:clrMapOvr>
+    <a:masterClrMapping/>
+  </p:clrMapOvr>
+  <p:timing>
+    <p:tnLst>
+      <p:par>
+        <p:cTn id="1" dur="indefinite" restart="never" nodeType="tmRoot"/>
+      </p:par>
+    </p:tnLst>
+  </p:timing>
+</p:sld>
+</file>
+
+<file path=ppt/slides/slide5.xml><?xml version="1.0" encoding="utf-8"?>
+<p:sld xmlns:a="http://schemas.openxmlformats.org/drawingml/2006/main" xmlns:r="http://schemas.openxmlformats.org/officeDocument/2006/relationships" xmlns:p="http://schemas.openxmlformats.org/presentationml/2006/main">
+  <p:cSld>
+    <p:spTree>
+      <p:nvGrpSpPr>
+        <p:cNvPr id="1" name=""/>
+        <p:cNvGrpSpPr/>
+        <p:nvPr/>
+      </p:nvGrpSpPr>
+      <p:grpSpPr>
+        <a:xfrm>
+          <a:off x="0" y="0"/>
+          <a:ext cx="0" cy="0"/>
+          <a:chOff x="0" y="0"/>
+          <a:chExt cx="0" cy="0"/>
+        </a:xfrm>
+      </p:grpSpPr>
+      <p:sp>
+        <p:nvSpPr>
+          <p:cNvPr id="2" name="Title 1"/>
+          <p:cNvSpPr>
+            <a:spLocks noGrp="1"/>
+          </p:cNvSpPr>
+          <p:nvPr>
+            <p:ph type="title"/>
+          </p:nvPr>
+        </p:nvSpPr>
+        <p:spPr/>
+        <p:txBody>
+          <a:bodyPr/>
+          <a:lstStyle/>
+          <a:p>
+            <a:r>
+              <a:rPr lang="en-IN" dirty="0" smtClean="0"/>
+              <a:t>Dataset Analysis</a:t>
+            </a:r>
+            <a:endParaRPr lang="en-IN" dirty="0"/>
+          </a:p>
+        </p:txBody>
+      </p:sp>
+      <p:sp>
+        <p:nvSpPr>
+          <p:cNvPr id="3" name="Content Placeholder 2"/>
+          <p:cNvSpPr>
+            <a:spLocks noGrp="1"/>
+          </p:cNvSpPr>
+          <p:nvPr>
+            <p:ph idx="1"/>
+          </p:nvPr>
+        </p:nvSpPr>
+        <p:spPr/>
+        <p:txBody>
+          <a:bodyPr>
+            <a:normAutofit/>
+          </a:bodyPr>
+          <a:lstStyle/>
+          <a:p>
+            <a:r>
+              <a:rPr lang="en-IN" sz="2400" dirty="0" smtClean="0"/>
+              <a:t>PASCAL-S</a:t>
+            </a:r>
+          </a:p>
+          <a:p>
+            <a:r>
+              <a:rPr lang="en-IN" dirty="0"/>
+              <a:t>PASCAL-S dataset is built on the validation set of the </a:t>
+            </a:r>
+            <a:r>
+              <a:rPr lang="en-IN" dirty="0">
+                <a:hlinkClick r:id="rId2"/>
+              </a:rPr>
+              <a:t>PASCAL VOC </a:t>
+            </a:r>
+            <a:r>
+              <a:rPr lang="en-IN" dirty="0" smtClean="0">
+                <a:hlinkClick r:id="rId2"/>
+              </a:rPr>
+              <a:t>2010 </a:t>
+            </a:r>
+            <a:r>
+              <a:rPr lang="en-IN" dirty="0"/>
+              <a:t>segmentation </a:t>
+            </a:r>
+            <a:r>
+              <a:rPr lang="en-IN" dirty="0" smtClean="0"/>
+              <a:t>challenge.</a:t>
+            </a:r>
+            <a:r>
+              <a:rPr lang="en-IN" dirty="0"/>
+              <a:t> </a:t>
+            </a:r>
+            <a:r>
+              <a:rPr lang="en-IN" dirty="0" smtClean="0"/>
+              <a:t>This </a:t>
+            </a:r>
+            <a:r>
+              <a:rPr lang="fr-FR" dirty="0" smtClean="0"/>
+              <a:t>subset </a:t>
+            </a:r>
+            <a:r>
+              <a:rPr lang="fr-FR" dirty="0"/>
+              <a:t>contains 850 natural </a:t>
+            </a:r>
+            <a:r>
+              <a:rPr lang="fr-FR" dirty="0" smtClean="0"/>
+              <a:t>images.</a:t>
+            </a:r>
+          </a:p>
+          <a:p>
+            <a:r>
+              <a:rPr lang="en-IN" dirty="0"/>
+              <a:t>In the </a:t>
+            </a:r>
+            <a:r>
+              <a:rPr lang="en-IN" dirty="0" smtClean="0"/>
+              <a:t>fixation </a:t>
+            </a:r>
+            <a:r>
+              <a:rPr lang="en-IN" dirty="0"/>
+              <a:t>experiment, 8 subjects were instructed to perform the </a:t>
+            </a:r>
+            <a:r>
+              <a:rPr lang="en-IN" dirty="0" smtClean="0"/>
+              <a:t>“freeviewing“ task </a:t>
+            </a:r>
+            <a:r>
+              <a:rPr lang="en-IN" dirty="0"/>
+              <a:t>to explore the images. Each image was presented for 2 seconds, and eye-tracking re-calibration </a:t>
+            </a:r>
+            <a:r>
+              <a:rPr lang="en-IN" dirty="0" smtClean="0"/>
+              <a:t>was performed </a:t>
+            </a:r>
+            <a:r>
+              <a:rPr lang="en-IN" dirty="0"/>
+              <a:t>on every 25 images. The eye gaze data was sampled using Eyelink 1000 eye-tracker, at 125Hz</a:t>
+            </a:r>
+            <a:r>
+              <a:rPr lang="en-IN" dirty="0" smtClean="0"/>
+              <a:t>.</a:t>
+            </a:r>
+          </a:p>
+          <a:p>
+            <a:r>
+              <a:rPr lang="en-IN" dirty="0"/>
+              <a:t>In </a:t>
+            </a:r>
+            <a:r>
+              <a:rPr lang="en-IN" dirty="0" smtClean="0"/>
+              <a:t>the salient </a:t>
+            </a:r>
+            <a:r>
+              <a:rPr lang="en-IN" dirty="0"/>
+              <a:t>object segmentation experiment, we </a:t>
+            </a:r>
+            <a:r>
+              <a:rPr lang="en-IN" dirty="0" smtClean="0"/>
+              <a:t>first </a:t>
+            </a:r>
+            <a:r>
+              <a:rPr lang="en-IN" dirty="0"/>
+              <a:t>manually perform a full segmentation to crop out all objects </a:t>
+            </a:r>
+            <a:r>
+              <a:rPr lang="en-IN" dirty="0" smtClean="0"/>
+              <a:t>in the image. Then the 12 subjects label them. </a:t>
+            </a:r>
+            <a:r>
+              <a:rPr lang="en-IN" dirty="0"/>
+              <a:t>The </a:t>
+            </a:r>
+            <a:r>
+              <a:rPr lang="en-IN" dirty="0" smtClean="0"/>
+              <a:t>final </a:t>
+            </a:r>
+            <a:r>
+              <a:rPr lang="en-IN" dirty="0"/>
+              <a:t>saliency value </a:t>
+            </a:r>
+            <a:r>
+              <a:rPr lang="en-IN" dirty="0" smtClean="0"/>
+              <a:t>of each </a:t>
+            </a:r>
+            <a:r>
+              <a:rPr lang="en-IN" dirty="0"/>
+              <a:t>segment is the total number of click it receives, divided by the number </a:t>
+            </a:r>
+            <a:r>
+              <a:rPr lang="en-IN" dirty="0" smtClean="0"/>
+              <a:t>of subjects</a:t>
+            </a:r>
+            <a:r>
+              <a:rPr lang="en-IN" dirty="0"/>
+              <a:t>.</a:t>
+            </a:r>
+            <a:endParaRPr lang="en-IN" dirty="0" smtClean="0"/>
+          </a:p>
+        </p:txBody>
+      </p:sp>
+      <p:sp>
+        <p:nvSpPr>
+          <p:cNvPr id="4" name="Date Placeholder 3"/>
+          <p:cNvSpPr>
+            <a:spLocks noGrp="1"/>
+          </p:cNvSpPr>
+          <p:nvPr>
+            <p:ph type="dt" sz="half" idx="10"/>
+          </p:nvPr>
+        </p:nvSpPr>
+        <p:spPr/>
+        <p:txBody>
+          <a:bodyPr/>
+          <a:lstStyle/>
+          <a:p>
+            <a:fld id="{A29AF085-5AAD-4C7D-95D1-7BF3FF3E9ADA}" type="datetime1">
+              <a:rPr lang="en-US" smtClean="0"/>
+              <a:t>3/18/2015</a:t>
+            </a:fld>
+            <a:endParaRPr lang="en-US" dirty="0"/>
+          </a:p>
+        </p:txBody>
+      </p:sp>
+      <p:sp>
+        <p:nvSpPr>
+          <p:cNvPr id="5" name="Slide Number Placeholder 4"/>
+          <p:cNvSpPr>
+            <a:spLocks noGrp="1"/>
+          </p:cNvSpPr>
+          <p:nvPr>
+            <p:ph type="sldNum" sz="quarter" idx="12"/>
+          </p:nvPr>
+        </p:nvSpPr>
+        <p:spPr/>
+        <p:txBody>
+          <a:bodyPr/>
+          <a:lstStyle/>
+          <a:p>
+            <a:fld id="{629637A9-119A-49DA-BD12-AAC58B377D80}" type="slidenum">
+              <a:rPr lang="en-US" smtClean="0"/>
+              <a:t>5</a:t>
+            </a:fld>
+            <a:endParaRPr lang="en-US" dirty="0"/>
+          </a:p>
+        </p:txBody>
+      </p:sp>
+    </p:spTree>
+    <p:extLst>
+      <p:ext uri="{BB962C8B-B14F-4D97-AF65-F5344CB8AC3E}">
+        <p14:creationId xmlns:p14="http://schemas.microsoft.com/office/powerpoint/2010/main" val="2219262029"/>
+      </p:ext>
+    </p:extLst>
+  </p:cSld>
+  <p:clrMapOvr>
+    <a:masterClrMapping/>
+  </p:clrMapOvr>
+  <p:timing>
+    <p:tnLst>
+      <p:par>
+        <p:cTn id="1" dur="indefinite" restart="never" nodeType="tmRoot"/>
+      </p:par>
+    </p:tnLst>
+  </p:timing>
+</p:sld>
+</file>
+
+<file path=ppt/slides/slide6.xml><?xml version="1.0" encoding="utf-8"?>
+<p:sld xmlns:a="http://schemas.openxmlformats.org/drawingml/2006/main" xmlns:r="http://schemas.openxmlformats.org/officeDocument/2006/relationships" xmlns:p="http://schemas.openxmlformats.org/presentationml/2006/main">
+  <p:cSld>
+    <p:spTree>
+      <p:nvGrpSpPr>
+        <p:cNvPr id="1" name=""/>
+        <p:cNvGrpSpPr/>
+        <p:nvPr/>
+      </p:nvGrpSpPr>
+      <p:grpSpPr>
+        <a:xfrm>
+          <a:off x="0" y="0"/>
+          <a:ext cx="0" cy="0"/>
+          <a:chOff x="0" y="0"/>
+          <a:chExt cx="0" cy="0"/>
+        </a:xfrm>
+      </p:grpSpPr>
+      <p:pic>
+        <p:nvPicPr>
+          <p:cNvPr id="2" name="Picture 1"/>
+          <p:cNvPicPr>
+            <a:picLocks noChangeAspect="1"/>
+          </p:cNvPicPr>
+          <p:nvPr/>
+        </p:nvPicPr>
+        <p:blipFill>
+          <a:blip r:embed="rId2">
+            <a:extLst>
+              <a:ext uri="{28A0092B-C50C-407E-A947-70E740481C1C}">
+                <a14:useLocalDpi xmlns:a14="http://schemas.microsoft.com/office/drawing/2010/main" val="0"/>
+              </a:ext>
+            </a:extLst>
+          </a:blip>
+          <a:stretch>
+            <a:fillRect/>
+          </a:stretch>
+        </p:blipFill>
+        <p:spPr>
+          <a:xfrm>
+            <a:off x="1174751" y="325582"/>
+            <a:ext cx="3150450" cy="2362837"/>
+          </a:xfrm>
+          <a:prstGeom prst="rect">
+            <a:avLst/>
+          </a:prstGeom>
+        </p:spPr>
+      </p:pic>
+      <p:pic>
+        <p:nvPicPr>
+          <p:cNvPr id="3" name="Picture 2"/>
+          <p:cNvPicPr>
+            <a:picLocks noChangeAspect="1"/>
+          </p:cNvPicPr>
+          <p:nvPr/>
+        </p:nvPicPr>
+        <p:blipFill>
+          <a:blip r:embed="rId3">
+            <a:extLst>
+              <a:ext uri="{28A0092B-C50C-407E-A947-70E740481C1C}">
+                <a14:useLocalDpi xmlns:a14="http://schemas.microsoft.com/office/drawing/2010/main" val="0"/>
+              </a:ext>
+            </a:extLst>
+          </a:blip>
+          <a:stretch>
+            <a:fillRect/>
+          </a:stretch>
+        </p:blipFill>
+        <p:spPr>
+          <a:xfrm>
+            <a:off x="1174751" y="3391218"/>
+            <a:ext cx="3150450" cy="2362837"/>
+          </a:xfrm>
+          <a:prstGeom prst="rect">
+            <a:avLst/>
+          </a:prstGeom>
+        </p:spPr>
+      </p:pic>
+      <p:pic>
+        <p:nvPicPr>
+          <p:cNvPr id="4" name="Picture 3"/>
+          <p:cNvPicPr>
+            <a:picLocks noChangeAspect="1"/>
+          </p:cNvPicPr>
+          <p:nvPr/>
+        </p:nvPicPr>
+        <p:blipFill>
+          <a:blip r:embed="rId4">
+            <a:extLst>
+              <a:ext uri="{28A0092B-C50C-407E-A947-70E740481C1C}">
+                <a14:useLocalDpi xmlns:a14="http://schemas.microsoft.com/office/drawing/2010/main" val="0"/>
+              </a:ext>
+            </a:extLst>
+          </a:blip>
+          <a:stretch>
+            <a:fillRect/>
+          </a:stretch>
+        </p:blipFill>
+        <p:spPr>
+          <a:xfrm>
+            <a:off x="6881426" y="325581"/>
+            <a:ext cx="3150450" cy="2362837"/>
+          </a:xfrm>
+          <a:prstGeom prst="rect">
+            <a:avLst/>
+          </a:prstGeom>
+        </p:spPr>
+      </p:pic>
+      <p:pic>
+        <p:nvPicPr>
+          <p:cNvPr id="5" name="Picture 4"/>
+          <p:cNvPicPr>
+            <a:picLocks noChangeAspect="1"/>
+          </p:cNvPicPr>
+          <p:nvPr/>
+        </p:nvPicPr>
+        <p:blipFill>
+          <a:blip r:embed="rId5">
+            <a:extLst>
+              <a:ext uri="{28A0092B-C50C-407E-A947-70E740481C1C}">
+                <a14:useLocalDpi xmlns:a14="http://schemas.microsoft.com/office/drawing/2010/main" val="0"/>
+              </a:ext>
+            </a:extLst>
+          </a:blip>
+          <a:stretch>
+            <a:fillRect/>
+          </a:stretch>
+        </p:blipFill>
+        <p:spPr>
+          <a:xfrm>
+            <a:off x="6881426" y="3391218"/>
+            <a:ext cx="3150450" cy="2362837"/>
+          </a:xfrm>
+          <a:prstGeom prst="rect">
+            <a:avLst/>
+          </a:prstGeom>
+        </p:spPr>
+      </p:pic>
+      <p:sp>
+        <p:nvSpPr>
+          <p:cNvPr id="6" name="TextBox 5"/>
+          <p:cNvSpPr txBox="1"/>
+          <p:nvPr/>
+        </p:nvSpPr>
+        <p:spPr>
+          <a:xfrm>
+            <a:off x="1174751" y="2852805"/>
+            <a:ext cx="2086853" cy="646331"/>
+          </a:xfrm>
+          <a:prstGeom prst="rect">
+            <a:avLst/>
+          </a:prstGeom>
+          <a:noFill/>
+        </p:spPr>
+        <p:txBody>
+          <a:bodyPr wrap="none" rtlCol="0">
+            <a:spAutoFit/>
+          </a:bodyPr>
+          <a:lstStyle/>
+          <a:p>
+            <a:pPr algn="ctr" fontAlgn="base"/>
+            <a:r>
+              <a:rPr lang="en-IN" cap="all" dirty="0">
+                <a:solidFill>
+                  <a:srgbClr val="515A5F"/>
+                </a:solidFill>
+                <a:latin typeface="BebasNeueRegular"/>
+              </a:rPr>
+              <a:t>ORIGINAL IMAGE</a:t>
+            </a:r>
+          </a:p>
+          <a:p>
+            <a:endParaRPr lang="en-IN" dirty="0"/>
+          </a:p>
+        </p:txBody>
+      </p:sp>
+      <p:sp>
+        <p:nvSpPr>
+          <p:cNvPr id="7" name="Rectangle 6"/>
+          <p:cNvSpPr/>
+          <p:nvPr/>
+        </p:nvSpPr>
+        <p:spPr>
+          <a:xfrm>
+            <a:off x="1174751" y="5905741"/>
+            <a:ext cx="1911613" cy="369332"/>
+          </a:xfrm>
+          <a:prstGeom prst="rect">
+            <a:avLst/>
+          </a:prstGeom>
+        </p:spPr>
+        <p:txBody>
+          <a:bodyPr wrap="none">
+            <a:spAutoFit/>
+          </a:bodyPr>
+          <a:lstStyle/>
+          <a:p>
+            <a:pPr algn="ctr" fontAlgn="base"/>
+            <a:r>
+              <a:rPr lang="en-IN" cap="all" dirty="0">
+                <a:solidFill>
+                  <a:srgbClr val="515A5F"/>
+                </a:solidFill>
+                <a:latin typeface="BebasNeueRegular"/>
+              </a:rPr>
+              <a:t>EYE FIXATIONS</a:t>
+            </a:r>
+            <a:endParaRPr lang="en-IN" b="0" i="0" cap="all" dirty="0">
+              <a:solidFill>
+                <a:srgbClr val="515A5F"/>
+              </a:solidFill>
+              <a:effectLst/>
+              <a:latin typeface="BebasNeueRegular"/>
+            </a:endParaRPr>
+          </a:p>
+        </p:txBody>
+      </p:sp>
+      <p:sp>
+        <p:nvSpPr>
+          <p:cNvPr id="8" name="Rectangle 7"/>
+          <p:cNvSpPr/>
+          <p:nvPr/>
+        </p:nvSpPr>
+        <p:spPr>
+          <a:xfrm>
+            <a:off x="6881426" y="2852805"/>
+            <a:ext cx="2616870" cy="369332"/>
+          </a:xfrm>
+          <a:prstGeom prst="rect">
+            <a:avLst/>
+          </a:prstGeom>
+        </p:spPr>
+        <p:txBody>
+          <a:bodyPr wrap="none">
+            <a:spAutoFit/>
+          </a:bodyPr>
+          <a:lstStyle/>
+          <a:p>
+            <a:pPr algn="ctr" fontAlgn="base"/>
+            <a:r>
+              <a:rPr lang="en-IN" cap="all" dirty="0">
+                <a:solidFill>
+                  <a:srgbClr val="515A5F"/>
+                </a:solidFill>
+                <a:latin typeface="BebasNeueRegular"/>
+              </a:rPr>
+              <a:t>FULL SEGMENTATION</a:t>
+            </a:r>
+            <a:endParaRPr lang="en-IN" b="0" i="0" cap="all" dirty="0">
+              <a:solidFill>
+                <a:srgbClr val="515A5F"/>
+              </a:solidFill>
+              <a:effectLst/>
+              <a:latin typeface="BebasNeueRegular"/>
+            </a:endParaRPr>
+          </a:p>
+        </p:txBody>
+      </p:sp>
+      <p:sp>
+        <p:nvSpPr>
+          <p:cNvPr id="9" name="Rectangle 8"/>
+          <p:cNvSpPr/>
+          <p:nvPr/>
+        </p:nvSpPr>
+        <p:spPr>
+          <a:xfrm>
+            <a:off x="6881426" y="5923136"/>
+            <a:ext cx="2984792" cy="369332"/>
+          </a:xfrm>
+          <a:prstGeom prst="rect">
+            <a:avLst/>
+          </a:prstGeom>
+        </p:spPr>
+        <p:txBody>
+          <a:bodyPr wrap="none">
+            <a:spAutoFit/>
+          </a:bodyPr>
+          <a:lstStyle/>
+          <a:p>
+            <a:pPr algn="ctr" fontAlgn="base"/>
+            <a:r>
+              <a:rPr lang="en-IN" cap="all" dirty="0">
+                <a:solidFill>
+                  <a:srgbClr val="515A5F"/>
+                </a:solidFill>
+                <a:latin typeface="BebasNeueRegular"/>
+              </a:rPr>
+              <a:t>SALIENT OBJECT MASKS</a:t>
+            </a:r>
+            <a:endParaRPr lang="en-IN" b="0" i="0" cap="all" dirty="0">
+              <a:solidFill>
+                <a:srgbClr val="515A5F"/>
+              </a:solidFill>
+              <a:effectLst/>
+              <a:latin typeface="BebasNeueRegular"/>
+            </a:endParaRPr>
+          </a:p>
+        </p:txBody>
+      </p:sp>
+      <p:sp>
+        <p:nvSpPr>
+          <p:cNvPr id="10" name="Date Placeholder 9"/>
+          <p:cNvSpPr>
+            <a:spLocks noGrp="1"/>
+          </p:cNvSpPr>
+          <p:nvPr>
+            <p:ph type="dt" sz="half" idx="10"/>
+          </p:nvPr>
+        </p:nvSpPr>
+        <p:spPr/>
+        <p:txBody>
+          <a:bodyPr/>
+          <a:lstStyle/>
+          <a:p>
+            <a:fld id="{9C421A99-3FF4-4ACE-9291-7A9F4C41AD1D}" type="datetime1">
+              <a:rPr lang="en-US" smtClean="0"/>
+              <a:t>3/18/2015</a:t>
+            </a:fld>
+            <a:endParaRPr lang="en-US" dirty="0"/>
+          </a:p>
+        </p:txBody>
+      </p:sp>
+      <p:sp>
+        <p:nvSpPr>
+          <p:cNvPr id="11" name="Slide Number Placeholder 10"/>
+          <p:cNvSpPr>
+            <a:spLocks noGrp="1"/>
+          </p:cNvSpPr>
+          <p:nvPr>
+            <p:ph type="sldNum" sz="quarter" idx="12"/>
+          </p:nvPr>
+        </p:nvSpPr>
+        <p:spPr/>
+        <p:txBody>
+          <a:bodyPr/>
+          <a:lstStyle/>
+          <a:p>
+            <a:fld id="{4FAB73BC-B049-4115-A692-8D63A059BFB8}" type="slidenum">
+              <a:rPr lang="en-US" smtClean="0"/>
+              <a:pPr/>
+              <a:t>6</a:t>
+            </a:fld>
+            <a:endParaRPr lang="en-US" dirty="0"/>
+          </a:p>
+        </p:txBody>
+      </p:sp>
+    </p:spTree>
+    <p:extLst>
+      <p:ext uri="{BB962C8B-B14F-4D97-AF65-F5344CB8AC3E}">
+        <p14:creationId xmlns:p14="http://schemas.microsoft.com/office/powerpoint/2010/main" val="1319977624"/>
+      </p:ext>
+    </p:extLst>
+  </p:cSld>
+  <p:clrMapOvr>
+    <a:masterClrMapping/>
+  </p:clrMapOvr>
+  <p:timing>
+    <p:tnLst>
+      <p:par>
+        <p:cTn id="1" dur="indefinite" restart="never" nodeType="tmRoot"/>
+      </p:par>
+    </p:tnLst>
+  </p:timing>
+</p:sld>
+</file>
+
+<file path=ppt/slides/slide7.xml><?xml version="1.0" encoding="utf-8"?>
+<p:sld xmlns:a="http://schemas.openxmlformats.org/drawingml/2006/main" xmlns:r="http://schemas.openxmlformats.org/officeDocument/2006/relationships" xmlns:p="http://schemas.openxmlformats.org/presentationml/2006/main">
+  <p:cSld>
+    <p:spTree>
+      <p:nvGrpSpPr>
+        <p:cNvPr id="1" name=""/>
+        <p:cNvGrpSpPr/>
+        <p:nvPr/>
+      </p:nvGrpSpPr>
+      <p:grpSpPr>
+        <a:xfrm>
+          <a:off x="0" y="0"/>
+          <a:ext cx="0" cy="0"/>
+          <a:chOff x="0" y="0"/>
+          <a:chExt cx="0" cy="0"/>
+        </a:xfrm>
+      </p:grpSpPr>
+      <p:sp>
+        <p:nvSpPr>
+          <p:cNvPr id="2" name="Date Placeholder 1"/>
+          <p:cNvSpPr>
+            <a:spLocks noGrp="1"/>
+          </p:cNvSpPr>
+          <p:nvPr>
+            <p:ph type="dt" sz="half" idx="10"/>
+          </p:nvPr>
+        </p:nvSpPr>
+        <p:spPr/>
+        <p:txBody>
+          <a:bodyPr/>
+          <a:lstStyle/>
+          <a:p>
+            <a:fld id="{7D09FDB1-1B73-4210-9996-D66F12821A15}" type="datetime1">
+              <a:rPr lang="en-US" smtClean="0"/>
+              <a:t>3/18/2015</a:t>
+            </a:fld>
+            <a:endParaRPr lang="en-US" dirty="0"/>
+          </a:p>
+        </p:txBody>
+      </p:sp>
+      <p:sp>
+        <p:nvSpPr>
+          <p:cNvPr id="3" name="Slide Number Placeholder 2"/>
+          <p:cNvSpPr>
+            <a:spLocks noGrp="1"/>
+          </p:cNvSpPr>
+          <p:nvPr>
+            <p:ph type="sldNum" sz="quarter" idx="12"/>
+          </p:nvPr>
+        </p:nvSpPr>
+        <p:spPr/>
+        <p:txBody>
+          <a:bodyPr/>
+          <a:lstStyle/>
+          <a:p>
+            <a:fld id="{4FAB73BC-B049-4115-A692-8D63A059BFB8}" type="slidenum">
+              <a:rPr lang="en-US" smtClean="0"/>
+              <a:pPr/>
+              <a:t>7</a:t>
+            </a:fld>
+            <a:endParaRPr lang="en-US" dirty="0"/>
+          </a:p>
+        </p:txBody>
+      </p:sp>
+      <p:sp>
+        <p:nvSpPr>
+          <p:cNvPr id="8" name="Content Placeholder 2"/>
+          <p:cNvSpPr txBox="1">
+            <a:spLocks/>
+          </p:cNvSpPr>
+          <p:nvPr/>
+        </p:nvSpPr>
+        <p:spPr>
+          <a:xfrm>
+            <a:off x="1097280" y="457200"/>
+            <a:ext cx="10058400" cy="5411894"/>
+          </a:xfrm>
+          <a:prstGeom prst="rect">
+            <a:avLst/>
+          </a:prstGeom>
+        </p:spPr>
+        <p:txBody>
+          <a:bodyPr>
+            <a:normAutofit/>
+          </a:bodyPr>
+          <a:lstStyle>
+            <a:lvl1pPr marL="91440" indent="-91440" algn="l" defTabSz="914400" rtl="0" eaLnBrk="1" latinLnBrk="0" hangingPunct="1">
+              <a:lnSpc>
+                <a:spcPct val="90000"/>
+              </a:lnSpc>
+              <a:spcBef>
+                <a:spcPts val="1200"/>
+              </a:spcBef>
+              <a:spcAft>
+                <a:spcPts val="200"/>
+              </a:spcAft>
+              <a:buClr>
+                <a:schemeClr val="accent1"/>
+              </a:buClr>
+              <a:buSzPct val="100000"/>
+              <a:buFont typeface="Calibri" panose="020F0502020204030204" pitchFamily="34" charset="0"/>
+              <a:buChar char=" "/>
+              <a:defRPr sz="2000" kern="1200">
+                <a:solidFill>
+                  <a:schemeClr val="tx1">
+                    <a:lumMod val="75000"/>
+                    <a:lumOff val="25000"/>
+                  </a:schemeClr>
+                </a:solidFill>
+                <a:latin typeface="+mn-lt"/>
+                <a:ea typeface="+mn-ea"/>
+                <a:cs typeface="+mn-cs"/>
+              </a:defRPr>
+            </a:lvl1pPr>
+            <a:lvl2pPr marL="384048" indent="-182880" algn="l" defTabSz="914400" rtl="0" eaLnBrk="1" latinLnBrk="0" hangingPunct="1">
+              <a:lnSpc>
+                <a:spcPct val="90000"/>
+              </a:lnSpc>
+              <a:spcBef>
+                <a:spcPts val="200"/>
+              </a:spcBef>
+              <a:spcAft>
+                <a:spcPts val="400"/>
+              </a:spcAft>
+              <a:buClr>
+                <a:schemeClr val="accent1"/>
+              </a:buClr>
+              <a:buFont typeface="Calibri" pitchFamily="34" charset="0"/>
+              <a:buChar char="◦"/>
+              <a:defRPr sz="1800" kern="1200">
+                <a:solidFill>
+                  <a:schemeClr val="tx1">
+                    <a:lumMod val="75000"/>
+                    <a:lumOff val="25000"/>
+                  </a:schemeClr>
+                </a:solidFill>
+                <a:latin typeface="+mn-lt"/>
+                <a:ea typeface="+mn-ea"/>
+                <a:cs typeface="+mn-cs"/>
+              </a:defRPr>
+            </a:lvl2pPr>
+            <a:lvl3pPr marL="566928" indent="-182880" algn="l" defTabSz="914400" rtl="0" eaLnBrk="1" latinLnBrk="0" hangingPunct="1">
+              <a:lnSpc>
+                <a:spcPct val="90000"/>
+              </a:lnSpc>
+              <a:spcBef>
+                <a:spcPts val="200"/>
+              </a:spcBef>
+              <a:spcAft>
+                <a:spcPts val="400"/>
+              </a:spcAft>
+              <a:buClr>
+                <a:schemeClr val="accent1"/>
+              </a:buClr>
+              <a:buFont typeface="Calibri" pitchFamily="34" charset="0"/>
+              <a:buChar char="◦"/>
+              <a:defRPr sz="1400" kern="1200">
+                <a:solidFill>
+                  <a:schemeClr val="tx1">
+                    <a:lumMod val="75000"/>
+                    <a:lumOff val="25000"/>
+                  </a:schemeClr>
+                </a:solidFill>
+                <a:latin typeface="+mn-lt"/>
+                <a:ea typeface="+mn-ea"/>
+                <a:cs typeface="+mn-cs"/>
+              </a:defRPr>
+            </a:lvl3pPr>
+            <a:lvl4pPr marL="749808" indent="-182880" algn="l" defTabSz="914400" rtl="0" eaLnBrk="1" latinLnBrk="0" hangingPunct="1">
+              <a:lnSpc>
+                <a:spcPct val="90000"/>
+              </a:lnSpc>
+              <a:spcBef>
+                <a:spcPts val="200"/>
+              </a:spcBef>
+              <a:spcAft>
+                <a:spcPts val="400"/>
+              </a:spcAft>
+              <a:buClr>
+                <a:schemeClr val="accent1"/>
+              </a:buClr>
+              <a:buFont typeface="Calibri" pitchFamily="34" charset="0"/>
+              <a:buChar char="◦"/>
+              <a:defRPr sz="1400" kern="1200">
+                <a:solidFill>
+                  <a:schemeClr val="tx1">
+                    <a:lumMod val="75000"/>
+                    <a:lumOff val="25000"/>
+                  </a:schemeClr>
+                </a:solidFill>
+                <a:latin typeface="+mn-lt"/>
+                <a:ea typeface="+mn-ea"/>
+                <a:cs typeface="+mn-cs"/>
+              </a:defRPr>
+            </a:lvl4pPr>
+            <a:lvl5pPr marL="932688" indent="-182880" algn="l" defTabSz="914400" rtl="0" eaLnBrk="1" latinLnBrk="0" hangingPunct="1">
+              <a:lnSpc>
+                <a:spcPct val="90000"/>
+              </a:lnSpc>
+              <a:spcBef>
+                <a:spcPts val="200"/>
+              </a:spcBef>
+              <a:spcAft>
+                <a:spcPts val="400"/>
+              </a:spcAft>
+              <a:buClr>
+                <a:schemeClr val="accent1"/>
+              </a:buClr>
+              <a:buFont typeface="Calibri" pitchFamily="34" charset="0"/>
+              <a:buChar char="◦"/>
+              <a:defRPr sz="1400" kern="1200">
+                <a:solidFill>
+                  <a:schemeClr val="tx1">
+                    <a:lumMod val="75000"/>
+                    <a:lumOff val="25000"/>
+                  </a:schemeClr>
+                </a:solidFill>
+                <a:latin typeface="+mn-lt"/>
+                <a:ea typeface="+mn-ea"/>
+                <a:cs typeface="+mn-cs"/>
+              </a:defRPr>
+            </a:lvl5pPr>
+            <a:lvl6pPr marL="1100000" indent="-228600" algn="l" defTabSz="914400" rtl="0" eaLnBrk="1" latinLnBrk="0" hangingPunct="1">
+              <a:lnSpc>
+                <a:spcPct val="90000"/>
+              </a:lnSpc>
+              <a:spcBef>
+                <a:spcPts val="200"/>
+              </a:spcBef>
+              <a:spcAft>
+                <a:spcPts val="400"/>
+              </a:spcAft>
+              <a:buClr>
+                <a:schemeClr val="accent1"/>
+              </a:buClr>
+              <a:buFont typeface="Calibri" pitchFamily="34" charset="0"/>
+              <a:buChar char="◦"/>
+              <a:defRPr sz="1400" kern="1200">
+                <a:solidFill>
+                  <a:schemeClr val="tx1">
+                    <a:lumMod val="75000"/>
+                    <a:lumOff val="25000"/>
+                  </a:schemeClr>
+                </a:solidFill>
+                <a:latin typeface="+mn-lt"/>
+                <a:ea typeface="+mn-ea"/>
+                <a:cs typeface="+mn-cs"/>
+              </a:defRPr>
+            </a:lvl6pPr>
+            <a:lvl7pPr marL="1300000" indent="-228600" algn="l" defTabSz="914400" rtl="0" eaLnBrk="1" latinLnBrk="0" hangingPunct="1">
+              <a:lnSpc>
+                <a:spcPct val="90000"/>
+              </a:lnSpc>
+              <a:spcBef>
+                <a:spcPts val="200"/>
+              </a:spcBef>
+              <a:spcAft>
+                <a:spcPts val="400"/>
+              </a:spcAft>
+              <a:buClr>
+                <a:schemeClr val="accent1"/>
+              </a:buClr>
+              <a:buFont typeface="Calibri" pitchFamily="34" charset="0"/>
+              <a:buChar char="◦"/>
+              <a:defRPr sz="1400" kern="1200">
+                <a:solidFill>
+                  <a:schemeClr val="tx1">
+                    <a:lumMod val="75000"/>
+                    <a:lumOff val="25000"/>
+                  </a:schemeClr>
+                </a:solidFill>
+                <a:latin typeface="+mn-lt"/>
+                <a:ea typeface="+mn-ea"/>
+                <a:cs typeface="+mn-cs"/>
+              </a:defRPr>
+            </a:lvl7pPr>
+            <a:lvl8pPr marL="1500000" indent="-228600" algn="l" defTabSz="914400" rtl="0" eaLnBrk="1" latinLnBrk="0" hangingPunct="1">
+              <a:lnSpc>
+                <a:spcPct val="90000"/>
+              </a:lnSpc>
+              <a:spcBef>
+                <a:spcPts val="200"/>
+              </a:spcBef>
+              <a:spcAft>
+                <a:spcPts val="400"/>
+              </a:spcAft>
+              <a:buClr>
+                <a:schemeClr val="accent1"/>
+              </a:buClr>
+              <a:buFont typeface="Calibri" pitchFamily="34" charset="0"/>
+              <a:buChar char="◦"/>
+              <a:defRPr sz="1400" kern="1200">
+                <a:solidFill>
+                  <a:schemeClr val="tx1">
+                    <a:lumMod val="75000"/>
+                    <a:lumOff val="25000"/>
+                  </a:schemeClr>
+                </a:solidFill>
+                <a:latin typeface="+mn-lt"/>
+                <a:ea typeface="+mn-ea"/>
+                <a:cs typeface="+mn-cs"/>
+              </a:defRPr>
+            </a:lvl8pPr>
+            <a:lvl9pPr marL="1700000" indent="-228600" algn="l" defTabSz="914400" rtl="0" eaLnBrk="1" latinLnBrk="0" hangingPunct="1">
+              <a:lnSpc>
+                <a:spcPct val="90000"/>
+              </a:lnSpc>
+              <a:spcBef>
+                <a:spcPts val="200"/>
+              </a:spcBef>
+              <a:spcAft>
+                <a:spcPts val="400"/>
+              </a:spcAft>
+              <a:buClr>
+                <a:schemeClr val="accent1"/>
+              </a:buClr>
+              <a:buFont typeface="Calibri" pitchFamily="34" charset="0"/>
+              <a:buChar char="◦"/>
+              <a:defRPr sz="1400" kern="1200">
+                <a:solidFill>
+                  <a:schemeClr val="tx1">
+                    <a:lumMod val="75000"/>
+                    <a:lumOff val="25000"/>
+                  </a:schemeClr>
+                </a:solidFill>
+                <a:latin typeface="+mn-lt"/>
+                <a:ea typeface="+mn-ea"/>
+                <a:cs typeface="+mn-cs"/>
+              </a:defRPr>
+            </a:lvl9pPr>
+          </a:lstStyle>
+          <a:p>
+            <a:r>
+              <a:rPr lang="en-IN" sz="2400" dirty="0" smtClean="0"/>
+              <a:t>Evaluating dataset consistency</a:t>
+            </a:r>
+          </a:p>
+          <a:p>
+            <a:r>
+              <a:rPr lang="en-IN" dirty="0"/>
+              <a:t>To compare the level of agreement among </a:t>
+            </a:r>
+            <a:r>
+              <a:rPr lang="en-IN" dirty="0" smtClean="0"/>
+              <a:t>different labellers </a:t>
+            </a:r>
+            <a:r>
+              <a:rPr lang="en-IN" dirty="0"/>
+              <a:t>in our </a:t>
+            </a:r>
+            <a:r>
+              <a:rPr lang="en-IN" dirty="0" smtClean="0"/>
+              <a:t>PASCAL-S dataset </a:t>
+            </a:r>
+            <a:r>
+              <a:rPr lang="en-IN" dirty="0"/>
+              <a:t>and other existing dataset, we randomly select 50% of the subjects as the test </a:t>
+            </a:r>
+            <a:r>
+              <a:rPr lang="en-IN" dirty="0" smtClean="0"/>
+              <a:t>subset. </a:t>
+            </a:r>
+            <a:r>
+              <a:rPr lang="en-IN" dirty="0"/>
+              <a:t>Then we </a:t>
+            </a:r>
+            <a:r>
+              <a:rPr lang="en-IN" dirty="0" smtClean="0"/>
+              <a:t>benchmark the </a:t>
+            </a:r>
+            <a:r>
+              <a:rPr lang="en-IN" dirty="0"/>
+              <a:t>saliency maps of this test subset by taking the rest subjects as the new ground-truth subset</a:t>
+            </a:r>
+            <a:r>
+              <a:rPr lang="en-IN" dirty="0" smtClean="0"/>
+              <a:t>.</a:t>
+            </a:r>
+          </a:p>
+          <a:p>
+            <a:endParaRPr lang="en-IN" dirty="0" smtClean="0"/>
+          </a:p>
+        </p:txBody>
+      </p:sp>
+      <p:pic>
+        <p:nvPicPr>
+          <p:cNvPr id="10" name="Picture 9"/>
+          <p:cNvPicPr>
+            <a:picLocks noChangeAspect="1"/>
+          </p:cNvPicPr>
+          <p:nvPr/>
+        </p:nvPicPr>
+        <p:blipFill>
+          <a:blip r:embed="rId3">
+            <a:extLst>
+              <a:ext uri="{28A0092B-C50C-407E-A947-70E740481C1C}">
+                <a14:useLocalDpi xmlns:a14="http://schemas.microsoft.com/office/drawing/2010/main" val="0"/>
+              </a:ext>
+            </a:extLst>
+          </a:blip>
+          <a:stretch>
+            <a:fillRect/>
+          </a:stretch>
+        </p:blipFill>
+        <p:spPr>
+          <a:xfrm>
+            <a:off x="2333415" y="2138534"/>
+            <a:ext cx="7808546" cy="3730560"/>
+          </a:xfrm>
+          <a:prstGeom prst="rect">
+            <a:avLst/>
+          </a:prstGeom>
+        </p:spPr>
+      </p:pic>
+    </p:spTree>
+    <p:extLst>
+      <p:ext uri="{BB962C8B-B14F-4D97-AF65-F5344CB8AC3E}">
+        <p14:creationId xmlns:p14="http://schemas.microsoft.com/office/powerpoint/2010/main" val="1025644431"/>
+      </p:ext>
+    </p:extLst>
+  </p:cSld>
+  <p:clrMapOvr>
+    <a:masterClrMapping/>
+  </p:clrMapOvr>
+  <p:timing>
+    <p:tnLst>
+      <p:par>
+        <p:cTn id="1" dur="indefinite" restart="never" nodeType="tmRoot"/>
+      </p:par>
+    </p:tnLst>
+  </p:timing>
+</p:sld>
+</file>
+
+<file path=ppt/slides/slide8.xml><?xml version="1.0" encoding="utf-8"?>
+<p:sld xmlns:a="http://schemas.openxmlformats.org/drawingml/2006/main" xmlns:r="http://schemas.openxmlformats.org/officeDocument/2006/relationships" xmlns:p="http://schemas.openxmlformats.org/presentationml/2006/main">
+  <p:cSld>
+    <p:spTree>
+      <p:nvGrpSpPr>
+        <p:cNvPr id="1" name=""/>
+        <p:cNvGrpSpPr/>
+        <p:nvPr/>
+      </p:nvGrpSpPr>
+      <p:grpSpPr>
+        <a:xfrm>
+          <a:off x="0" y="0"/>
+          <a:ext cx="0" cy="0"/>
+          <a:chOff x="0" y="0"/>
+          <a:chExt cx="0" cy="0"/>
+        </a:xfrm>
+      </p:grpSpPr>
+      <p:sp>
+        <p:nvSpPr>
+          <p:cNvPr id="2" name="Date Placeholder 1"/>
+          <p:cNvSpPr>
+            <a:spLocks noGrp="1"/>
+          </p:cNvSpPr>
+          <p:nvPr>
+            <p:ph type="dt" sz="half" idx="10"/>
+          </p:nvPr>
+        </p:nvSpPr>
+        <p:spPr/>
+        <p:txBody>
+          <a:bodyPr/>
+          <a:lstStyle/>
+          <a:p>
+            <a:fld id="{276CE7E5-BBFD-496B-A1BD-9ACBD2AFD9F8}" type="datetime1">
+              <a:rPr lang="en-US" smtClean="0"/>
+              <a:t>3/18/2015</a:t>
+            </a:fld>
+            <a:endParaRPr lang="en-US" dirty="0"/>
+          </a:p>
+        </p:txBody>
+      </p:sp>
+      <p:sp>
+        <p:nvSpPr>
+          <p:cNvPr id="3" name="Slide Number Placeholder 2"/>
+          <p:cNvSpPr>
+            <a:spLocks noGrp="1"/>
+          </p:cNvSpPr>
+          <p:nvPr>
+            <p:ph type="sldNum" sz="quarter" idx="12"/>
+          </p:nvPr>
+        </p:nvSpPr>
+        <p:spPr/>
+        <p:txBody>
+          <a:bodyPr/>
+          <a:lstStyle/>
+          <a:p>
+            <a:fld id="{4FAB73BC-B049-4115-A692-8D63A059BFB8}" type="slidenum">
+              <a:rPr lang="en-US" smtClean="0"/>
+              <a:pPr/>
+              <a:t>8</a:t>
+            </a:fld>
+            <a:endParaRPr lang="en-US" dirty="0"/>
+          </a:p>
+        </p:txBody>
+      </p:sp>
+      <p:sp>
+        <p:nvSpPr>
+          <p:cNvPr id="4" name="Content Placeholder 2"/>
+          <p:cNvSpPr txBox="1">
+            <a:spLocks/>
+          </p:cNvSpPr>
+          <p:nvPr/>
+        </p:nvSpPr>
+        <p:spPr>
+          <a:xfrm>
+            <a:off x="1097280" y="457200"/>
+            <a:ext cx="10058400" cy="5411894"/>
+          </a:xfrm>
+          <a:prstGeom prst="rect">
+            <a:avLst/>
+          </a:prstGeom>
+        </p:spPr>
+        <p:txBody>
+          <a:bodyPr>
+            <a:normAutofit/>
+          </a:bodyPr>
+          <a:lstStyle>
+            <a:lvl1pPr marL="91440" indent="-91440" algn="l" defTabSz="914400" rtl="0" eaLnBrk="1" latinLnBrk="0" hangingPunct="1">
+              <a:lnSpc>
+                <a:spcPct val="90000"/>
+              </a:lnSpc>
+              <a:spcBef>
+                <a:spcPts val="1200"/>
+              </a:spcBef>
+              <a:spcAft>
+                <a:spcPts val="200"/>
+              </a:spcAft>
+              <a:buClr>
+                <a:schemeClr val="accent1"/>
+              </a:buClr>
+              <a:buSzPct val="100000"/>
+              <a:buFont typeface="Calibri" panose="020F0502020204030204" pitchFamily="34" charset="0"/>
+              <a:buChar char=" "/>
+              <a:defRPr sz="2000" kern="1200">
+                <a:solidFill>
+                  <a:schemeClr val="tx1">
+                    <a:lumMod val="75000"/>
+                    <a:lumOff val="25000"/>
+                  </a:schemeClr>
+                </a:solidFill>
+                <a:latin typeface="+mn-lt"/>
+                <a:ea typeface="+mn-ea"/>
+                <a:cs typeface="+mn-cs"/>
+              </a:defRPr>
+            </a:lvl1pPr>
+            <a:lvl2pPr marL="384048" indent="-182880" algn="l" defTabSz="914400" rtl="0" eaLnBrk="1" latinLnBrk="0" hangingPunct="1">
+              <a:lnSpc>
+                <a:spcPct val="90000"/>
+              </a:lnSpc>
+              <a:spcBef>
+                <a:spcPts val="200"/>
+              </a:spcBef>
+              <a:spcAft>
+                <a:spcPts val="400"/>
+              </a:spcAft>
+              <a:buClr>
+                <a:schemeClr val="accent1"/>
+              </a:buClr>
+              <a:buFont typeface="Calibri" pitchFamily="34" charset="0"/>
+              <a:buChar char="◦"/>
+              <a:defRPr sz="1800" kern="1200">
+                <a:solidFill>
+                  <a:schemeClr val="tx1">
+                    <a:lumMod val="75000"/>
+                    <a:lumOff val="25000"/>
+                  </a:schemeClr>
+                </a:solidFill>
+                <a:latin typeface="+mn-lt"/>
+                <a:ea typeface="+mn-ea"/>
+                <a:cs typeface="+mn-cs"/>
+              </a:defRPr>
+            </a:lvl2pPr>
+            <a:lvl3pPr marL="566928" indent="-182880" algn="l" defTabSz="914400" rtl="0" eaLnBrk="1" latinLnBrk="0" hangingPunct="1">
+              <a:lnSpc>
+                <a:spcPct val="90000"/>
+              </a:lnSpc>
+              <a:spcBef>
+                <a:spcPts val="200"/>
+              </a:spcBef>
+              <a:spcAft>
+                <a:spcPts val="400"/>
+              </a:spcAft>
+              <a:buClr>
+                <a:schemeClr val="accent1"/>
+              </a:buClr>
+              <a:buFont typeface="Calibri" pitchFamily="34" charset="0"/>
+              <a:buChar char="◦"/>
+              <a:defRPr sz="1400" kern="1200">
+                <a:solidFill>
+                  <a:schemeClr val="tx1">
+                    <a:lumMod val="75000"/>
+                    <a:lumOff val="25000"/>
+                  </a:schemeClr>
+                </a:solidFill>
+                <a:latin typeface="+mn-lt"/>
+                <a:ea typeface="+mn-ea"/>
+                <a:cs typeface="+mn-cs"/>
+              </a:defRPr>
+            </a:lvl3pPr>
+            <a:lvl4pPr marL="749808" indent="-182880" algn="l" defTabSz="914400" rtl="0" eaLnBrk="1" latinLnBrk="0" hangingPunct="1">
+              <a:lnSpc>
+                <a:spcPct val="90000"/>
+              </a:lnSpc>
+              <a:spcBef>
+                <a:spcPts val="200"/>
+              </a:spcBef>
+              <a:spcAft>
+                <a:spcPts val="400"/>
+              </a:spcAft>
+              <a:buClr>
+                <a:schemeClr val="accent1"/>
+              </a:buClr>
+              <a:buFont typeface="Calibri" pitchFamily="34" charset="0"/>
+              <a:buChar char="◦"/>
+              <a:defRPr sz="1400" kern="1200">
+                <a:solidFill>
+                  <a:schemeClr val="tx1">
+                    <a:lumMod val="75000"/>
+                    <a:lumOff val="25000"/>
+                  </a:schemeClr>
+                </a:solidFill>
+                <a:latin typeface="+mn-lt"/>
+                <a:ea typeface="+mn-ea"/>
+                <a:cs typeface="+mn-cs"/>
+              </a:defRPr>
+            </a:lvl4pPr>
+            <a:lvl5pPr marL="932688" indent="-182880" algn="l" defTabSz="914400" rtl="0" eaLnBrk="1" latinLnBrk="0" hangingPunct="1">
+              <a:lnSpc>
+                <a:spcPct val="90000"/>
+              </a:lnSpc>
+              <a:spcBef>
+                <a:spcPts val="200"/>
+              </a:spcBef>
+              <a:spcAft>
+                <a:spcPts val="400"/>
+              </a:spcAft>
+              <a:buClr>
+                <a:schemeClr val="accent1"/>
+              </a:buClr>
+              <a:buFont typeface="Calibri" pitchFamily="34" charset="0"/>
+              <a:buChar char="◦"/>
+              <a:defRPr sz="1400" kern="1200">
+                <a:solidFill>
+                  <a:schemeClr val="tx1">
+                    <a:lumMod val="75000"/>
+                    <a:lumOff val="25000"/>
+                  </a:schemeClr>
+                </a:solidFill>
+                <a:latin typeface="+mn-lt"/>
+                <a:ea typeface="+mn-ea"/>
+                <a:cs typeface="+mn-cs"/>
+              </a:defRPr>
+            </a:lvl5pPr>
+            <a:lvl6pPr marL="1100000" indent="-228600" algn="l" defTabSz="914400" rtl="0" eaLnBrk="1" latinLnBrk="0" hangingPunct="1">
+              <a:lnSpc>
+                <a:spcPct val="90000"/>
+              </a:lnSpc>
+              <a:spcBef>
+                <a:spcPts val="200"/>
+              </a:spcBef>
+              <a:spcAft>
+                <a:spcPts val="400"/>
+              </a:spcAft>
+              <a:buClr>
+                <a:schemeClr val="accent1"/>
+              </a:buClr>
+              <a:buFont typeface="Calibri" pitchFamily="34" charset="0"/>
+              <a:buChar char="◦"/>
+              <a:defRPr sz="1400" kern="1200">
+                <a:solidFill>
+                  <a:schemeClr val="tx1">
+                    <a:lumMod val="75000"/>
+                    <a:lumOff val="25000"/>
+                  </a:schemeClr>
+                </a:solidFill>
+                <a:latin typeface="+mn-lt"/>
+                <a:ea typeface="+mn-ea"/>
+                <a:cs typeface="+mn-cs"/>
+              </a:defRPr>
+            </a:lvl6pPr>
+            <a:lvl7pPr marL="1300000" indent="-228600" algn="l" defTabSz="914400" rtl="0" eaLnBrk="1" latinLnBrk="0" hangingPunct="1">
+              <a:lnSpc>
+                <a:spcPct val="90000"/>
+              </a:lnSpc>
+              <a:spcBef>
+                <a:spcPts val="200"/>
+              </a:spcBef>
+              <a:spcAft>
+                <a:spcPts val="400"/>
+              </a:spcAft>
+              <a:buClr>
+                <a:schemeClr val="accent1"/>
+              </a:buClr>
+              <a:buFont typeface="Calibri" pitchFamily="34" charset="0"/>
+              <a:buChar char="◦"/>
+              <a:defRPr sz="1400" kern="1200">
+                <a:solidFill>
+                  <a:schemeClr val="tx1">
+                    <a:lumMod val="75000"/>
+                    <a:lumOff val="25000"/>
+                  </a:schemeClr>
+                </a:solidFill>
+                <a:latin typeface="+mn-lt"/>
+                <a:ea typeface="+mn-ea"/>
+                <a:cs typeface="+mn-cs"/>
+              </a:defRPr>
+            </a:lvl7pPr>
+            <a:lvl8pPr marL="1500000" indent="-228600" algn="l" defTabSz="914400" rtl="0" eaLnBrk="1" latinLnBrk="0" hangingPunct="1">
+              <a:lnSpc>
+                <a:spcPct val="90000"/>
+              </a:lnSpc>
+              <a:spcBef>
+                <a:spcPts val="200"/>
+              </a:spcBef>
+              <a:spcAft>
+                <a:spcPts val="400"/>
+              </a:spcAft>
+              <a:buClr>
+                <a:schemeClr val="accent1"/>
+              </a:buClr>
+              <a:buFont typeface="Calibri" pitchFamily="34" charset="0"/>
+              <a:buChar char="◦"/>
+              <a:defRPr sz="1400" kern="1200">
+                <a:solidFill>
+                  <a:schemeClr val="tx1">
+                    <a:lumMod val="75000"/>
+                    <a:lumOff val="25000"/>
+                  </a:schemeClr>
+                </a:solidFill>
+                <a:latin typeface="+mn-lt"/>
+                <a:ea typeface="+mn-ea"/>
+                <a:cs typeface="+mn-cs"/>
+              </a:defRPr>
+            </a:lvl8pPr>
+            <a:lvl9pPr marL="1700000" indent="-228600" algn="l" defTabSz="914400" rtl="0" eaLnBrk="1" latinLnBrk="0" hangingPunct="1">
+              <a:lnSpc>
+                <a:spcPct val="90000"/>
+              </a:lnSpc>
+              <a:spcBef>
+                <a:spcPts val="200"/>
+              </a:spcBef>
+              <a:spcAft>
+                <a:spcPts val="400"/>
+              </a:spcAft>
+              <a:buClr>
+                <a:schemeClr val="accent1"/>
+              </a:buClr>
+              <a:buFont typeface="Calibri" pitchFamily="34" charset="0"/>
+              <a:buChar char="◦"/>
+              <a:defRPr sz="1400" kern="1200">
+                <a:solidFill>
+                  <a:schemeClr val="tx1">
+                    <a:lumMod val="75000"/>
+                    <a:lumOff val="25000"/>
+                  </a:schemeClr>
+                </a:solidFill>
+                <a:latin typeface="+mn-lt"/>
+                <a:ea typeface="+mn-ea"/>
+                <a:cs typeface="+mn-cs"/>
+              </a:defRPr>
+            </a:lvl9pPr>
+          </a:lstStyle>
+          <a:p>
+            <a:r>
+              <a:rPr lang="en-IN" sz="2400" dirty="0" smtClean="0"/>
+              <a:t>Benchmarking</a:t>
+            </a:r>
+          </a:p>
+          <a:p>
+            <a:r>
+              <a:rPr lang="en-IN" dirty="0" smtClean="0"/>
+              <a:t>The purposes </a:t>
+            </a:r>
+            <a:r>
+              <a:rPr lang="en-IN" dirty="0"/>
+              <a:t>of this analysis are: </a:t>
+            </a:r>
+          </a:p>
+          <a:p>
+            <a:pPr lvl="1">
+              <a:buFont typeface="Arial" panose="020B0604020202020204" pitchFamily="34" charset="0"/>
+              <a:buChar char="•"/>
+            </a:pPr>
+            <a:r>
               <a:rPr lang="en-IN" dirty="0"/>
               <a:t> T</a:t>
             </a:r>
@@ -10912,6 +13832,28 @@
             </a:r>
             <a:r>
               <a:rPr lang="en-IN" dirty="0"/>
+              <a:t>highlight the generalization power of </a:t>
+            </a:r>
+            <a:r>
+              <a:rPr lang="en-IN" dirty="0" smtClean="0"/>
+              <a:t>algorithms</a:t>
+            </a:r>
+          </a:p>
+          <a:p>
+            <a:pPr lvl="1">
+              <a:buFont typeface="Arial" panose="020B0604020202020204" pitchFamily="34" charset="0"/>
+              <a:buChar char="•"/>
+            </a:pPr>
+            <a:r>
+              <a:rPr lang="en-IN" dirty="0"/>
+              <a:t> T</a:t>
+            </a:r>
+            <a:r>
+              <a:rPr lang="en-IN" dirty="0" smtClean="0"/>
+              <a:t>o </a:t>
+            </a:r>
+            <a:r>
+              <a:rPr lang="en-IN" dirty="0"/>
               <a:t>investigate </a:t>
             </a:r>
             <a:r>
@@ -10926,7 +13868,6 @@
               <a:rPr lang="en-IN" dirty="0" smtClean="0"/>
               <a:t>datasets</a:t>
             </a:r>
-            <a:endParaRPr lang="en-IN" dirty="0" smtClean="0"/>
           </a:p>
         </p:txBody>
       </p:sp>
@@ -10964,6 +13905,514 @@
     <p:extLst>
       <p:ext uri="{BB962C8B-B14F-4D97-AF65-F5344CB8AC3E}">
         <p14:creationId xmlns:p14="http://schemas.microsoft.com/office/powerpoint/2010/main" val="4190608970"/>
+      </p:ext>
+    </p:extLst>
+  </p:cSld>
+  <p:clrMapOvr>
+    <a:masterClrMapping/>
+  </p:clrMapOvr>
+  <p:timing>
+    <p:tnLst>
+      <p:par>
+        <p:cTn id="1" dur="indefinite" restart="never" nodeType="tmRoot"/>
+      </p:par>
+    </p:tnLst>
+  </p:timing>
+</p:sld>
+</file>
+
+<file path=ppt/slides/slide9.xml><?xml version="1.0" encoding="utf-8"?>
+<p:sld xmlns:a="http://schemas.openxmlformats.org/drawingml/2006/main" xmlns:r="http://schemas.openxmlformats.org/officeDocument/2006/relationships" xmlns:p="http://schemas.openxmlformats.org/presentationml/2006/main">
+  <p:cSld>
+    <p:spTree>
+      <p:nvGrpSpPr>
+        <p:cNvPr id="1" name=""/>
+        <p:cNvGrpSpPr/>
+        <p:nvPr/>
+      </p:nvGrpSpPr>
+      <p:grpSpPr>
+        <a:xfrm>
+          <a:off x="0" y="0"/>
+          <a:ext cx="0" cy="0"/>
+          <a:chOff x="0" y="0"/>
+          <a:chExt cx="0" cy="0"/>
+        </a:xfrm>
+      </p:grpSpPr>
+      <p:sp>
+        <p:nvSpPr>
+          <p:cNvPr id="2" name="Date Placeholder 1"/>
+          <p:cNvSpPr>
+            <a:spLocks noGrp="1"/>
+          </p:cNvSpPr>
+          <p:nvPr>
+            <p:ph type="dt" sz="half" idx="10"/>
+          </p:nvPr>
+        </p:nvSpPr>
+        <p:spPr/>
+        <p:txBody>
+          <a:bodyPr/>
+          <a:lstStyle/>
+          <a:p>
+            <a:fld id="{276CE7E5-BBFD-496B-A1BD-9ACBD2AFD9F8}" type="datetime1">
+              <a:rPr lang="en-US" smtClean="0"/>
+              <a:t>3/18/2015</a:t>
+            </a:fld>
+            <a:endParaRPr lang="en-US" dirty="0"/>
+          </a:p>
+        </p:txBody>
+      </p:sp>
+      <p:sp>
+        <p:nvSpPr>
+          <p:cNvPr id="3" name="Slide Number Placeholder 2"/>
+          <p:cNvSpPr>
+            <a:spLocks noGrp="1"/>
+          </p:cNvSpPr>
+          <p:nvPr>
+            <p:ph type="sldNum" sz="quarter" idx="12"/>
+          </p:nvPr>
+        </p:nvSpPr>
+        <p:spPr/>
+        <p:txBody>
+          <a:bodyPr/>
+          <a:lstStyle/>
+          <a:p>
+            <a:fld id="{4FAB73BC-B049-4115-A692-8D63A059BFB8}" type="slidenum">
+              <a:rPr lang="en-US" smtClean="0"/>
+              <a:pPr/>
+              <a:t>9</a:t>
+            </a:fld>
+            <a:endParaRPr lang="en-US" dirty="0"/>
+          </a:p>
+        </p:txBody>
+      </p:sp>
+      <p:sp>
+        <p:nvSpPr>
+          <p:cNvPr id="4" name="Content Placeholder 2"/>
+          <p:cNvSpPr txBox="1">
+            <a:spLocks/>
+          </p:cNvSpPr>
+          <p:nvPr/>
+        </p:nvSpPr>
+        <p:spPr>
+          <a:xfrm>
+            <a:off x="1097280" y="457200"/>
+            <a:ext cx="10058400" cy="5411894"/>
+          </a:xfrm>
+          <a:prstGeom prst="rect">
+            <a:avLst/>
+          </a:prstGeom>
+        </p:spPr>
+        <p:txBody>
+          <a:bodyPr>
+            <a:normAutofit/>
+          </a:bodyPr>
+          <a:lstStyle>
+            <a:lvl1pPr marL="91440" indent="-91440" algn="l" defTabSz="914400" rtl="0" eaLnBrk="1" latinLnBrk="0" hangingPunct="1">
+              <a:lnSpc>
+                <a:spcPct val="90000"/>
+              </a:lnSpc>
+              <a:spcBef>
+                <a:spcPts val="1200"/>
+              </a:spcBef>
+              <a:spcAft>
+                <a:spcPts val="200"/>
+              </a:spcAft>
+              <a:buClr>
+                <a:schemeClr val="accent1"/>
+              </a:buClr>
+              <a:buSzPct val="100000"/>
+              <a:buFont typeface="Calibri" panose="020F0502020204030204" pitchFamily="34" charset="0"/>
+              <a:buChar char=" "/>
+              <a:defRPr sz="2000" kern="1200">
+                <a:solidFill>
+                  <a:schemeClr val="tx1">
+                    <a:lumMod val="75000"/>
+                    <a:lumOff val="25000"/>
+                  </a:schemeClr>
+                </a:solidFill>
+                <a:latin typeface="+mn-lt"/>
+                <a:ea typeface="+mn-ea"/>
+                <a:cs typeface="+mn-cs"/>
+              </a:defRPr>
+            </a:lvl1pPr>
+            <a:lvl2pPr marL="384048" indent="-182880" algn="l" defTabSz="914400" rtl="0" eaLnBrk="1" latinLnBrk="0" hangingPunct="1">
+              <a:lnSpc>
+                <a:spcPct val="90000"/>
+              </a:lnSpc>
+              <a:spcBef>
+                <a:spcPts val="200"/>
+              </a:spcBef>
+              <a:spcAft>
+                <a:spcPts val="400"/>
+              </a:spcAft>
+              <a:buClr>
+                <a:schemeClr val="accent1"/>
+              </a:buClr>
+              <a:buFont typeface="Calibri" pitchFamily="34" charset="0"/>
+              <a:buChar char="◦"/>
+              <a:defRPr sz="1800" kern="1200">
+                <a:solidFill>
+                  <a:schemeClr val="tx1">
+                    <a:lumMod val="75000"/>
+                    <a:lumOff val="25000"/>
+                  </a:schemeClr>
+                </a:solidFill>
+                <a:latin typeface="+mn-lt"/>
+                <a:ea typeface="+mn-ea"/>
+                <a:cs typeface="+mn-cs"/>
+              </a:defRPr>
+            </a:lvl2pPr>
+            <a:lvl3pPr marL="566928" indent="-182880" algn="l" defTabSz="914400" rtl="0" eaLnBrk="1" latinLnBrk="0" hangingPunct="1">
+              <a:lnSpc>
+                <a:spcPct val="90000"/>
+              </a:lnSpc>
+              <a:spcBef>
+                <a:spcPts val="200"/>
+              </a:spcBef>
+              <a:spcAft>
+                <a:spcPts val="400"/>
+              </a:spcAft>
+              <a:buClr>
+                <a:schemeClr val="accent1"/>
+              </a:buClr>
+              <a:buFont typeface="Calibri" pitchFamily="34" charset="0"/>
+              <a:buChar char="◦"/>
+              <a:defRPr sz="1400" kern="1200">
+                <a:solidFill>
+                  <a:schemeClr val="tx1">
+                    <a:lumMod val="75000"/>
+                    <a:lumOff val="25000"/>
+                  </a:schemeClr>
+                </a:solidFill>
+                <a:latin typeface="+mn-lt"/>
+                <a:ea typeface="+mn-ea"/>
+                <a:cs typeface="+mn-cs"/>
+              </a:defRPr>
+            </a:lvl3pPr>
+            <a:lvl4pPr marL="749808" indent="-182880" algn="l" defTabSz="914400" rtl="0" eaLnBrk="1" latinLnBrk="0" hangingPunct="1">
+              <a:lnSpc>
+                <a:spcPct val="90000"/>
+              </a:lnSpc>
+              <a:spcBef>
+                <a:spcPts val="200"/>
+              </a:spcBef>
+              <a:spcAft>
+                <a:spcPts val="400"/>
+              </a:spcAft>
+              <a:buClr>
+                <a:schemeClr val="accent1"/>
+              </a:buClr>
+              <a:buFont typeface="Calibri" pitchFamily="34" charset="0"/>
+              <a:buChar char="◦"/>
+              <a:defRPr sz="1400" kern="1200">
+                <a:solidFill>
+                  <a:schemeClr val="tx1">
+                    <a:lumMod val="75000"/>
+                    <a:lumOff val="25000"/>
+                  </a:schemeClr>
+                </a:solidFill>
+                <a:latin typeface="+mn-lt"/>
+                <a:ea typeface="+mn-ea"/>
+                <a:cs typeface="+mn-cs"/>
+              </a:defRPr>
+            </a:lvl4pPr>
+            <a:lvl5pPr marL="932688" indent="-182880" algn="l" defTabSz="914400" rtl="0" eaLnBrk="1" latinLnBrk="0" hangingPunct="1">
+              <a:lnSpc>
+                <a:spcPct val="90000"/>
+              </a:lnSpc>
+              <a:spcBef>
+                <a:spcPts val="200"/>
+              </a:spcBef>
+              <a:spcAft>
+                <a:spcPts val="400"/>
+              </a:spcAft>
+              <a:buClr>
+                <a:schemeClr val="accent1"/>
+              </a:buClr>
+              <a:buFont typeface="Calibri" pitchFamily="34" charset="0"/>
+              <a:buChar char="◦"/>
+              <a:defRPr sz="1400" kern="1200">
+                <a:solidFill>
+                  <a:schemeClr val="tx1">
+                    <a:lumMod val="75000"/>
+                    <a:lumOff val="25000"/>
+                  </a:schemeClr>
+                </a:solidFill>
+                <a:latin typeface="+mn-lt"/>
+                <a:ea typeface="+mn-ea"/>
+                <a:cs typeface="+mn-cs"/>
+              </a:defRPr>
+            </a:lvl5pPr>
+            <a:lvl6pPr marL="1100000" indent="-228600" algn="l" defTabSz="914400" rtl="0" eaLnBrk="1" latinLnBrk="0" hangingPunct="1">
+              <a:lnSpc>
+                <a:spcPct val="90000"/>
+              </a:lnSpc>
+              <a:spcBef>
+                <a:spcPts val="200"/>
+              </a:spcBef>
+              <a:spcAft>
+                <a:spcPts val="400"/>
+              </a:spcAft>
+              <a:buClr>
+                <a:schemeClr val="accent1"/>
+              </a:buClr>
+              <a:buFont typeface="Calibri" pitchFamily="34" charset="0"/>
+              <a:buChar char="◦"/>
+              <a:defRPr sz="1400" kern="1200">
+                <a:solidFill>
+                  <a:schemeClr val="tx1">
+                    <a:lumMod val="75000"/>
+                    <a:lumOff val="25000"/>
+                  </a:schemeClr>
+                </a:solidFill>
+                <a:latin typeface="+mn-lt"/>
+                <a:ea typeface="+mn-ea"/>
+                <a:cs typeface="+mn-cs"/>
+              </a:defRPr>
+            </a:lvl6pPr>
+            <a:lvl7pPr marL="1300000" indent="-228600" algn="l" defTabSz="914400" rtl="0" eaLnBrk="1" latinLnBrk="0" hangingPunct="1">
+              <a:lnSpc>
+                <a:spcPct val="90000"/>
+              </a:lnSpc>
+              <a:spcBef>
+                <a:spcPts val="200"/>
+              </a:spcBef>
+              <a:spcAft>
+                <a:spcPts val="400"/>
+              </a:spcAft>
+              <a:buClr>
+                <a:schemeClr val="accent1"/>
+              </a:buClr>
+              <a:buFont typeface="Calibri" pitchFamily="34" charset="0"/>
+              <a:buChar char="◦"/>
+              <a:defRPr sz="1400" kern="1200">
+                <a:solidFill>
+                  <a:schemeClr val="tx1">
+                    <a:lumMod val="75000"/>
+                    <a:lumOff val="25000"/>
+                  </a:schemeClr>
+                </a:solidFill>
+                <a:latin typeface="+mn-lt"/>
+                <a:ea typeface="+mn-ea"/>
+                <a:cs typeface="+mn-cs"/>
+              </a:defRPr>
+            </a:lvl7pPr>
+            <a:lvl8pPr marL="1500000" indent="-228600" algn="l" defTabSz="914400" rtl="0" eaLnBrk="1" latinLnBrk="0" hangingPunct="1">
+              <a:lnSpc>
+                <a:spcPct val="90000"/>
+              </a:lnSpc>
+              <a:spcBef>
+                <a:spcPts val="200"/>
+              </a:spcBef>
+              <a:spcAft>
+                <a:spcPts val="400"/>
+              </a:spcAft>
+              <a:buClr>
+                <a:schemeClr val="accent1"/>
+              </a:buClr>
+              <a:buFont typeface="Calibri" pitchFamily="34" charset="0"/>
+              <a:buChar char="◦"/>
+              <a:defRPr sz="1400" kern="1200">
+                <a:solidFill>
+                  <a:schemeClr val="tx1">
+                    <a:lumMod val="75000"/>
+                    <a:lumOff val="25000"/>
+                  </a:schemeClr>
+                </a:solidFill>
+                <a:latin typeface="+mn-lt"/>
+                <a:ea typeface="+mn-ea"/>
+                <a:cs typeface="+mn-cs"/>
+              </a:defRPr>
+            </a:lvl8pPr>
+            <a:lvl9pPr marL="1700000" indent="-228600" algn="l" defTabSz="914400" rtl="0" eaLnBrk="1" latinLnBrk="0" hangingPunct="1">
+              <a:lnSpc>
+                <a:spcPct val="90000"/>
+              </a:lnSpc>
+              <a:spcBef>
+                <a:spcPts val="200"/>
+              </a:spcBef>
+              <a:spcAft>
+                <a:spcPts val="400"/>
+              </a:spcAft>
+              <a:buClr>
+                <a:schemeClr val="accent1"/>
+              </a:buClr>
+              <a:buFont typeface="Calibri" pitchFamily="34" charset="0"/>
+              <a:buChar char="◦"/>
+              <a:defRPr sz="1400" kern="1200">
+                <a:solidFill>
+                  <a:schemeClr val="tx1">
+                    <a:lumMod val="75000"/>
+                    <a:lumOff val="25000"/>
+                  </a:schemeClr>
+                </a:solidFill>
+                <a:latin typeface="+mn-lt"/>
+                <a:ea typeface="+mn-ea"/>
+                <a:cs typeface="+mn-cs"/>
+              </a:defRPr>
+            </a:lvl9pPr>
+          </a:lstStyle>
+          <a:p>
+            <a:r>
+              <a:rPr lang="en-IN" sz="2400" dirty="0" smtClean="0"/>
+              <a:t>Dataset design bias</a:t>
+            </a:r>
+          </a:p>
+          <a:p>
+            <a:endParaRPr lang="en-IN" sz="2400" dirty="0" smtClean="0"/>
+          </a:p>
+          <a:p>
+            <a:r>
+              <a:rPr lang="en-IN" dirty="0" smtClean="0"/>
+              <a:t>The following image statistics are used to find similarities and differences:</a:t>
+            </a:r>
+          </a:p>
+          <a:p>
+            <a:pPr lvl="1">
+              <a:buFont typeface="Arial" panose="020B0604020202020204" pitchFamily="34" charset="0"/>
+              <a:buChar char="•"/>
+            </a:pPr>
+            <a:r>
+              <a:rPr lang="en-IN" sz="2000" dirty="0" smtClean="0"/>
+              <a:t>Local </a:t>
+            </a:r>
+            <a:r>
+              <a:rPr lang="en-US" sz="2000" dirty="0" smtClean="0"/>
+              <a:t>color</a:t>
+            </a:r>
+            <a:r>
+              <a:rPr lang="en-IN" sz="2000" dirty="0" smtClean="0"/>
+              <a:t> contrast : </a:t>
+            </a:r>
+            <a:r>
+              <a:rPr lang="en-IN" sz="2000" dirty="0"/>
+              <a:t>Boundary detection is an inevitable step in most salient objects detectors. It is important to check whether the boundaries are “unnaturally" easy to segment</a:t>
+            </a:r>
+            <a:r>
+              <a:rPr lang="en-IN" sz="2000" dirty="0" smtClean="0"/>
+              <a:t>.</a:t>
+            </a:r>
+            <a:endParaRPr lang="en-IN" sz="2000" dirty="0"/>
+          </a:p>
+          <a:p>
+            <a:pPr lvl="1">
+              <a:buFont typeface="Arial" panose="020B0604020202020204" pitchFamily="34" charset="0"/>
+              <a:buChar char="•"/>
+            </a:pPr>
+            <a:r>
+              <a:rPr lang="en-IN" sz="2000" dirty="0" smtClean="0"/>
+              <a:t>Global </a:t>
+            </a:r>
+            <a:r>
+              <a:rPr lang="en-US" sz="2000" dirty="0" smtClean="0"/>
+              <a:t>color</a:t>
+            </a:r>
+            <a:r>
+              <a:rPr lang="en-IN" sz="2000" dirty="0" smtClean="0"/>
+              <a:t> contrast: </a:t>
+            </a:r>
+            <a:r>
+              <a:rPr lang="en-IN" sz="2000" dirty="0"/>
+              <a:t>For each object, we calculate the </a:t>
+            </a:r>
+            <a:r>
+              <a:rPr lang="el-GR" sz="2000" dirty="0"/>
+              <a:t>Χ</a:t>
+            </a:r>
+            <a:r>
+              <a:rPr lang="en-IN" sz="2000" baseline="30000" dirty="0"/>
+              <a:t>2</a:t>
+            </a:r>
+            <a:r>
+              <a:rPr lang="en-IN" sz="2000" dirty="0"/>
+              <a:t>  distance between its RGB histogram and the background RGB histogram</a:t>
+            </a:r>
+            <a:r>
+              <a:rPr lang="en-IN" sz="2000" dirty="0" smtClean="0"/>
+              <a:t>.</a:t>
+            </a:r>
+            <a:endParaRPr lang="en-IN" sz="2000" dirty="0"/>
+          </a:p>
+          <a:p>
+            <a:pPr lvl="1">
+              <a:buFont typeface="Arial" panose="020B0604020202020204" pitchFamily="34" charset="0"/>
+              <a:buChar char="•"/>
+            </a:pPr>
+            <a:r>
+              <a:rPr lang="en-IN" sz="2000" dirty="0" smtClean="0"/>
+              <a:t>Local </a:t>
+            </a:r>
+            <a:r>
+              <a:rPr lang="en-IN" sz="2000" dirty="0" smtClean="0">
+                <a:hlinkClick r:id="rId2"/>
+              </a:rPr>
+              <a:t>gPB</a:t>
+            </a:r>
+            <a:r>
+              <a:rPr lang="en-IN" sz="2000" dirty="0" smtClean="0"/>
+              <a:t> boundary strength : Combines </a:t>
+            </a:r>
+            <a:r>
+              <a:rPr lang="en-IN" sz="2000" dirty="0"/>
+              <a:t>local and global cues to give a more comprehensive estimate of the presence of a </a:t>
+            </a:r>
+            <a:r>
+              <a:rPr lang="en-IN" sz="2000" dirty="0" smtClean="0"/>
+              <a:t>boundary.</a:t>
+            </a:r>
+          </a:p>
+          <a:p>
+            <a:pPr lvl="1">
+              <a:buFont typeface="Arial" panose="020B0604020202020204" pitchFamily="34" charset="0"/>
+              <a:buChar char="•"/>
+            </a:pPr>
+            <a:r>
+              <a:rPr lang="en-IN" sz="2000" dirty="0" smtClean="0"/>
+              <a:t>Object size : In each image the size of an object is proportion of pixels in the image.</a:t>
+            </a:r>
+            <a:endParaRPr lang="en-IN" sz="2000" dirty="0"/>
+          </a:p>
+          <a:p>
+            <a:r>
+              <a:rPr lang="en-IN" dirty="0"/>
+              <a:t>During the design of a dataset, the image annotation process should be independent of the </a:t>
+            </a:r>
+            <a:r>
+              <a:rPr lang="en-IN" dirty="0" smtClean="0"/>
+              <a:t>image selection </a:t>
+            </a:r>
+            <a:r>
+              <a:rPr lang="en-IN" dirty="0"/>
+              <a:t>process. Otherwise the </a:t>
+            </a:r>
+            <a:r>
+              <a:rPr lang="en-IN" i="1" dirty="0"/>
+              <a:t>dataset design bias </a:t>
+            </a:r>
+            <a:r>
+              <a:rPr lang="en-IN" dirty="0"/>
+              <a:t>will arise as a result of disproportionate </a:t>
+            </a:r>
+            <a:r>
+              <a:rPr lang="en-IN" dirty="0" smtClean="0"/>
+              <a:t>sampling </a:t>
+            </a:r>
+            <a:r>
+              <a:rPr lang="en-US" dirty="0" smtClean="0"/>
+              <a:t>of </a:t>
+            </a:r>
+            <a:r>
+              <a:rPr lang="en-US" dirty="0"/>
+              <a:t>positive/negative examples.</a:t>
+            </a:r>
+            <a:endParaRPr lang="en-IN" dirty="0"/>
+          </a:p>
+        </p:txBody>
+      </p:sp>
+    </p:spTree>
+    <p:extLst>
+      <p:ext uri="{BB962C8B-B14F-4D97-AF65-F5344CB8AC3E}">
+        <p14:creationId xmlns:p14="http://schemas.microsoft.com/office/powerpoint/2010/main" val="4156550407"/>
       </p:ext>
     </p:extLst>
   </p:cSld>

--- a/Presentation/The Secrets of Salient Object Segmentation.pptx
+++ b/Presentation/The Secrets of Salient Object Segmentation.pptx
@@ -1385,11 +1385,7 @@
           </a:r>
           <a:r>
             <a:rPr lang="en-IN" dirty="0" smtClean="0"/>
-            <a:t> , </a:t>
-          </a:r>
-          <a:r>
-            <a:rPr lang="en-IN" dirty="0" smtClean="0"/>
-            <a:t>etc.</a:t>
+            <a:t> , etc.</a:t>
           </a:r>
           <a:endParaRPr lang="en-IN" dirty="0"/>
         </a:p>
@@ -1983,46 +1979,46 @@
   </dgm:ptLst>
   <dgm:cxnLst>
     <dgm:cxn modelId="{959E8BF5-A76D-4FBE-B923-D40515DF72C9}" srcId="{6794AC66-7A6B-4A15-A80B-5FA9AAAD7A8D}" destId="{16195E57-C684-4CD8-B6EB-A70F94727FC6}" srcOrd="0" destOrd="0" parTransId="{E697047B-8107-4C43-8FDF-A63FB197AC7E}" sibTransId="{75A25B41-9107-4537-A5B8-79EFA9073B67}"/>
-    <dgm:cxn modelId="{10B321F4-1E05-48D8-9147-521FFD9EAA16}" srcId="{223AA69A-A598-4437-855D-10586A66BE7E}" destId="{FCDEA177-2924-4025-8C69-F2EA58DD8A07}" srcOrd="2" destOrd="0" parTransId="{7BA847A3-0416-4103-A94B-5D13EE30928E}" sibTransId="{96A06567-FFCB-4060-8787-2CF7EE3032AA}"/>
-    <dgm:cxn modelId="{941DF0FE-81A9-4C20-AFB8-0FBDD59E3516}" type="presOf" srcId="{65D1FAE7-E96F-41D2-8FE8-A377B94B3E54}" destId="{BF853E29-5A36-4963-9248-5FB422107160}" srcOrd="0" destOrd="4" presId="urn:microsoft.com/office/officeart/2005/8/layout/matrix3"/>
+    <dgm:cxn modelId="{20068D33-913D-4056-9E31-2A89D2DEE1C6}" srcId="{6794AC66-7A6B-4A15-A80B-5FA9AAAD7A8D}" destId="{4D0734BE-CB97-4110-AEC8-45E1D407E851}" srcOrd="1" destOrd="0" parTransId="{7E54CFC5-ED59-4B38-B4CE-712ABD1EEFB5}" sibTransId="{E900DB63-8E52-42B2-854D-10503F66C23D}"/>
+    <dgm:cxn modelId="{32D2348E-0856-4585-AE9D-02DB07A3632B}" type="presOf" srcId="{77BFED9A-605C-4741-9115-247028EC2DA7}" destId="{1E7F13A2-F346-44F8-820A-A7BCD20C277E}" srcOrd="0" destOrd="4" presId="urn:microsoft.com/office/officeart/2005/8/layout/matrix3"/>
+    <dgm:cxn modelId="{EBFCAC84-2A02-4389-A855-9D69F521F503}" srcId="{6794AC66-7A6B-4A15-A80B-5FA9AAAD7A8D}" destId="{E07255FA-6705-4D9F-B694-4351B4A8BE4F}" srcOrd="3" destOrd="0" parTransId="{343FA842-29A2-4B15-A47B-E5B6A943B409}" sibTransId="{4198BA33-DB19-40C4-988F-C0AA79E984E0}"/>
+    <dgm:cxn modelId="{37F05891-493A-4486-BA70-B53A9AA09276}" srcId="{223AA69A-A598-4437-855D-10586A66BE7E}" destId="{679B0ED3-D0B8-4307-8885-7CEABC4C3FD8}" srcOrd="0" destOrd="0" parTransId="{231A32F3-72BF-4F6E-9BA1-5EB1ADE5FE8C}" sibTransId="{AC8F3F6E-5B75-4572-B706-ED4E03127D71}"/>
+    <dgm:cxn modelId="{653BBCA2-DF0E-4011-A3B4-4A571EC11413}" srcId="{32134AD4-4A6A-4E72-8FF5-81752190FAB6}" destId="{51B73331-6214-42F4-AB84-84D4BB40897C}" srcOrd="1" destOrd="0" parTransId="{C9384D3D-061E-457A-9158-5579962A609A}" sibTransId="{94E343BE-47A6-44C4-91FC-C5525ADFD94B}"/>
+    <dgm:cxn modelId="{195832A0-3FE1-4D03-A51B-7F7FB7DAF927}" type="presOf" srcId="{AD4E7865-07BD-4567-87C3-5DA5A9F24553}" destId="{D0020165-EFC2-4054-9EC6-23102E2E5DD6}" srcOrd="0" destOrd="3" presId="urn:microsoft.com/office/officeart/2005/8/layout/matrix3"/>
     <dgm:cxn modelId="{7943F3E7-FD18-4A34-800C-84A23A2BBC27}" srcId="{AFFF3375-A717-4234-A9BA-282E811124FE}" destId="{77BFED9A-605C-4741-9115-247028EC2DA7}" srcOrd="3" destOrd="0" parTransId="{26FE9F41-CAA5-47B3-BF57-B3A50BB2C8E9}" sibTransId="{787006BF-B4A4-4E91-9C46-AC4E67FB2705}"/>
-    <dgm:cxn modelId="{2A676AA2-9772-4FC7-8E88-65D220931F8B}" srcId="{223AA69A-A598-4437-855D-10586A66BE7E}" destId="{65D1FAE7-E96F-41D2-8FE8-A377B94B3E54}" srcOrd="3" destOrd="0" parTransId="{B9A8B8A8-D0A7-496B-B561-9E62CDB7A486}" sibTransId="{FF067A88-BB7F-496E-99E8-0F25D351C311}"/>
-    <dgm:cxn modelId="{653BBCA2-DF0E-4011-A3B4-4A571EC11413}" srcId="{32134AD4-4A6A-4E72-8FF5-81752190FAB6}" destId="{51B73331-6214-42F4-AB84-84D4BB40897C}" srcOrd="1" destOrd="0" parTransId="{C9384D3D-061E-457A-9158-5579962A609A}" sibTransId="{94E343BE-47A6-44C4-91FC-C5525ADFD94B}"/>
-    <dgm:cxn modelId="{32D2348E-0856-4585-AE9D-02DB07A3632B}" type="presOf" srcId="{77BFED9A-605C-4741-9115-247028EC2DA7}" destId="{1E7F13A2-F346-44F8-820A-A7BCD20C277E}" srcOrd="0" destOrd="4" presId="urn:microsoft.com/office/officeart/2005/8/layout/matrix3"/>
-    <dgm:cxn modelId="{6CFEC6ED-F97F-429F-8078-C530616FD92D}" type="presOf" srcId="{36F0B2EF-D5A8-402C-B526-DCA3F305A90E}" destId="{1E7F13A2-F346-44F8-820A-A7BCD20C277E}" srcOrd="0" destOrd="3" presId="urn:microsoft.com/office/officeart/2005/8/layout/matrix3"/>
-    <dgm:cxn modelId="{803D3002-3ECD-4DBB-8DA6-E2BB5DFC0374}" type="presOf" srcId="{830153CB-5FAE-4A33-9CD5-C62E344B8E11}" destId="{1E7F13A2-F346-44F8-820A-A7BCD20C277E}" srcOrd="0" destOrd="2" presId="urn:microsoft.com/office/officeart/2005/8/layout/matrix3"/>
-    <dgm:cxn modelId="{5CB12B73-3FB3-4469-B8FA-2E7109ECF7FC}" type="presOf" srcId="{FCDEA177-2924-4025-8C69-F2EA58DD8A07}" destId="{BF853E29-5A36-4963-9248-5FB422107160}" srcOrd="0" destOrd="3" presId="urn:microsoft.com/office/officeart/2005/8/layout/matrix3"/>
-    <dgm:cxn modelId="{4427F917-B262-4F00-94BB-2A2DBD2E2456}" srcId="{AFFF3375-A717-4234-A9BA-282E811124FE}" destId="{36F0B2EF-D5A8-402C-B526-DCA3F305A90E}" srcOrd="2" destOrd="0" parTransId="{BC9F4EC9-DCBC-40EB-B05E-E9C291947978}" sibTransId="{548217E6-E818-4B34-96BC-6A477E464344}"/>
-    <dgm:cxn modelId="{ACB92F2A-B8CA-41F0-8061-E1742CB8803D}" type="presOf" srcId="{16195E57-C684-4CD8-B6EB-A70F94727FC6}" destId="{9DA9DF1F-9C42-4DB1-9CA8-D61819A5BF6C}" srcOrd="0" destOrd="1" presId="urn:microsoft.com/office/officeart/2005/8/layout/matrix3"/>
+    <dgm:cxn modelId="{87A75A06-F09C-4F17-BCAB-234D0CDDC8E2}" srcId="{AFFF3375-A717-4234-A9BA-282E811124FE}" destId="{830153CB-5FAE-4A33-9CD5-C62E344B8E11}" srcOrd="1" destOrd="0" parTransId="{9B2C79F8-E987-4DBE-AD0F-379F1F7613D9}" sibTransId="{D747E949-17E5-401B-9722-949BCD39E3FA}"/>
+    <dgm:cxn modelId="{53E43E65-10D7-437E-837E-8D1DB20BC5AE}" srcId="{51B73331-6214-42F4-AB84-84D4BB40897C}" destId="{9567615D-FDFD-4434-9190-FAE63FC96CF9}" srcOrd="3" destOrd="0" parTransId="{C00D789E-CCB5-4A7A-A0A0-FE61FE92F8A0}" sibTransId="{042CEDDE-8F69-41B3-9B2D-0AD846EE70AF}"/>
+    <dgm:cxn modelId="{B144B26E-A1FE-44A9-94A8-01F83AB31883}" type="presOf" srcId="{6794AC66-7A6B-4A15-A80B-5FA9AAAD7A8D}" destId="{9DA9DF1F-9C42-4DB1-9CA8-D61819A5BF6C}" srcOrd="0" destOrd="0" presId="urn:microsoft.com/office/officeart/2005/8/layout/matrix3"/>
+    <dgm:cxn modelId="{2CD30107-0013-4AF6-A8DF-ACD6825C0D44}" type="presOf" srcId="{223AA69A-A598-4437-855D-10586A66BE7E}" destId="{BF853E29-5A36-4963-9248-5FB422107160}" srcOrd="0" destOrd="0" presId="urn:microsoft.com/office/officeart/2005/8/layout/matrix3"/>
     <dgm:cxn modelId="{D00791A7-FB7E-4947-A706-AA92CF0D5B18}" type="presOf" srcId="{32134AD4-4A6A-4E72-8FF5-81752190FAB6}" destId="{1CF41212-1114-4D9D-995D-0F3B0348B8E4}" srcOrd="0" destOrd="0" presId="urn:microsoft.com/office/officeart/2005/8/layout/matrix3"/>
-    <dgm:cxn modelId="{F4BC9777-0811-40AC-A2F9-C3E5794F7B15}" srcId="{32134AD4-4A6A-4E72-8FF5-81752190FAB6}" destId="{AFFF3375-A717-4234-A9BA-282E811124FE}" srcOrd="2" destOrd="0" parTransId="{BBC56CB2-D20F-42E3-A5D2-EE3D57A5BED0}" sibTransId="{D591D4BC-F466-4E56-A788-64145EC3CFB6}"/>
-    <dgm:cxn modelId="{53E43E65-10D7-437E-837E-8D1DB20BC5AE}" srcId="{51B73331-6214-42F4-AB84-84D4BB40897C}" destId="{9567615D-FDFD-4434-9190-FAE63FC96CF9}" srcOrd="3" destOrd="0" parTransId="{C00D789E-CCB5-4A7A-A0A0-FE61FE92F8A0}" sibTransId="{042CEDDE-8F69-41B3-9B2D-0AD846EE70AF}"/>
-    <dgm:cxn modelId="{37F05891-493A-4486-BA70-B53A9AA09276}" srcId="{223AA69A-A598-4437-855D-10586A66BE7E}" destId="{679B0ED3-D0B8-4307-8885-7CEABC4C3FD8}" srcOrd="0" destOrd="0" parTransId="{231A32F3-72BF-4F6E-9BA1-5EB1ADE5FE8C}" sibTransId="{AC8F3F6E-5B75-4572-B706-ED4E03127D71}"/>
-    <dgm:cxn modelId="{848FE304-B060-4EF3-89EC-D5DD49AD9137}" type="presOf" srcId="{4D0734BE-CB97-4110-AEC8-45E1D407E851}" destId="{9DA9DF1F-9C42-4DB1-9CA8-D61819A5BF6C}" srcOrd="0" destOrd="2" presId="urn:microsoft.com/office/officeart/2005/8/layout/matrix3"/>
+    <dgm:cxn modelId="{363E36B5-CD04-4DB2-9591-9574BA3630EB}" type="presOf" srcId="{0A545F1A-1A68-4303-8123-AFC48C3F80B4}" destId="{1E7F13A2-F346-44F8-820A-A7BCD20C277E}" srcOrd="0" destOrd="1" presId="urn:microsoft.com/office/officeart/2005/8/layout/matrix3"/>
+    <dgm:cxn modelId="{446AF400-8D16-41F4-A1E5-B91CB83149A2}" type="presOf" srcId="{E07255FA-6705-4D9F-B694-4351B4A8BE4F}" destId="{9DA9DF1F-9C42-4DB1-9CA8-D61819A5BF6C}" srcOrd="0" destOrd="4" presId="urn:microsoft.com/office/officeart/2005/8/layout/matrix3"/>
+    <dgm:cxn modelId="{C301D3FB-EF13-4E7F-9D66-02469EF1CDF7}" type="presOf" srcId="{8BF1FBB8-FA00-4F01-8ACB-F2CF61EBAE56}" destId="{9DA9DF1F-9C42-4DB1-9CA8-D61819A5BF6C}" srcOrd="0" destOrd="3" presId="urn:microsoft.com/office/officeart/2005/8/layout/matrix3"/>
+    <dgm:cxn modelId="{00A1DFD8-92EB-4DD0-9820-F31053711EE7}" srcId="{6794AC66-7A6B-4A15-A80B-5FA9AAAD7A8D}" destId="{8BF1FBB8-FA00-4F01-8ACB-F2CF61EBAE56}" srcOrd="2" destOrd="0" parTransId="{D28E422F-CF8B-4058-B4D2-16A63ED5EE39}" sibTransId="{18E5268E-243E-4B92-ADF3-20700DD9E2C3}"/>
     <dgm:cxn modelId="{250EEC31-D360-4474-9AB0-54250D321B9C}" srcId="{AFFF3375-A717-4234-A9BA-282E811124FE}" destId="{0A545F1A-1A68-4303-8123-AFC48C3F80B4}" srcOrd="0" destOrd="0" parTransId="{D27C7DB8-6FCF-43F7-9D23-3CA8424A32D7}" sibTransId="{C6D61611-6324-43A4-81BF-29173127BE3C}"/>
-    <dgm:cxn modelId="{1E03D6A0-52F7-487D-8B0C-1013E70314FD}" srcId="{51B73331-6214-42F4-AB84-84D4BB40897C}" destId="{AD4E7865-07BD-4567-87C3-5DA5A9F24553}" srcOrd="2" destOrd="0" parTransId="{8F946C09-8523-487D-87F3-57F3AFF1129E}" sibTransId="{E4120C01-348D-4441-A733-2220AD1BD21F}"/>
-    <dgm:cxn modelId="{20068D33-913D-4056-9E31-2A89D2DEE1C6}" srcId="{6794AC66-7A6B-4A15-A80B-5FA9AAAD7A8D}" destId="{4D0734BE-CB97-4110-AEC8-45E1D407E851}" srcOrd="1" destOrd="0" parTransId="{7E54CFC5-ED59-4B38-B4CE-712ABD1EEFB5}" sibTransId="{E900DB63-8E52-42B2-854D-10503F66C23D}"/>
-    <dgm:cxn modelId="{2CD30107-0013-4AF6-A8DF-ACD6825C0D44}" type="presOf" srcId="{223AA69A-A598-4437-855D-10586A66BE7E}" destId="{BF853E29-5A36-4963-9248-5FB422107160}" srcOrd="0" destOrd="0" presId="urn:microsoft.com/office/officeart/2005/8/layout/matrix3"/>
-    <dgm:cxn modelId="{D35772B0-1998-4DD2-8B6A-7F8D1A2539B6}" srcId="{32134AD4-4A6A-4E72-8FF5-81752190FAB6}" destId="{6794AC66-7A6B-4A15-A80B-5FA9AAAD7A8D}" srcOrd="0" destOrd="0" parTransId="{02E8447E-8FAC-47F7-AC01-FC3A777EA298}" sibTransId="{91C6D16F-E0FB-4BC0-95FE-6750EFF70548}"/>
-    <dgm:cxn modelId="{1FBC3704-AE7E-45D6-8C93-02A5AE2533A5}" srcId="{223AA69A-A598-4437-855D-10586A66BE7E}" destId="{76EBE92D-E558-44AD-9899-5C2D8D205836}" srcOrd="1" destOrd="0" parTransId="{8DBF33A6-4072-4789-B740-B0EF1B36B522}" sibTransId="{A000D2C0-651F-4ECD-8B4F-DE37666CF113}"/>
-    <dgm:cxn modelId="{7E66133F-2681-4387-B3B2-2CF9B90E5C13}" type="presOf" srcId="{679B0ED3-D0B8-4307-8885-7CEABC4C3FD8}" destId="{BF853E29-5A36-4963-9248-5FB422107160}" srcOrd="0" destOrd="1" presId="urn:microsoft.com/office/officeart/2005/8/layout/matrix3"/>
-    <dgm:cxn modelId="{93975341-8225-4228-A2EF-FE0022FA6D72}" type="presOf" srcId="{1BCF8E3C-2A5D-4730-A075-9BDA52D349DF}" destId="{D0020165-EFC2-4054-9EC6-23102E2E5DD6}" srcOrd="0" destOrd="1" presId="urn:microsoft.com/office/officeart/2005/8/layout/matrix3"/>
-    <dgm:cxn modelId="{EBFCAC84-2A02-4389-A855-9D69F521F503}" srcId="{6794AC66-7A6B-4A15-A80B-5FA9AAAD7A8D}" destId="{E07255FA-6705-4D9F-B694-4351B4A8BE4F}" srcOrd="3" destOrd="0" parTransId="{343FA842-29A2-4B15-A47B-E5B6A943B409}" sibTransId="{4198BA33-DB19-40C4-988F-C0AA79E984E0}"/>
-    <dgm:cxn modelId="{C301D3FB-EF13-4E7F-9D66-02469EF1CDF7}" type="presOf" srcId="{8BF1FBB8-FA00-4F01-8ACB-F2CF61EBAE56}" destId="{9DA9DF1F-9C42-4DB1-9CA8-D61819A5BF6C}" srcOrd="0" destOrd="3" presId="urn:microsoft.com/office/officeart/2005/8/layout/matrix3"/>
-    <dgm:cxn modelId="{195832A0-3FE1-4D03-A51B-7F7FB7DAF927}" type="presOf" srcId="{AD4E7865-07BD-4567-87C3-5DA5A9F24553}" destId="{D0020165-EFC2-4054-9EC6-23102E2E5DD6}" srcOrd="0" destOrd="3" presId="urn:microsoft.com/office/officeart/2005/8/layout/matrix3"/>
     <dgm:cxn modelId="{B7CFC6FA-4947-4AB2-8341-70314029F4A7}" srcId="{51B73331-6214-42F4-AB84-84D4BB40897C}" destId="{1BCF8E3C-2A5D-4730-A075-9BDA52D349DF}" srcOrd="0" destOrd="0" parTransId="{420785F5-EBD6-49CC-9701-943B4F330544}" sibTransId="{8E26634C-326A-4D74-B4AF-0D709334C7B5}"/>
     <dgm:cxn modelId="{6C94DF52-FFEB-41E1-92C8-AE80CC535EC8}" type="presOf" srcId="{76EBE92D-E558-44AD-9899-5C2D8D205836}" destId="{BF853E29-5A36-4963-9248-5FB422107160}" srcOrd="0" destOrd="2" presId="urn:microsoft.com/office/officeart/2005/8/layout/matrix3"/>
+    <dgm:cxn modelId="{4427F917-B262-4F00-94BB-2A2DBD2E2456}" srcId="{AFFF3375-A717-4234-A9BA-282E811124FE}" destId="{36F0B2EF-D5A8-402C-B526-DCA3F305A90E}" srcOrd="2" destOrd="0" parTransId="{BC9F4EC9-DCBC-40EB-B05E-E9C291947978}" sibTransId="{548217E6-E818-4B34-96BC-6A477E464344}"/>
+    <dgm:cxn modelId="{848FE304-B060-4EF3-89EC-D5DD49AD9137}" type="presOf" srcId="{4D0734BE-CB97-4110-AEC8-45E1D407E851}" destId="{9DA9DF1F-9C42-4DB1-9CA8-D61819A5BF6C}" srcOrd="0" destOrd="2" presId="urn:microsoft.com/office/officeart/2005/8/layout/matrix3"/>
+    <dgm:cxn modelId="{10B321F4-1E05-48D8-9147-521FFD9EAA16}" srcId="{223AA69A-A598-4437-855D-10586A66BE7E}" destId="{FCDEA177-2924-4025-8C69-F2EA58DD8A07}" srcOrd="2" destOrd="0" parTransId="{7BA847A3-0416-4103-A94B-5D13EE30928E}" sibTransId="{96A06567-FFCB-4060-8787-2CF7EE3032AA}"/>
+    <dgm:cxn modelId="{803D3002-3ECD-4DBB-8DA6-E2BB5DFC0374}" type="presOf" srcId="{830153CB-5FAE-4A33-9CD5-C62E344B8E11}" destId="{1E7F13A2-F346-44F8-820A-A7BCD20C277E}" srcOrd="0" destOrd="2" presId="urn:microsoft.com/office/officeart/2005/8/layout/matrix3"/>
+    <dgm:cxn modelId="{6CFEC6ED-F97F-429F-8078-C530616FD92D}" type="presOf" srcId="{36F0B2EF-D5A8-402C-B526-DCA3F305A90E}" destId="{1E7F13A2-F346-44F8-820A-A7BCD20C277E}" srcOrd="0" destOrd="3" presId="urn:microsoft.com/office/officeart/2005/8/layout/matrix3"/>
+    <dgm:cxn modelId="{1E03D6A0-52F7-487D-8B0C-1013E70314FD}" srcId="{51B73331-6214-42F4-AB84-84D4BB40897C}" destId="{AD4E7865-07BD-4567-87C3-5DA5A9F24553}" srcOrd="2" destOrd="0" parTransId="{8F946C09-8523-487D-87F3-57F3AFF1129E}" sibTransId="{E4120C01-348D-4441-A733-2220AD1BD21F}"/>
+    <dgm:cxn modelId="{941DF0FE-81A9-4C20-AFB8-0FBDD59E3516}" type="presOf" srcId="{65D1FAE7-E96F-41D2-8FE8-A377B94B3E54}" destId="{BF853E29-5A36-4963-9248-5FB422107160}" srcOrd="0" destOrd="4" presId="urn:microsoft.com/office/officeart/2005/8/layout/matrix3"/>
+    <dgm:cxn modelId="{1FBC3704-AE7E-45D6-8C93-02A5AE2533A5}" srcId="{223AA69A-A598-4437-855D-10586A66BE7E}" destId="{76EBE92D-E558-44AD-9899-5C2D8D205836}" srcOrd="1" destOrd="0" parTransId="{8DBF33A6-4072-4789-B740-B0EF1B36B522}" sibTransId="{A000D2C0-651F-4ECD-8B4F-DE37666CF113}"/>
+    <dgm:cxn modelId="{D35772B0-1998-4DD2-8B6A-7F8D1A2539B6}" srcId="{32134AD4-4A6A-4E72-8FF5-81752190FAB6}" destId="{6794AC66-7A6B-4A15-A80B-5FA9AAAD7A8D}" srcOrd="0" destOrd="0" parTransId="{02E8447E-8FAC-47F7-AC01-FC3A777EA298}" sibTransId="{91C6D16F-E0FB-4BC0-95FE-6750EFF70548}"/>
+    <dgm:cxn modelId="{6567AA49-321A-46AE-B08E-367784B65F94}" type="presOf" srcId="{51B73331-6214-42F4-AB84-84D4BB40897C}" destId="{D0020165-EFC2-4054-9EC6-23102E2E5DD6}" srcOrd="0" destOrd="0" presId="urn:microsoft.com/office/officeart/2005/8/layout/matrix3"/>
+    <dgm:cxn modelId="{ACB92F2A-B8CA-41F0-8061-E1742CB8803D}" type="presOf" srcId="{16195E57-C684-4CD8-B6EB-A70F94727FC6}" destId="{9DA9DF1F-9C42-4DB1-9CA8-D61819A5BF6C}" srcOrd="0" destOrd="1" presId="urn:microsoft.com/office/officeart/2005/8/layout/matrix3"/>
+    <dgm:cxn modelId="{C14678FE-B57D-4DB8-831A-B0D1CE0694E2}" type="presOf" srcId="{AFFF3375-A717-4234-A9BA-282E811124FE}" destId="{1E7F13A2-F346-44F8-820A-A7BCD20C277E}" srcOrd="0" destOrd="0" presId="urn:microsoft.com/office/officeart/2005/8/layout/matrix3"/>
+    <dgm:cxn modelId="{7E66133F-2681-4387-B3B2-2CF9B90E5C13}" type="presOf" srcId="{679B0ED3-D0B8-4307-8885-7CEABC4C3FD8}" destId="{BF853E29-5A36-4963-9248-5FB422107160}" srcOrd="0" destOrd="1" presId="urn:microsoft.com/office/officeart/2005/8/layout/matrix3"/>
+    <dgm:cxn modelId="{2A676AA2-9772-4FC7-8E88-65D220931F8B}" srcId="{223AA69A-A598-4437-855D-10586A66BE7E}" destId="{65D1FAE7-E96F-41D2-8FE8-A377B94B3E54}" srcOrd="3" destOrd="0" parTransId="{B9A8B8A8-D0A7-496B-B561-9E62CDB7A486}" sibTransId="{FF067A88-BB7F-496E-99E8-0F25D351C311}"/>
+    <dgm:cxn modelId="{F4BC9777-0811-40AC-A2F9-C3E5794F7B15}" srcId="{32134AD4-4A6A-4E72-8FF5-81752190FAB6}" destId="{AFFF3375-A717-4234-A9BA-282E811124FE}" srcOrd="2" destOrd="0" parTransId="{BBC56CB2-D20F-42E3-A5D2-EE3D57A5BED0}" sibTransId="{D591D4BC-F466-4E56-A788-64145EC3CFB6}"/>
+    <dgm:cxn modelId="{E1E93200-251F-446F-833F-F2DE86CD162A}" srcId="{51B73331-6214-42F4-AB84-84D4BB40897C}" destId="{32A937FE-3AAA-4503-B543-969EA981BBD1}" srcOrd="1" destOrd="0" parTransId="{865091C6-8BCA-43D7-A0DB-56ECB4A87A08}" sibTransId="{507D3D81-68CC-4A43-81D4-4AD02B6B5409}"/>
+    <dgm:cxn modelId="{616E1371-D1EF-42F0-9D96-CCB685696DCC}" srcId="{32134AD4-4A6A-4E72-8FF5-81752190FAB6}" destId="{223AA69A-A598-4437-855D-10586A66BE7E}" srcOrd="3" destOrd="0" parTransId="{4668B74F-93AD-4BA6-8224-F9A27D56FD03}" sibTransId="{A0EF508F-99A8-4F77-874E-E3B18270678F}"/>
     <dgm:cxn modelId="{92238CE5-4075-416F-AE40-AF8DCB639002}" type="presOf" srcId="{9567615D-FDFD-4434-9190-FAE63FC96CF9}" destId="{D0020165-EFC2-4054-9EC6-23102E2E5DD6}" srcOrd="0" destOrd="4" presId="urn:microsoft.com/office/officeart/2005/8/layout/matrix3"/>
-    <dgm:cxn modelId="{446AF400-8D16-41F4-A1E5-B91CB83149A2}" type="presOf" srcId="{E07255FA-6705-4D9F-B694-4351B4A8BE4F}" destId="{9DA9DF1F-9C42-4DB1-9CA8-D61819A5BF6C}" srcOrd="0" destOrd="4" presId="urn:microsoft.com/office/officeart/2005/8/layout/matrix3"/>
-    <dgm:cxn modelId="{B144B26E-A1FE-44A9-94A8-01F83AB31883}" type="presOf" srcId="{6794AC66-7A6B-4A15-A80B-5FA9AAAD7A8D}" destId="{9DA9DF1F-9C42-4DB1-9CA8-D61819A5BF6C}" srcOrd="0" destOrd="0" presId="urn:microsoft.com/office/officeart/2005/8/layout/matrix3"/>
-    <dgm:cxn modelId="{6567AA49-321A-46AE-B08E-367784B65F94}" type="presOf" srcId="{51B73331-6214-42F4-AB84-84D4BB40897C}" destId="{D0020165-EFC2-4054-9EC6-23102E2E5DD6}" srcOrd="0" destOrd="0" presId="urn:microsoft.com/office/officeart/2005/8/layout/matrix3"/>
-    <dgm:cxn modelId="{C14678FE-B57D-4DB8-831A-B0D1CE0694E2}" type="presOf" srcId="{AFFF3375-A717-4234-A9BA-282E811124FE}" destId="{1E7F13A2-F346-44F8-820A-A7BCD20C277E}" srcOrd="0" destOrd="0" presId="urn:microsoft.com/office/officeart/2005/8/layout/matrix3"/>
-    <dgm:cxn modelId="{00A1DFD8-92EB-4DD0-9820-F31053711EE7}" srcId="{6794AC66-7A6B-4A15-A80B-5FA9AAAD7A8D}" destId="{8BF1FBB8-FA00-4F01-8ACB-F2CF61EBAE56}" srcOrd="2" destOrd="0" parTransId="{D28E422F-CF8B-4058-B4D2-16A63ED5EE39}" sibTransId="{18E5268E-243E-4B92-ADF3-20700DD9E2C3}"/>
-    <dgm:cxn modelId="{87A75A06-F09C-4F17-BCAB-234D0CDDC8E2}" srcId="{AFFF3375-A717-4234-A9BA-282E811124FE}" destId="{830153CB-5FAE-4A33-9CD5-C62E344B8E11}" srcOrd="1" destOrd="0" parTransId="{9B2C79F8-E987-4DBE-AD0F-379F1F7613D9}" sibTransId="{D747E949-17E5-401B-9722-949BCD39E3FA}"/>
     <dgm:cxn modelId="{A9BC8E42-5024-4C2C-BFE5-58133735B168}" type="presOf" srcId="{32A937FE-3AAA-4503-B543-969EA981BBD1}" destId="{D0020165-EFC2-4054-9EC6-23102E2E5DD6}" srcOrd="0" destOrd="2" presId="urn:microsoft.com/office/officeart/2005/8/layout/matrix3"/>
-    <dgm:cxn modelId="{E1E93200-251F-446F-833F-F2DE86CD162A}" srcId="{51B73331-6214-42F4-AB84-84D4BB40897C}" destId="{32A937FE-3AAA-4503-B543-969EA981BBD1}" srcOrd="1" destOrd="0" parTransId="{865091C6-8BCA-43D7-A0DB-56ECB4A87A08}" sibTransId="{507D3D81-68CC-4A43-81D4-4AD02B6B5409}"/>
-    <dgm:cxn modelId="{363E36B5-CD04-4DB2-9591-9574BA3630EB}" type="presOf" srcId="{0A545F1A-1A68-4303-8123-AFC48C3F80B4}" destId="{1E7F13A2-F346-44F8-820A-A7BCD20C277E}" srcOrd="0" destOrd="1" presId="urn:microsoft.com/office/officeart/2005/8/layout/matrix3"/>
-    <dgm:cxn modelId="{616E1371-D1EF-42F0-9D96-CCB685696DCC}" srcId="{32134AD4-4A6A-4E72-8FF5-81752190FAB6}" destId="{223AA69A-A598-4437-855D-10586A66BE7E}" srcOrd="3" destOrd="0" parTransId="{4668B74F-93AD-4BA6-8224-F9A27D56FD03}" sibTransId="{A0EF508F-99A8-4F77-874E-E3B18270678F}"/>
+    <dgm:cxn modelId="{5CB12B73-3FB3-4469-B8FA-2E7109ECF7FC}" type="presOf" srcId="{FCDEA177-2924-4025-8C69-F2EA58DD8A07}" destId="{BF853E29-5A36-4963-9248-5FB422107160}" srcOrd="0" destOrd="3" presId="urn:microsoft.com/office/officeart/2005/8/layout/matrix3"/>
+    <dgm:cxn modelId="{93975341-8225-4228-A2EF-FE0022FA6D72}" type="presOf" srcId="{1BCF8E3C-2A5D-4730-A075-9BDA52D349DF}" destId="{D0020165-EFC2-4054-9EC6-23102E2E5DD6}" srcOrd="0" destOrd="1" presId="urn:microsoft.com/office/officeart/2005/8/layout/matrix3"/>
     <dgm:cxn modelId="{79FF51D2-AC08-432C-9FA1-76A8BC294852}" type="presParOf" srcId="{1CF41212-1114-4D9D-995D-0F3B0348B8E4}" destId="{F642266A-7B87-4727-9C26-2B65AF779E40}" srcOrd="0" destOrd="0" presId="urn:microsoft.com/office/officeart/2005/8/layout/matrix3"/>
     <dgm:cxn modelId="{51986D4C-9567-4719-A4D0-FC5E398F191C}" type="presParOf" srcId="{1CF41212-1114-4D9D-995D-0F3B0348B8E4}" destId="{9DA9DF1F-9C42-4DB1-9CA8-D61819A5BF6C}" srcOrd="1" destOrd="0" presId="urn:microsoft.com/office/officeart/2005/8/layout/matrix3"/>
     <dgm:cxn modelId="{6FC4B4C8-A066-43C3-AF09-8458D7A91673}" type="presParOf" srcId="{1CF41212-1114-4D9D-995D-0F3B0348B8E4}" destId="{D0020165-EFC2-4054-9EC6-23102E2E5DD6}" srcOrd="2" destOrd="0" presId="urn:microsoft.com/office/officeart/2005/8/layout/matrix3"/>
@@ -2244,11 +2240,7 @@
           </a:r>
           <a:r>
             <a:rPr lang="en-IN" sz="1600" kern="1200" dirty="0" smtClean="0"/>
-            <a:t> , </a:t>
-          </a:r>
-          <a:r>
-            <a:rPr lang="en-IN" sz="1600" kern="1200" dirty="0" smtClean="0"/>
-            <a:t>etc.</a:t>
+            <a:t> , etc.</a:t>
           </a:r>
           <a:endParaRPr lang="en-IN" sz="1600" kern="1200" dirty="0"/>
         </a:p>
@@ -9380,8 +9372,12 @@
               <a:buChar char="•"/>
             </a:pPr>
             <a:r>
+              <a:rPr lang="en-IN" dirty="0" smtClean="0"/>
+              <a:t> Our </a:t>
+            </a:r>
+            <a:r>
               <a:rPr lang="en-IN" dirty="0"/>
-              <a:t>Our first step is to generate the segmentation of object candidates by a generic object proposal method. We use CPMC to obtain the initial segmentations.</a:t>
+              <a:t>first step is to generate the segmentation of object candidates by a generic object proposal method. We use CPMC to obtain the initial segmentations.</a:t>
             </a:r>
           </a:p>
           <a:p>
@@ -9390,8 +9386,12 @@
               <a:buChar char="•"/>
             </a:pPr>
             <a:r>
+              <a:rPr lang="en-IN" dirty="0" smtClean="0"/>
+              <a:t> CPMC </a:t>
+            </a:r>
+            <a:r>
               <a:rPr lang="en-IN" dirty="0"/>
-              <a:t>CPMC is an unsupervised framework to generate and rank </a:t>
+              <a:t>is an unsupervised framework to generate and rank </a:t>
             </a:r>
             <a:r>
               <a:rPr lang="en-IN" dirty="0" smtClean="0"/>
@@ -9412,8 +9412,12 @@
               <a:buChar char="•"/>
             </a:pPr>
             <a:r>
+              <a:rPr lang="en-IN" dirty="0" smtClean="0"/>
+              <a:t> To </a:t>
+            </a:r>
+            <a:r>
               <a:rPr lang="en-IN" dirty="0"/>
-              <a:t>To estimate the saliency of a candidate segment, we utilize the spatial distribution of </a:t>
+              <a:t>estimate the saliency of a candidate segment, we utilize the spatial distribution of </a:t>
             </a:r>
             <a:r>
               <a:rPr lang="en-IN" dirty="0" smtClean="0"/>
@@ -9450,8 +9454,12 @@
               <a:buChar char="•"/>
             </a:pPr>
             <a:r>
+              <a:rPr lang="en-IN" dirty="0" smtClean="0"/>
+              <a:t> We </a:t>
+            </a:r>
+            <a:r>
               <a:rPr lang="en-IN" dirty="0"/>
-              <a:t>We use a learning based framework for the segment selection process. This is achieved by learning a scoring function </a:t>
+              <a:t>use a learning based framework for the segment selection process. This is achieved by learning a scoring function </a:t>
             </a:r>
             <a:r>
               <a:rPr lang="en-US" dirty="0"/>
@@ -9465,8 +9473,12 @@
               <a:buChar char="•"/>
             </a:pPr>
             <a:r>
+              <a:rPr lang="en-IN" dirty="0" smtClean="0"/>
+              <a:t> For </a:t>
+            </a:r>
+            <a:r>
               <a:rPr lang="en-IN" dirty="0"/>
-              <a:t>For each dataset, we train a random forest with 30 trees, using a random sampling of 40% of the images. The rest of images are used for testing</a:t>
+              <a:t>each dataset, we train a random forest with 30 trees, using a random sampling of 40% of the images. The rest of images are used for testing</a:t>
             </a:r>
             <a:r>
               <a:rPr lang="en-IN" dirty="0" smtClean="0"/>
@@ -9479,8 +9491,12 @@
               <a:buChar char="•"/>
             </a:pPr>
             <a:r>
+              <a:rPr lang="en-IN" dirty="0" smtClean="0"/>
+              <a:t> For </a:t>
+            </a:r>
+            <a:r>
               <a:rPr lang="en-IN" dirty="0"/>
-              <a:t>For each branch node, a feature is selected from a random subset of all features and a decision boundary is set by minimizing the Minimum Square Error.</a:t>
+              <a:t>each branch node, a feature is selected from a random subset of all features and a decision boundary is set by minimizing the Minimum Square Error.</a:t>
             </a:r>
           </a:p>
           <a:p>
@@ -10406,11 +10422,23 @@
             </a:pPr>
             <a:r>
               <a:rPr lang="en-IN" sz="2000" dirty="0" smtClean="0"/>
-              <a:t>To test upper-bound of the selector, we train our model on the ground-truth segments of PASCAL-S with human fixation maps. It achieves a F-Measure of 0.9201 .</a:t>
+              <a:t>To test upper-bound of the selector, we train our model on the ground-truth segments of PASCAL-S with human fixation maps. It achieves a F-Measure of 0.9201 </a:t>
+            </a:r>
+            <a:r>
+              <a:rPr lang="en-IN" sz="2000" dirty="0" smtClean="0"/>
+              <a:t>. </a:t>
             </a:r>
             <a:r>
               <a:rPr lang="en-IN" sz="2000" dirty="0"/>
-              <a:t> To test upper-bound of the selector, we train our model on the ground-truth segments of PASCAL-S with human fixation maps. It achieves a F-Measure of 0.9201 . This result is a strong validation to bridge the gap between fixations </a:t>
+              <a:t>This result is a strong validation </a:t>
+            </a:r>
+            <a:r>
+              <a:rPr lang="en-IN" sz="2000" dirty="0" smtClean="0"/>
+              <a:t>to bridge </a:t>
+            </a:r>
+            <a:r>
+              <a:rPr lang="en-IN" sz="2000" dirty="0"/>
+              <a:t>the gap between fixations </a:t>
             </a:r>
             <a:r>
               <a:rPr lang="en-US" sz="2000" dirty="0"/>
@@ -10554,8 +10582,8 @@
         </p:blipFill>
         <p:spPr>
           <a:xfrm>
-            <a:off x="727017" y="1858658"/>
-            <a:ext cx="10601895" cy="2413439"/>
+            <a:off x="273328" y="1802674"/>
+            <a:ext cx="8793147" cy="2956481"/>
           </a:xfrm>
         </p:spPr>
       </p:pic>
@@ -10627,14 +10655,58 @@
         </p:blipFill>
         <p:spPr>
           <a:xfrm>
-            <a:off x="4842299" y="4469363"/>
-            <a:ext cx="2737890" cy="1828562"/>
+            <a:off x="8979110" y="4077477"/>
+            <a:ext cx="3212889" cy="2145801"/>
           </a:xfrm>
           <a:prstGeom prst="rect">
             <a:avLst/>
           </a:prstGeom>
         </p:spPr>
       </p:pic>
+      <p:sp>
+        <p:nvSpPr>
+          <p:cNvPr id="3" name="TextBox 2"/>
+          <p:cNvSpPr txBox="1"/>
+          <p:nvPr/>
+        </p:nvSpPr>
+        <p:spPr>
+          <a:xfrm>
+            <a:off x="500121" y="4759155"/>
+            <a:ext cx="6886180" cy="646331"/>
+          </a:xfrm>
+          <a:prstGeom prst="rect">
+            <a:avLst/>
+          </a:prstGeom>
+          <a:noFill/>
+        </p:spPr>
+        <p:txBody>
+          <a:bodyPr wrap="none" rtlCol="0">
+            <a:spAutoFit/>
+          </a:bodyPr>
+          <a:lstStyle/>
+          <a:p>
+            <a:r>
+              <a:rPr lang="en-IN" dirty="0" smtClean="0"/>
+              <a:t>F-measure on PASCAL-S dataset. All </a:t>
+            </a:r>
+            <a:r>
+              <a:rPr lang="en-IN" dirty="0" err="1" smtClean="0"/>
+              <a:t>CPMC+Fixation</a:t>
+            </a:r>
+            <a:r>
+              <a:rPr lang="en-IN" dirty="0" smtClean="0"/>
+              <a:t> results are obtained</a:t>
+            </a:r>
+          </a:p>
+          <a:p>
+            <a:r>
+              <a:rPr lang="en-IN" dirty="0" smtClean="0"/>
+              <a:t> using the top K = 20 segments</a:t>
+            </a:r>
+            <a:endParaRPr lang="en-US" dirty="0"/>
+          </a:p>
+        </p:txBody>
+      </p:sp>
     </p:spTree>
     <p:extLst>
       <p:ext uri="{BB962C8B-B14F-4D97-AF65-F5344CB8AC3E}">
@@ -10741,8 +10813,8 @@
         </p:blipFill>
         <p:spPr>
           <a:xfrm>
-            <a:off x="1238906" y="98636"/>
-            <a:ext cx="3032344" cy="5719666"/>
+            <a:off x="1238906" y="98635"/>
+            <a:ext cx="3217494" cy="6068899"/>
           </a:xfrm>
           <a:prstGeom prst="rect">
             <a:avLst/>
@@ -10771,7 +10843,7 @@
         </p:blipFill>
         <p:spPr>
           <a:xfrm>
-            <a:off x="4718383" y="1875453"/>
+            <a:off x="4718383" y="1866122"/>
             <a:ext cx="6494100" cy="2166032"/>
           </a:xfrm>
           <a:prstGeom prst="rect">
@@ -10787,8 +10859,8 @@
         </p:nvSpPr>
         <p:spPr>
           <a:xfrm>
-            <a:off x="1152415" y="5818302"/>
-            <a:ext cx="4834272" cy="369332"/>
+            <a:off x="4455452" y="4297412"/>
+            <a:ext cx="7612723" cy="1477328"/>
           </a:xfrm>
           <a:prstGeom prst="rect">
             <a:avLst/>
@@ -10796,14 +10868,66 @@
           <a:noFill/>
         </p:spPr>
         <p:txBody>
-          <a:bodyPr wrap="none" rtlCol="0">
+          <a:bodyPr wrap="square" rtlCol="0">
             <a:spAutoFit/>
           </a:bodyPr>
           <a:lstStyle/>
           <a:p>
             <a:r>
               <a:rPr lang="en-IN" dirty="0" smtClean="0"/>
-              <a:t>Visualization of salient object segmentation on FT</a:t>
+              <a:t>Visualization of salient object segmentation on </a:t>
+            </a:r>
+            <a:r>
+              <a:rPr lang="en-IN" dirty="0" smtClean="0"/>
+              <a:t>FT.</a:t>
+            </a:r>
+            <a:r>
+              <a:rPr lang="en-IN" dirty="0"/>
+              <a:t> The </a:t>
+            </a:r>
+            <a:r>
+              <a:rPr lang="en-IN" dirty="0" smtClean="0"/>
+              <a:t>first </a:t>
+            </a:r>
+            <a:r>
+              <a:rPr lang="en-IN" dirty="0"/>
+              <a:t>row includes </a:t>
+            </a:r>
+            <a:r>
+              <a:rPr lang="en-IN" dirty="0" smtClean="0"/>
+              <a:t>results from </a:t>
+            </a:r>
+            <a:r>
+              <a:rPr lang="en-IN" dirty="0"/>
+              <a:t>existing methods (Left to Right): Original image, Ground-truth </a:t>
+            </a:r>
+            <a:r>
+              <a:rPr lang="en-IN" dirty="0" smtClean="0"/>
+              <a:t>mask, FT</a:t>
+            </a:r>
+            <a:r>
+              <a:rPr lang="en-IN" dirty="0"/>
+              <a:t>, GC, PCAS, SF and CPMC ranking; The second row shows results of our </a:t>
+            </a:r>
+            <a:r>
+              <a:rPr lang="en-IN" dirty="0" smtClean="0"/>
+              <a:t>method using different fixations </a:t>
+            </a:r>
+            <a:r>
+              <a:rPr lang="en-IN" dirty="0"/>
+              <a:t>(</a:t>
+            </a:r>
+            <a:r>
+              <a:rPr lang="en-IN" dirty="0" smtClean="0"/>
+              <a:t>Left to </a:t>
+            </a:r>
+            <a:r>
+              <a:rPr lang="en-IN" dirty="0"/>
+              <a:t>Right): AIM, AWS, DVA, GBVS, ITTI, SIG and </a:t>
+            </a:r>
+            <a:r>
+              <a:rPr lang="en-IN" dirty="0" smtClean="0"/>
+              <a:t>SUN.</a:t>
             </a:r>
             <a:endParaRPr lang="en-US" dirty="0"/>
           </a:p>
@@ -10932,7 +11056,7 @@
         <p:spPr>
           <a:xfrm>
             <a:off x="7550468" y="2967136"/>
-            <a:ext cx="4542005" cy="646331"/>
+            <a:ext cx="4542005" cy="2308324"/>
           </a:xfrm>
           <a:prstGeom prst="rect">
             <a:avLst/>
@@ -10947,7 +11071,79 @@
           <a:p>
             <a:r>
               <a:rPr lang="en-IN" dirty="0" smtClean="0"/>
-              <a:t>Visualization of salient object segmentation on IS</a:t>
+              <a:t>Visualization of salient object segmentation on </a:t>
+            </a:r>
+            <a:r>
+              <a:rPr lang="en-IN" dirty="0" smtClean="0"/>
+              <a:t>IS.</a:t>
+            </a:r>
+            <a:r>
+              <a:rPr lang="en-IN" dirty="0"/>
+              <a:t> The </a:t>
+            </a:r>
+            <a:r>
+              <a:rPr lang="en-IN" dirty="0" smtClean="0"/>
+              <a:t>first </a:t>
+            </a:r>
+            <a:r>
+              <a:rPr lang="en-IN" dirty="0"/>
+              <a:t>row includes results from </a:t>
+            </a:r>
+            <a:r>
+              <a:rPr lang="en-IN" dirty="0" smtClean="0"/>
+              <a:t>existing methods </a:t>
+            </a:r>
+            <a:r>
+              <a:rPr lang="en-IN" dirty="0"/>
+              <a:t>(Left to Right): Original </a:t>
+            </a:r>
+            <a:r>
+              <a:rPr lang="en-IN" dirty="0" smtClean="0"/>
+              <a:t>image, Ground-truth mask, FT</a:t>
+            </a:r>
+            <a:r>
+              <a:rPr lang="en-IN" dirty="0"/>
+              <a:t>, GC, PCAS, SF </a:t>
+            </a:r>
+            <a:r>
+              <a:rPr lang="en-IN" dirty="0" smtClean="0"/>
+              <a:t>and CPMC ranking. </a:t>
+            </a:r>
+            <a:r>
+              <a:rPr lang="en-IN" dirty="0"/>
+              <a:t>The second row shows </a:t>
+            </a:r>
+            <a:r>
+              <a:rPr lang="en-IN" dirty="0" smtClean="0"/>
+              <a:t>results of </a:t>
+            </a:r>
+            <a:r>
+              <a:rPr lang="en-IN" dirty="0"/>
+              <a:t>our method using </a:t>
+            </a:r>
+            <a:r>
+              <a:rPr lang="en-IN" dirty="0" smtClean="0"/>
+              <a:t>different fixations </a:t>
+            </a:r>
+            <a:r>
+              <a:rPr lang="en-IN" dirty="0"/>
+              <a:t>(</a:t>
+            </a:r>
+            <a:r>
+              <a:rPr lang="en-IN" dirty="0" smtClean="0"/>
+              <a:t>Left to </a:t>
+            </a:r>
+            <a:r>
+              <a:rPr lang="en-IN" dirty="0"/>
+              <a:t>Right): Human Fixation, AIM, AWS, DVA, </a:t>
+            </a:r>
+            <a:r>
+              <a:rPr lang="en-IN" dirty="0" smtClean="0"/>
+              <a:t>GBVS, ITTI</a:t>
+            </a:r>
+            <a:r>
+              <a:rPr lang="en-IN" dirty="0"/>
+              <a:t>, SIG and SUN.</a:t>
             </a:r>
             <a:endParaRPr lang="en-US" dirty="0"/>
           </a:p>
@@ -11091,7 +11287,11 @@
           <a:p>
             <a:r>
               <a:rPr lang="en-IN" dirty="0" smtClean="0"/>
-              <a:t>Visualization of salient object segmentation on PASCAL-S</a:t>
+              <a:t>Visualization of salient object segmentation on </a:t>
+            </a:r>
+            <a:r>
+              <a:rPr lang="en-IN" dirty="0" smtClean="0"/>
+              <a:t>PASCAL-S.</a:t>
             </a:r>
             <a:endParaRPr lang="en-US" dirty="0"/>
           </a:p>
@@ -11228,26 +11428,16 @@
             </a:pPr>
             <a:r>
               <a:rPr lang="en-IN" dirty="0" smtClean="0"/>
-              <a:t>Proposed a new salient object segmentation algorithm which out-performed state-of-the art algorithms.</a:t>
-            </a:r>
-            <a:endParaRPr lang="en-US" dirty="0" smtClean="0"/>
-          </a:p>
-          <a:p>
-            <a:pPr>
-              <a:buFont typeface="Arial" panose="020B0604020202020204" pitchFamily="34" charset="0"/>
-              <a:buChar char="•"/>
-            </a:pPr>
-            <a:r>
-              <a:rPr lang="en-IN" dirty="0" smtClean="0"/>
-              <a:t>A new possible direction would be to look into strong correlation between fixations and salient objects. </a:t>
-            </a:r>
-            <a:endParaRPr lang="en-US" dirty="0"/>
-          </a:p>
-          <a:p>
-            <a:pPr>
-              <a:buFont typeface="Arial" panose="020B0604020202020204" pitchFamily="34" charset="0"/>
-              <a:buChar char="•"/>
-            </a:pPr>
+              <a:t>Proposed a new salient object segmentation algorithm which out-performed state-of-the art </a:t>
+            </a:r>
+            <a:r>
+              <a:rPr lang="en-IN" smtClean="0"/>
+              <a:t>algorithms</a:t>
+            </a:r>
+            <a:r>
+              <a:rPr lang="en-IN" smtClean="0"/>
+              <a:t>.</a:t>
+            </a:r>
             <a:endParaRPr lang="en-US" dirty="0" smtClean="0"/>
           </a:p>
           <a:p>
@@ -11491,7 +11681,6 @@
               <a:rPr lang="en-IN" sz="2000" dirty="0" smtClean="0"/>
               <a:t>bias</a:t>
             </a:r>
-            <a:endParaRPr lang="en-IN" sz="2000" dirty="0" smtClean="0"/>
           </a:p>
           <a:p>
             <a:pPr>
@@ -11510,11 +11699,7 @@
             </a:pPr>
             <a:r>
               <a:rPr lang="en-IN" sz="2000" dirty="0" smtClean="0"/>
-              <a:t>The </a:t>
-            </a:r>
-            <a:r>
-              <a:rPr lang="en-IN" sz="2000" dirty="0" smtClean="0"/>
-              <a:t>model</a:t>
+              <a:t>The model</a:t>
             </a:r>
           </a:p>
           <a:p>
@@ -12114,7 +12299,15 @@
             </a:pPr>
             <a:r>
               <a:rPr lang="en-IN" dirty="0"/>
-              <a:t>Bottom-up visual saliency refers to the ability to select important visual information for further </a:t>
+              <a:t>V</a:t>
+            </a:r>
+            <a:r>
+              <a:rPr lang="en-IN" dirty="0" smtClean="0"/>
+              <a:t>isual </a:t>
+            </a:r>
+            <a:r>
+              <a:rPr lang="en-IN" dirty="0"/>
+              <a:t>saliency refers to the ability to select important visual information for further </a:t>
             </a:r>
             <a:r>
               <a:rPr lang="en-IN" dirty="0" smtClean="0"/>

--- a/Presentation/The Secrets of Salient Object Segmentation.pptx
+++ b/Presentation/The Secrets of Salient Object Segmentation.pptx
@@ -1979,46 +1979,46 @@
   </dgm:ptLst>
   <dgm:cxnLst>
     <dgm:cxn modelId="{959E8BF5-A76D-4FBE-B923-D40515DF72C9}" srcId="{6794AC66-7A6B-4A15-A80B-5FA9AAAD7A8D}" destId="{16195E57-C684-4CD8-B6EB-A70F94727FC6}" srcOrd="0" destOrd="0" parTransId="{E697047B-8107-4C43-8FDF-A63FB197AC7E}" sibTransId="{75A25B41-9107-4537-A5B8-79EFA9073B67}"/>
+    <dgm:cxn modelId="{10B321F4-1E05-48D8-9147-521FFD9EAA16}" srcId="{223AA69A-A598-4437-855D-10586A66BE7E}" destId="{FCDEA177-2924-4025-8C69-F2EA58DD8A07}" srcOrd="2" destOrd="0" parTransId="{7BA847A3-0416-4103-A94B-5D13EE30928E}" sibTransId="{96A06567-FFCB-4060-8787-2CF7EE3032AA}"/>
+    <dgm:cxn modelId="{941DF0FE-81A9-4C20-AFB8-0FBDD59E3516}" type="presOf" srcId="{65D1FAE7-E96F-41D2-8FE8-A377B94B3E54}" destId="{BF853E29-5A36-4963-9248-5FB422107160}" srcOrd="0" destOrd="4" presId="urn:microsoft.com/office/officeart/2005/8/layout/matrix3"/>
+    <dgm:cxn modelId="{7943F3E7-FD18-4A34-800C-84A23A2BBC27}" srcId="{AFFF3375-A717-4234-A9BA-282E811124FE}" destId="{77BFED9A-605C-4741-9115-247028EC2DA7}" srcOrd="3" destOrd="0" parTransId="{26FE9F41-CAA5-47B3-BF57-B3A50BB2C8E9}" sibTransId="{787006BF-B4A4-4E91-9C46-AC4E67FB2705}"/>
+    <dgm:cxn modelId="{2A676AA2-9772-4FC7-8E88-65D220931F8B}" srcId="{223AA69A-A598-4437-855D-10586A66BE7E}" destId="{65D1FAE7-E96F-41D2-8FE8-A377B94B3E54}" srcOrd="3" destOrd="0" parTransId="{B9A8B8A8-D0A7-496B-B561-9E62CDB7A486}" sibTransId="{FF067A88-BB7F-496E-99E8-0F25D351C311}"/>
+    <dgm:cxn modelId="{653BBCA2-DF0E-4011-A3B4-4A571EC11413}" srcId="{32134AD4-4A6A-4E72-8FF5-81752190FAB6}" destId="{51B73331-6214-42F4-AB84-84D4BB40897C}" srcOrd="1" destOrd="0" parTransId="{C9384D3D-061E-457A-9158-5579962A609A}" sibTransId="{94E343BE-47A6-44C4-91FC-C5525ADFD94B}"/>
+    <dgm:cxn modelId="{32D2348E-0856-4585-AE9D-02DB07A3632B}" type="presOf" srcId="{77BFED9A-605C-4741-9115-247028EC2DA7}" destId="{1E7F13A2-F346-44F8-820A-A7BCD20C277E}" srcOrd="0" destOrd="4" presId="urn:microsoft.com/office/officeart/2005/8/layout/matrix3"/>
+    <dgm:cxn modelId="{6CFEC6ED-F97F-429F-8078-C530616FD92D}" type="presOf" srcId="{36F0B2EF-D5A8-402C-B526-DCA3F305A90E}" destId="{1E7F13A2-F346-44F8-820A-A7BCD20C277E}" srcOrd="0" destOrd="3" presId="urn:microsoft.com/office/officeart/2005/8/layout/matrix3"/>
+    <dgm:cxn modelId="{803D3002-3ECD-4DBB-8DA6-E2BB5DFC0374}" type="presOf" srcId="{830153CB-5FAE-4A33-9CD5-C62E344B8E11}" destId="{1E7F13A2-F346-44F8-820A-A7BCD20C277E}" srcOrd="0" destOrd="2" presId="urn:microsoft.com/office/officeart/2005/8/layout/matrix3"/>
+    <dgm:cxn modelId="{5CB12B73-3FB3-4469-B8FA-2E7109ECF7FC}" type="presOf" srcId="{FCDEA177-2924-4025-8C69-F2EA58DD8A07}" destId="{BF853E29-5A36-4963-9248-5FB422107160}" srcOrd="0" destOrd="3" presId="urn:microsoft.com/office/officeart/2005/8/layout/matrix3"/>
+    <dgm:cxn modelId="{4427F917-B262-4F00-94BB-2A2DBD2E2456}" srcId="{AFFF3375-A717-4234-A9BA-282E811124FE}" destId="{36F0B2EF-D5A8-402C-B526-DCA3F305A90E}" srcOrd="2" destOrd="0" parTransId="{BC9F4EC9-DCBC-40EB-B05E-E9C291947978}" sibTransId="{548217E6-E818-4B34-96BC-6A477E464344}"/>
+    <dgm:cxn modelId="{ACB92F2A-B8CA-41F0-8061-E1742CB8803D}" type="presOf" srcId="{16195E57-C684-4CD8-B6EB-A70F94727FC6}" destId="{9DA9DF1F-9C42-4DB1-9CA8-D61819A5BF6C}" srcOrd="0" destOrd="1" presId="urn:microsoft.com/office/officeart/2005/8/layout/matrix3"/>
+    <dgm:cxn modelId="{D00791A7-FB7E-4947-A706-AA92CF0D5B18}" type="presOf" srcId="{32134AD4-4A6A-4E72-8FF5-81752190FAB6}" destId="{1CF41212-1114-4D9D-995D-0F3B0348B8E4}" srcOrd="0" destOrd="0" presId="urn:microsoft.com/office/officeart/2005/8/layout/matrix3"/>
+    <dgm:cxn modelId="{F4BC9777-0811-40AC-A2F9-C3E5794F7B15}" srcId="{32134AD4-4A6A-4E72-8FF5-81752190FAB6}" destId="{AFFF3375-A717-4234-A9BA-282E811124FE}" srcOrd="2" destOrd="0" parTransId="{BBC56CB2-D20F-42E3-A5D2-EE3D57A5BED0}" sibTransId="{D591D4BC-F466-4E56-A788-64145EC3CFB6}"/>
+    <dgm:cxn modelId="{53E43E65-10D7-437E-837E-8D1DB20BC5AE}" srcId="{51B73331-6214-42F4-AB84-84D4BB40897C}" destId="{9567615D-FDFD-4434-9190-FAE63FC96CF9}" srcOrd="3" destOrd="0" parTransId="{C00D789E-CCB5-4A7A-A0A0-FE61FE92F8A0}" sibTransId="{042CEDDE-8F69-41B3-9B2D-0AD846EE70AF}"/>
+    <dgm:cxn modelId="{37F05891-493A-4486-BA70-B53A9AA09276}" srcId="{223AA69A-A598-4437-855D-10586A66BE7E}" destId="{679B0ED3-D0B8-4307-8885-7CEABC4C3FD8}" srcOrd="0" destOrd="0" parTransId="{231A32F3-72BF-4F6E-9BA1-5EB1ADE5FE8C}" sibTransId="{AC8F3F6E-5B75-4572-B706-ED4E03127D71}"/>
+    <dgm:cxn modelId="{848FE304-B060-4EF3-89EC-D5DD49AD9137}" type="presOf" srcId="{4D0734BE-CB97-4110-AEC8-45E1D407E851}" destId="{9DA9DF1F-9C42-4DB1-9CA8-D61819A5BF6C}" srcOrd="0" destOrd="2" presId="urn:microsoft.com/office/officeart/2005/8/layout/matrix3"/>
+    <dgm:cxn modelId="{250EEC31-D360-4474-9AB0-54250D321B9C}" srcId="{AFFF3375-A717-4234-A9BA-282E811124FE}" destId="{0A545F1A-1A68-4303-8123-AFC48C3F80B4}" srcOrd="0" destOrd="0" parTransId="{D27C7DB8-6FCF-43F7-9D23-3CA8424A32D7}" sibTransId="{C6D61611-6324-43A4-81BF-29173127BE3C}"/>
+    <dgm:cxn modelId="{1E03D6A0-52F7-487D-8B0C-1013E70314FD}" srcId="{51B73331-6214-42F4-AB84-84D4BB40897C}" destId="{AD4E7865-07BD-4567-87C3-5DA5A9F24553}" srcOrd="2" destOrd="0" parTransId="{8F946C09-8523-487D-87F3-57F3AFF1129E}" sibTransId="{E4120C01-348D-4441-A733-2220AD1BD21F}"/>
     <dgm:cxn modelId="{20068D33-913D-4056-9E31-2A89D2DEE1C6}" srcId="{6794AC66-7A6B-4A15-A80B-5FA9AAAD7A8D}" destId="{4D0734BE-CB97-4110-AEC8-45E1D407E851}" srcOrd="1" destOrd="0" parTransId="{7E54CFC5-ED59-4B38-B4CE-712ABD1EEFB5}" sibTransId="{E900DB63-8E52-42B2-854D-10503F66C23D}"/>
-    <dgm:cxn modelId="{32D2348E-0856-4585-AE9D-02DB07A3632B}" type="presOf" srcId="{77BFED9A-605C-4741-9115-247028EC2DA7}" destId="{1E7F13A2-F346-44F8-820A-A7BCD20C277E}" srcOrd="0" destOrd="4" presId="urn:microsoft.com/office/officeart/2005/8/layout/matrix3"/>
+    <dgm:cxn modelId="{2CD30107-0013-4AF6-A8DF-ACD6825C0D44}" type="presOf" srcId="{223AA69A-A598-4437-855D-10586A66BE7E}" destId="{BF853E29-5A36-4963-9248-5FB422107160}" srcOrd="0" destOrd="0" presId="urn:microsoft.com/office/officeart/2005/8/layout/matrix3"/>
+    <dgm:cxn modelId="{D35772B0-1998-4DD2-8B6A-7F8D1A2539B6}" srcId="{32134AD4-4A6A-4E72-8FF5-81752190FAB6}" destId="{6794AC66-7A6B-4A15-A80B-5FA9AAAD7A8D}" srcOrd="0" destOrd="0" parTransId="{02E8447E-8FAC-47F7-AC01-FC3A777EA298}" sibTransId="{91C6D16F-E0FB-4BC0-95FE-6750EFF70548}"/>
+    <dgm:cxn modelId="{1FBC3704-AE7E-45D6-8C93-02A5AE2533A5}" srcId="{223AA69A-A598-4437-855D-10586A66BE7E}" destId="{76EBE92D-E558-44AD-9899-5C2D8D205836}" srcOrd="1" destOrd="0" parTransId="{8DBF33A6-4072-4789-B740-B0EF1B36B522}" sibTransId="{A000D2C0-651F-4ECD-8B4F-DE37666CF113}"/>
+    <dgm:cxn modelId="{7E66133F-2681-4387-B3B2-2CF9B90E5C13}" type="presOf" srcId="{679B0ED3-D0B8-4307-8885-7CEABC4C3FD8}" destId="{BF853E29-5A36-4963-9248-5FB422107160}" srcOrd="0" destOrd="1" presId="urn:microsoft.com/office/officeart/2005/8/layout/matrix3"/>
+    <dgm:cxn modelId="{93975341-8225-4228-A2EF-FE0022FA6D72}" type="presOf" srcId="{1BCF8E3C-2A5D-4730-A075-9BDA52D349DF}" destId="{D0020165-EFC2-4054-9EC6-23102E2E5DD6}" srcOrd="0" destOrd="1" presId="urn:microsoft.com/office/officeart/2005/8/layout/matrix3"/>
     <dgm:cxn modelId="{EBFCAC84-2A02-4389-A855-9D69F521F503}" srcId="{6794AC66-7A6B-4A15-A80B-5FA9AAAD7A8D}" destId="{E07255FA-6705-4D9F-B694-4351B4A8BE4F}" srcOrd="3" destOrd="0" parTransId="{343FA842-29A2-4B15-A47B-E5B6A943B409}" sibTransId="{4198BA33-DB19-40C4-988F-C0AA79E984E0}"/>
-    <dgm:cxn modelId="{37F05891-493A-4486-BA70-B53A9AA09276}" srcId="{223AA69A-A598-4437-855D-10586A66BE7E}" destId="{679B0ED3-D0B8-4307-8885-7CEABC4C3FD8}" srcOrd="0" destOrd="0" parTransId="{231A32F3-72BF-4F6E-9BA1-5EB1ADE5FE8C}" sibTransId="{AC8F3F6E-5B75-4572-B706-ED4E03127D71}"/>
-    <dgm:cxn modelId="{653BBCA2-DF0E-4011-A3B4-4A571EC11413}" srcId="{32134AD4-4A6A-4E72-8FF5-81752190FAB6}" destId="{51B73331-6214-42F4-AB84-84D4BB40897C}" srcOrd="1" destOrd="0" parTransId="{C9384D3D-061E-457A-9158-5579962A609A}" sibTransId="{94E343BE-47A6-44C4-91FC-C5525ADFD94B}"/>
+    <dgm:cxn modelId="{C301D3FB-EF13-4E7F-9D66-02469EF1CDF7}" type="presOf" srcId="{8BF1FBB8-FA00-4F01-8ACB-F2CF61EBAE56}" destId="{9DA9DF1F-9C42-4DB1-9CA8-D61819A5BF6C}" srcOrd="0" destOrd="3" presId="urn:microsoft.com/office/officeart/2005/8/layout/matrix3"/>
     <dgm:cxn modelId="{195832A0-3FE1-4D03-A51B-7F7FB7DAF927}" type="presOf" srcId="{AD4E7865-07BD-4567-87C3-5DA5A9F24553}" destId="{D0020165-EFC2-4054-9EC6-23102E2E5DD6}" srcOrd="0" destOrd="3" presId="urn:microsoft.com/office/officeart/2005/8/layout/matrix3"/>
-    <dgm:cxn modelId="{7943F3E7-FD18-4A34-800C-84A23A2BBC27}" srcId="{AFFF3375-A717-4234-A9BA-282E811124FE}" destId="{77BFED9A-605C-4741-9115-247028EC2DA7}" srcOrd="3" destOrd="0" parTransId="{26FE9F41-CAA5-47B3-BF57-B3A50BB2C8E9}" sibTransId="{787006BF-B4A4-4E91-9C46-AC4E67FB2705}"/>
-    <dgm:cxn modelId="{87A75A06-F09C-4F17-BCAB-234D0CDDC8E2}" srcId="{AFFF3375-A717-4234-A9BA-282E811124FE}" destId="{830153CB-5FAE-4A33-9CD5-C62E344B8E11}" srcOrd="1" destOrd="0" parTransId="{9B2C79F8-E987-4DBE-AD0F-379F1F7613D9}" sibTransId="{D747E949-17E5-401B-9722-949BCD39E3FA}"/>
-    <dgm:cxn modelId="{53E43E65-10D7-437E-837E-8D1DB20BC5AE}" srcId="{51B73331-6214-42F4-AB84-84D4BB40897C}" destId="{9567615D-FDFD-4434-9190-FAE63FC96CF9}" srcOrd="3" destOrd="0" parTransId="{C00D789E-CCB5-4A7A-A0A0-FE61FE92F8A0}" sibTransId="{042CEDDE-8F69-41B3-9B2D-0AD846EE70AF}"/>
-    <dgm:cxn modelId="{B144B26E-A1FE-44A9-94A8-01F83AB31883}" type="presOf" srcId="{6794AC66-7A6B-4A15-A80B-5FA9AAAD7A8D}" destId="{9DA9DF1F-9C42-4DB1-9CA8-D61819A5BF6C}" srcOrd="0" destOrd="0" presId="urn:microsoft.com/office/officeart/2005/8/layout/matrix3"/>
-    <dgm:cxn modelId="{2CD30107-0013-4AF6-A8DF-ACD6825C0D44}" type="presOf" srcId="{223AA69A-A598-4437-855D-10586A66BE7E}" destId="{BF853E29-5A36-4963-9248-5FB422107160}" srcOrd="0" destOrd="0" presId="urn:microsoft.com/office/officeart/2005/8/layout/matrix3"/>
-    <dgm:cxn modelId="{D00791A7-FB7E-4947-A706-AA92CF0D5B18}" type="presOf" srcId="{32134AD4-4A6A-4E72-8FF5-81752190FAB6}" destId="{1CF41212-1114-4D9D-995D-0F3B0348B8E4}" srcOrd="0" destOrd="0" presId="urn:microsoft.com/office/officeart/2005/8/layout/matrix3"/>
-    <dgm:cxn modelId="{363E36B5-CD04-4DB2-9591-9574BA3630EB}" type="presOf" srcId="{0A545F1A-1A68-4303-8123-AFC48C3F80B4}" destId="{1E7F13A2-F346-44F8-820A-A7BCD20C277E}" srcOrd="0" destOrd="1" presId="urn:microsoft.com/office/officeart/2005/8/layout/matrix3"/>
-    <dgm:cxn modelId="{446AF400-8D16-41F4-A1E5-B91CB83149A2}" type="presOf" srcId="{E07255FA-6705-4D9F-B694-4351B4A8BE4F}" destId="{9DA9DF1F-9C42-4DB1-9CA8-D61819A5BF6C}" srcOrd="0" destOrd="4" presId="urn:microsoft.com/office/officeart/2005/8/layout/matrix3"/>
-    <dgm:cxn modelId="{C301D3FB-EF13-4E7F-9D66-02469EF1CDF7}" type="presOf" srcId="{8BF1FBB8-FA00-4F01-8ACB-F2CF61EBAE56}" destId="{9DA9DF1F-9C42-4DB1-9CA8-D61819A5BF6C}" srcOrd="0" destOrd="3" presId="urn:microsoft.com/office/officeart/2005/8/layout/matrix3"/>
-    <dgm:cxn modelId="{00A1DFD8-92EB-4DD0-9820-F31053711EE7}" srcId="{6794AC66-7A6B-4A15-A80B-5FA9AAAD7A8D}" destId="{8BF1FBB8-FA00-4F01-8ACB-F2CF61EBAE56}" srcOrd="2" destOrd="0" parTransId="{D28E422F-CF8B-4058-B4D2-16A63ED5EE39}" sibTransId="{18E5268E-243E-4B92-ADF3-20700DD9E2C3}"/>
-    <dgm:cxn modelId="{250EEC31-D360-4474-9AB0-54250D321B9C}" srcId="{AFFF3375-A717-4234-A9BA-282E811124FE}" destId="{0A545F1A-1A68-4303-8123-AFC48C3F80B4}" srcOrd="0" destOrd="0" parTransId="{D27C7DB8-6FCF-43F7-9D23-3CA8424A32D7}" sibTransId="{C6D61611-6324-43A4-81BF-29173127BE3C}"/>
     <dgm:cxn modelId="{B7CFC6FA-4947-4AB2-8341-70314029F4A7}" srcId="{51B73331-6214-42F4-AB84-84D4BB40897C}" destId="{1BCF8E3C-2A5D-4730-A075-9BDA52D349DF}" srcOrd="0" destOrd="0" parTransId="{420785F5-EBD6-49CC-9701-943B4F330544}" sibTransId="{8E26634C-326A-4D74-B4AF-0D709334C7B5}"/>
     <dgm:cxn modelId="{6C94DF52-FFEB-41E1-92C8-AE80CC535EC8}" type="presOf" srcId="{76EBE92D-E558-44AD-9899-5C2D8D205836}" destId="{BF853E29-5A36-4963-9248-5FB422107160}" srcOrd="0" destOrd="2" presId="urn:microsoft.com/office/officeart/2005/8/layout/matrix3"/>
-    <dgm:cxn modelId="{4427F917-B262-4F00-94BB-2A2DBD2E2456}" srcId="{AFFF3375-A717-4234-A9BA-282E811124FE}" destId="{36F0B2EF-D5A8-402C-B526-DCA3F305A90E}" srcOrd="2" destOrd="0" parTransId="{BC9F4EC9-DCBC-40EB-B05E-E9C291947978}" sibTransId="{548217E6-E818-4B34-96BC-6A477E464344}"/>
-    <dgm:cxn modelId="{848FE304-B060-4EF3-89EC-D5DD49AD9137}" type="presOf" srcId="{4D0734BE-CB97-4110-AEC8-45E1D407E851}" destId="{9DA9DF1F-9C42-4DB1-9CA8-D61819A5BF6C}" srcOrd="0" destOrd="2" presId="urn:microsoft.com/office/officeart/2005/8/layout/matrix3"/>
-    <dgm:cxn modelId="{10B321F4-1E05-48D8-9147-521FFD9EAA16}" srcId="{223AA69A-A598-4437-855D-10586A66BE7E}" destId="{FCDEA177-2924-4025-8C69-F2EA58DD8A07}" srcOrd="2" destOrd="0" parTransId="{7BA847A3-0416-4103-A94B-5D13EE30928E}" sibTransId="{96A06567-FFCB-4060-8787-2CF7EE3032AA}"/>
-    <dgm:cxn modelId="{803D3002-3ECD-4DBB-8DA6-E2BB5DFC0374}" type="presOf" srcId="{830153CB-5FAE-4A33-9CD5-C62E344B8E11}" destId="{1E7F13A2-F346-44F8-820A-A7BCD20C277E}" srcOrd="0" destOrd="2" presId="urn:microsoft.com/office/officeart/2005/8/layout/matrix3"/>
-    <dgm:cxn modelId="{6CFEC6ED-F97F-429F-8078-C530616FD92D}" type="presOf" srcId="{36F0B2EF-D5A8-402C-B526-DCA3F305A90E}" destId="{1E7F13A2-F346-44F8-820A-A7BCD20C277E}" srcOrd="0" destOrd="3" presId="urn:microsoft.com/office/officeart/2005/8/layout/matrix3"/>
-    <dgm:cxn modelId="{1E03D6A0-52F7-487D-8B0C-1013E70314FD}" srcId="{51B73331-6214-42F4-AB84-84D4BB40897C}" destId="{AD4E7865-07BD-4567-87C3-5DA5A9F24553}" srcOrd="2" destOrd="0" parTransId="{8F946C09-8523-487D-87F3-57F3AFF1129E}" sibTransId="{E4120C01-348D-4441-A733-2220AD1BD21F}"/>
-    <dgm:cxn modelId="{941DF0FE-81A9-4C20-AFB8-0FBDD59E3516}" type="presOf" srcId="{65D1FAE7-E96F-41D2-8FE8-A377B94B3E54}" destId="{BF853E29-5A36-4963-9248-5FB422107160}" srcOrd="0" destOrd="4" presId="urn:microsoft.com/office/officeart/2005/8/layout/matrix3"/>
-    <dgm:cxn modelId="{1FBC3704-AE7E-45D6-8C93-02A5AE2533A5}" srcId="{223AA69A-A598-4437-855D-10586A66BE7E}" destId="{76EBE92D-E558-44AD-9899-5C2D8D205836}" srcOrd="1" destOrd="0" parTransId="{8DBF33A6-4072-4789-B740-B0EF1B36B522}" sibTransId="{A000D2C0-651F-4ECD-8B4F-DE37666CF113}"/>
-    <dgm:cxn modelId="{D35772B0-1998-4DD2-8B6A-7F8D1A2539B6}" srcId="{32134AD4-4A6A-4E72-8FF5-81752190FAB6}" destId="{6794AC66-7A6B-4A15-A80B-5FA9AAAD7A8D}" srcOrd="0" destOrd="0" parTransId="{02E8447E-8FAC-47F7-AC01-FC3A777EA298}" sibTransId="{91C6D16F-E0FB-4BC0-95FE-6750EFF70548}"/>
+    <dgm:cxn modelId="{92238CE5-4075-416F-AE40-AF8DCB639002}" type="presOf" srcId="{9567615D-FDFD-4434-9190-FAE63FC96CF9}" destId="{D0020165-EFC2-4054-9EC6-23102E2E5DD6}" srcOrd="0" destOrd="4" presId="urn:microsoft.com/office/officeart/2005/8/layout/matrix3"/>
+    <dgm:cxn modelId="{446AF400-8D16-41F4-A1E5-B91CB83149A2}" type="presOf" srcId="{E07255FA-6705-4D9F-B694-4351B4A8BE4F}" destId="{9DA9DF1F-9C42-4DB1-9CA8-D61819A5BF6C}" srcOrd="0" destOrd="4" presId="urn:microsoft.com/office/officeart/2005/8/layout/matrix3"/>
+    <dgm:cxn modelId="{B144B26E-A1FE-44A9-94A8-01F83AB31883}" type="presOf" srcId="{6794AC66-7A6B-4A15-A80B-5FA9AAAD7A8D}" destId="{9DA9DF1F-9C42-4DB1-9CA8-D61819A5BF6C}" srcOrd="0" destOrd="0" presId="urn:microsoft.com/office/officeart/2005/8/layout/matrix3"/>
     <dgm:cxn modelId="{6567AA49-321A-46AE-B08E-367784B65F94}" type="presOf" srcId="{51B73331-6214-42F4-AB84-84D4BB40897C}" destId="{D0020165-EFC2-4054-9EC6-23102E2E5DD6}" srcOrd="0" destOrd="0" presId="urn:microsoft.com/office/officeart/2005/8/layout/matrix3"/>
-    <dgm:cxn modelId="{ACB92F2A-B8CA-41F0-8061-E1742CB8803D}" type="presOf" srcId="{16195E57-C684-4CD8-B6EB-A70F94727FC6}" destId="{9DA9DF1F-9C42-4DB1-9CA8-D61819A5BF6C}" srcOrd="0" destOrd="1" presId="urn:microsoft.com/office/officeart/2005/8/layout/matrix3"/>
     <dgm:cxn modelId="{C14678FE-B57D-4DB8-831A-B0D1CE0694E2}" type="presOf" srcId="{AFFF3375-A717-4234-A9BA-282E811124FE}" destId="{1E7F13A2-F346-44F8-820A-A7BCD20C277E}" srcOrd="0" destOrd="0" presId="urn:microsoft.com/office/officeart/2005/8/layout/matrix3"/>
-    <dgm:cxn modelId="{7E66133F-2681-4387-B3B2-2CF9B90E5C13}" type="presOf" srcId="{679B0ED3-D0B8-4307-8885-7CEABC4C3FD8}" destId="{BF853E29-5A36-4963-9248-5FB422107160}" srcOrd="0" destOrd="1" presId="urn:microsoft.com/office/officeart/2005/8/layout/matrix3"/>
-    <dgm:cxn modelId="{2A676AA2-9772-4FC7-8E88-65D220931F8B}" srcId="{223AA69A-A598-4437-855D-10586A66BE7E}" destId="{65D1FAE7-E96F-41D2-8FE8-A377B94B3E54}" srcOrd="3" destOrd="0" parTransId="{B9A8B8A8-D0A7-496B-B561-9E62CDB7A486}" sibTransId="{FF067A88-BB7F-496E-99E8-0F25D351C311}"/>
-    <dgm:cxn modelId="{F4BC9777-0811-40AC-A2F9-C3E5794F7B15}" srcId="{32134AD4-4A6A-4E72-8FF5-81752190FAB6}" destId="{AFFF3375-A717-4234-A9BA-282E811124FE}" srcOrd="2" destOrd="0" parTransId="{BBC56CB2-D20F-42E3-A5D2-EE3D57A5BED0}" sibTransId="{D591D4BC-F466-4E56-A788-64145EC3CFB6}"/>
+    <dgm:cxn modelId="{00A1DFD8-92EB-4DD0-9820-F31053711EE7}" srcId="{6794AC66-7A6B-4A15-A80B-5FA9AAAD7A8D}" destId="{8BF1FBB8-FA00-4F01-8ACB-F2CF61EBAE56}" srcOrd="2" destOrd="0" parTransId="{D28E422F-CF8B-4058-B4D2-16A63ED5EE39}" sibTransId="{18E5268E-243E-4B92-ADF3-20700DD9E2C3}"/>
+    <dgm:cxn modelId="{87A75A06-F09C-4F17-BCAB-234D0CDDC8E2}" srcId="{AFFF3375-A717-4234-A9BA-282E811124FE}" destId="{830153CB-5FAE-4A33-9CD5-C62E344B8E11}" srcOrd="1" destOrd="0" parTransId="{9B2C79F8-E987-4DBE-AD0F-379F1F7613D9}" sibTransId="{D747E949-17E5-401B-9722-949BCD39E3FA}"/>
+    <dgm:cxn modelId="{A9BC8E42-5024-4C2C-BFE5-58133735B168}" type="presOf" srcId="{32A937FE-3AAA-4503-B543-969EA981BBD1}" destId="{D0020165-EFC2-4054-9EC6-23102E2E5DD6}" srcOrd="0" destOrd="2" presId="urn:microsoft.com/office/officeart/2005/8/layout/matrix3"/>
     <dgm:cxn modelId="{E1E93200-251F-446F-833F-F2DE86CD162A}" srcId="{51B73331-6214-42F4-AB84-84D4BB40897C}" destId="{32A937FE-3AAA-4503-B543-969EA981BBD1}" srcOrd="1" destOrd="0" parTransId="{865091C6-8BCA-43D7-A0DB-56ECB4A87A08}" sibTransId="{507D3D81-68CC-4A43-81D4-4AD02B6B5409}"/>
+    <dgm:cxn modelId="{363E36B5-CD04-4DB2-9591-9574BA3630EB}" type="presOf" srcId="{0A545F1A-1A68-4303-8123-AFC48C3F80B4}" destId="{1E7F13A2-F346-44F8-820A-A7BCD20C277E}" srcOrd="0" destOrd="1" presId="urn:microsoft.com/office/officeart/2005/8/layout/matrix3"/>
     <dgm:cxn modelId="{616E1371-D1EF-42F0-9D96-CCB685696DCC}" srcId="{32134AD4-4A6A-4E72-8FF5-81752190FAB6}" destId="{223AA69A-A598-4437-855D-10586A66BE7E}" srcOrd="3" destOrd="0" parTransId="{4668B74F-93AD-4BA6-8224-F9A27D56FD03}" sibTransId="{A0EF508F-99A8-4F77-874E-E3B18270678F}"/>
-    <dgm:cxn modelId="{92238CE5-4075-416F-AE40-AF8DCB639002}" type="presOf" srcId="{9567615D-FDFD-4434-9190-FAE63FC96CF9}" destId="{D0020165-EFC2-4054-9EC6-23102E2E5DD6}" srcOrd="0" destOrd="4" presId="urn:microsoft.com/office/officeart/2005/8/layout/matrix3"/>
-    <dgm:cxn modelId="{A9BC8E42-5024-4C2C-BFE5-58133735B168}" type="presOf" srcId="{32A937FE-3AAA-4503-B543-969EA981BBD1}" destId="{D0020165-EFC2-4054-9EC6-23102E2E5DD6}" srcOrd="0" destOrd="2" presId="urn:microsoft.com/office/officeart/2005/8/layout/matrix3"/>
-    <dgm:cxn modelId="{5CB12B73-3FB3-4469-B8FA-2E7109ECF7FC}" type="presOf" srcId="{FCDEA177-2924-4025-8C69-F2EA58DD8A07}" destId="{BF853E29-5A36-4963-9248-5FB422107160}" srcOrd="0" destOrd="3" presId="urn:microsoft.com/office/officeart/2005/8/layout/matrix3"/>
-    <dgm:cxn modelId="{93975341-8225-4228-A2EF-FE0022FA6D72}" type="presOf" srcId="{1BCF8E3C-2A5D-4730-A075-9BDA52D349DF}" destId="{D0020165-EFC2-4054-9EC6-23102E2E5DD6}" srcOrd="0" destOrd="1" presId="urn:microsoft.com/office/officeart/2005/8/layout/matrix3"/>
     <dgm:cxn modelId="{79FF51D2-AC08-432C-9FA1-76A8BC294852}" type="presParOf" srcId="{1CF41212-1114-4D9D-995D-0F3B0348B8E4}" destId="{F642266A-7B87-4727-9C26-2B65AF779E40}" srcOrd="0" destOrd="0" presId="urn:microsoft.com/office/officeart/2005/8/layout/matrix3"/>
     <dgm:cxn modelId="{51986D4C-9567-4719-A4D0-FC5E398F191C}" type="presParOf" srcId="{1CF41212-1114-4D9D-995D-0F3B0348B8E4}" destId="{9DA9DF1F-9C42-4DB1-9CA8-D61819A5BF6C}" srcOrd="1" destOrd="0" presId="urn:microsoft.com/office/officeart/2005/8/layout/matrix3"/>
     <dgm:cxn modelId="{6FC4B4C8-A066-43C3-AF09-8458D7A91673}" type="presParOf" srcId="{1CF41212-1114-4D9D-995D-0F3B0348B8E4}" destId="{D0020165-EFC2-4054-9EC6-23102E2E5DD6}" srcOrd="2" destOrd="0" presId="urn:microsoft.com/office/officeart/2005/8/layout/matrix3"/>
@@ -10422,11 +10422,7 @@
             </a:pPr>
             <a:r>
               <a:rPr lang="en-IN" sz="2000" dirty="0" smtClean="0"/>
-              <a:t>To test upper-bound of the selector, we train our model on the ground-truth segments of PASCAL-S with human fixation maps. It achieves a F-Measure of 0.9201 </a:t>
-            </a:r>
-            <a:r>
-              <a:rPr lang="en-IN" sz="2000" dirty="0" smtClean="0"/>
-              <a:t>. </a:t>
+              <a:t>To test upper-bound of the selector, we train our model on the ground-truth segments of PASCAL-S with human fixation maps. It achieves a F-Measure of 0.9201 . </a:t>
             </a:r>
             <a:r>
               <a:rPr lang="en-IN" sz="2000" dirty="0"/>
@@ -10875,11 +10871,7 @@
           <a:p>
             <a:r>
               <a:rPr lang="en-IN" dirty="0" smtClean="0"/>
-              <a:t>Visualization of salient object segmentation on </a:t>
-            </a:r>
-            <a:r>
-              <a:rPr lang="en-IN" dirty="0" smtClean="0"/>
-              <a:t>FT.</a:t>
+              <a:t>Visualization of salient object segmentation on FT.</a:t>
             </a:r>
             <a:r>
               <a:rPr lang="en-IN" dirty="0"/>
@@ -11071,11 +11063,7 @@
           <a:p>
             <a:r>
               <a:rPr lang="en-IN" dirty="0" smtClean="0"/>
-              <a:t>Visualization of salient object segmentation on </a:t>
-            </a:r>
-            <a:r>
-              <a:rPr lang="en-IN" dirty="0" smtClean="0"/>
-              <a:t>IS.</a:t>
+              <a:t>Visualization of salient object segmentation on IS.</a:t>
             </a:r>
             <a:r>
               <a:rPr lang="en-IN" dirty="0"/>
@@ -11287,11 +11275,7 @@
           <a:p>
             <a:r>
               <a:rPr lang="en-IN" dirty="0" smtClean="0"/>
-              <a:t>Visualization of salient object segmentation on </a:t>
-            </a:r>
-            <a:r>
-              <a:rPr lang="en-IN" dirty="0" smtClean="0"/>
-              <a:t>PASCAL-S.</a:t>
+              <a:t>Visualization of salient object segmentation on PASCAL-S.</a:t>
             </a:r>
             <a:endParaRPr lang="en-US" dirty="0"/>
           </a:p>
@@ -11432,11 +11416,7 @@
             </a:r>
             <a:r>
               <a:rPr lang="en-IN" smtClean="0"/>
-              <a:t>algorithms</a:t>
-            </a:r>
-            <a:r>
-              <a:rPr lang="en-IN" smtClean="0"/>
-              <a:t>.</a:t>
+              <a:t>algorithms.</a:t>
             </a:r>
             <a:endParaRPr lang="en-US" dirty="0" smtClean="0"/>
           </a:p>
